--- a/Weather Prediction AI mini project.pptx
+++ b/Weather Prediction AI mini project.pptx
@@ -7474,14 +7474,14 @@
           <p:nvPr>
             <p:extLst>
               <p:ext uri="{D42A27DB-BD31-4B8C-83A1-F6EECF244321}">
-                <p14:modId xmlns:p14="http://schemas.microsoft.com/office/powerpoint/2010/main" val="481429818"/>
+                <p14:modId xmlns:p14="http://schemas.microsoft.com/office/powerpoint/2010/main" val="2418280778"/>
               </p:ext>
             </p:extLst>
           </p:nvPr>
         </p:nvGraphicFramePr>
         <p:xfrm>
           <a:off x="1854200" y="2205222"/>
-          <a:ext cx="8128000" cy="2565400"/>
+          <a:ext cx="8128000" cy="3383280"/>
         </p:xfrm>
         <a:graphic>
           <a:graphicData uri="http://schemas.openxmlformats.org/drawingml/2006/table">
@@ -7952,6 +7952,14 @@
                     <a:bodyPr/>
                     <a:lstStyle/>
                     <a:p>
+                      <a:r>
+                        <a:rPr lang="en-US" dirty="0" smtClean="0">
+                          <a:solidFill>
+                            <a:schemeClr val="tx1"/>
+                          </a:solidFill>
+                        </a:rPr>
+                        <a:t>https://github.com/dharrini06/WeatherPredictionAI/blob/5b303c34095f5efe1d00307f42949aadb7eab5b6/Weather%20Prediction%20AI%20mini%20project.pptx</a:t>
+                      </a:r>
                       <a:endParaRPr lang="en-US" dirty="0">
                         <a:solidFill>
                           <a:schemeClr val="tx1"/>

--- a/Weather Prediction AI mini project.pptx
+++ b/Weather Prediction AI mini project.pptx
@@ -7474,14 +7474,14 @@
           <p:nvPr>
             <p:extLst>
               <p:ext uri="{D42A27DB-BD31-4B8C-83A1-F6EECF244321}">
-                <p14:modId xmlns:p14="http://schemas.microsoft.com/office/powerpoint/2010/main" val="2418280778"/>
+                <p14:modId xmlns:p14="http://schemas.microsoft.com/office/powerpoint/2010/main" val="1478339696"/>
               </p:ext>
             </p:extLst>
           </p:nvPr>
         </p:nvGraphicFramePr>
         <p:xfrm>
           <a:off x="1854200" y="2205222"/>
-          <a:ext cx="8128000" cy="3383280"/>
+          <a:ext cx="8128000" cy="3108960"/>
         </p:xfrm>
         <a:graphic>
           <a:graphicData uri="http://schemas.openxmlformats.org/drawingml/2006/table">
@@ -7826,7 +7826,7 @@
                     <a:lstStyle/>
                     <a:p>
                       <a:r>
-                        <a:rPr lang="en-US" dirty="0" smtClean="0">
+                        <a:rPr lang="en-US" smtClean="0">
                           <a:solidFill>
                             <a:schemeClr val="tx1"/>
                           </a:solidFill>
@@ -7958,7 +7958,7 @@
                             <a:schemeClr val="tx1"/>
                           </a:solidFill>
                         </a:rPr>
-                        <a:t>https://github.com/dharrini06/WeatherPredictionAI/blob/5b303c34095f5efe1d00307f42949aadb7eab5b6/Weather%20Prediction%20AI%20mini%20project.pptx</a:t>
+                        <a:t>https://github.com/dharrini06/WeatherPredictionAI/blob/main/Weather%20Prediction%20AI%20project.docx</a:t>
                       </a:r>
                       <a:endParaRPr lang="en-US" dirty="0">
                         <a:solidFill>

--- a/Weather Prediction AI mini project.pptx
+++ b/Weather Prediction AI mini project.pptx
@@ -4715,8 +4715,8 @@
         </p:blipFill>
         <p:spPr bwMode="auto">
           <a:xfrm>
-            <a:off x="2478089" y="2461013"/>
-            <a:ext cx="5308600" cy="4275968"/>
+            <a:off x="2986089" y="2794841"/>
+            <a:ext cx="4677454" cy="3767593"/>
           </a:xfrm>
           <a:prstGeom prst="rect">
             <a:avLst/>
@@ -7474,7 +7474,7 @@
           <p:nvPr>
             <p:extLst>
               <p:ext uri="{D42A27DB-BD31-4B8C-83A1-F6EECF244321}">
-                <p14:modId xmlns:p14="http://schemas.microsoft.com/office/powerpoint/2010/main" val="1478339696"/>
+                <p14:modId xmlns:p14="http://schemas.microsoft.com/office/powerpoint/2010/main" val="2106195700"/>
               </p:ext>
             </p:extLst>
           </p:nvPr>
@@ -7826,7 +7826,7 @@
                     <a:lstStyle/>
                     <a:p>
                       <a:r>
-                        <a:rPr lang="en-US" smtClean="0">
+                        <a:rPr lang="en-US" dirty="0" smtClean="0">
                           <a:solidFill>
                             <a:schemeClr val="tx1"/>
                           </a:solidFill>

--- a/Weather Prediction AI mini project.pptx
+++ b/Weather Prediction AI mini project.pptx
@@ -121,7 +121,7 @@
   </p:defaultTextStyle>
   <p:extLst>
     <p:ext uri="{EFAFB233-063F-42B5-8137-9DF3F51BA10A}">
-      <p15:sldGuideLst xmlns="" xmlns:p15="http://schemas.microsoft.com/office/powerpoint/2012/main"/>
+      <p15:sldGuideLst xmlns:p15="http://schemas.microsoft.com/office/powerpoint/2012/main" xmlns=""/>
     </p:ext>
   </p:extLst>
 </p:presentation>
@@ -476,7 +476,7 @@
           <a:p>
             <a:fld id="{86EF56DB-6447-4E9A-8D0B-327B958AB26D}" type="datetimeFigureOut">
               <a:rPr lang="en-US" smtClean="0"/>
-              <a:t>10/25/2025</a:t>
+              <a:t>10/29/2025</a:t>
             </a:fld>
             <a:endParaRPr lang="en-US"/>
           </a:p>
@@ -765,7 +765,7 @@
           <p:cNvPr id="2" name="Title 1">
             <a:extLst>
               <a:ext uri="{FF2B5EF4-FFF2-40B4-BE49-F238E27FC236}">
-                <a16:creationId xmlns="" xmlns:a16="http://schemas.microsoft.com/office/drawing/2014/main" id="{7B42F0ED-5252-4C0D-3BA2-BA6ECDF9073A}"/>
+                <a16:creationId xmlns:a16="http://schemas.microsoft.com/office/drawing/2014/main" xmlns="" id="{7B42F0ED-5252-4C0D-3BA2-BA6ECDF9073A}"/>
               </a:ext>
             </a:extLst>
           </p:cNvPr>
@@ -802,7 +802,7 @@
           <p:cNvPr id="3" name="Subtitle 2">
             <a:extLst>
               <a:ext uri="{FF2B5EF4-FFF2-40B4-BE49-F238E27FC236}">
-                <a16:creationId xmlns="" xmlns:a16="http://schemas.microsoft.com/office/drawing/2014/main" id="{34F6E366-4DE2-8E81-1DC3-0AEE197AF61D}"/>
+                <a16:creationId xmlns:a16="http://schemas.microsoft.com/office/drawing/2014/main" xmlns="" id="{34F6E366-4DE2-8E81-1DC3-0AEE197AF61D}"/>
               </a:ext>
             </a:extLst>
           </p:cNvPr>
@@ -872,7 +872,7 @@
           <p:cNvPr id="4" name="Date Placeholder 3">
             <a:extLst>
               <a:ext uri="{FF2B5EF4-FFF2-40B4-BE49-F238E27FC236}">
-                <a16:creationId xmlns="" xmlns:a16="http://schemas.microsoft.com/office/drawing/2014/main" id="{58C19ECA-A45F-0986-41DE-E73470F3D075}"/>
+                <a16:creationId xmlns:a16="http://schemas.microsoft.com/office/drawing/2014/main" xmlns="" id="{58C19ECA-A45F-0986-41DE-E73470F3D075}"/>
               </a:ext>
             </a:extLst>
           </p:cNvPr>
@@ -890,7 +890,7 @@
           <a:p>
             <a:fld id="{36A8A127-BB09-41A4-B1CB-CF09F8E9604A}" type="datetime1">
               <a:rPr lang="en-US" smtClean="0"/>
-              <a:t>10/25/2025</a:t>
+              <a:t>10/29/2025</a:t>
             </a:fld>
             <a:endParaRPr lang="en-US"/>
           </a:p>
@@ -901,7 +901,7 @@
           <p:cNvPr id="5" name="Footer Placeholder 4">
             <a:extLst>
               <a:ext uri="{FF2B5EF4-FFF2-40B4-BE49-F238E27FC236}">
-                <a16:creationId xmlns="" xmlns:a16="http://schemas.microsoft.com/office/drawing/2014/main" id="{246DC80E-2DDD-1136-4BC6-B4406DBF7B71}"/>
+                <a16:creationId xmlns:a16="http://schemas.microsoft.com/office/drawing/2014/main" xmlns="" id="{246DC80E-2DDD-1136-4BC6-B4406DBF7B71}"/>
               </a:ext>
             </a:extLst>
           </p:cNvPr>
@@ -926,7 +926,7 @@
           <p:cNvPr id="6" name="Slide Number Placeholder 5">
             <a:extLst>
               <a:ext uri="{FF2B5EF4-FFF2-40B4-BE49-F238E27FC236}">
-                <a16:creationId xmlns="" xmlns:a16="http://schemas.microsoft.com/office/drawing/2014/main" id="{D3C6432E-64B5-4716-F794-CD0C848FE6AA}"/>
+                <a16:creationId xmlns:a16="http://schemas.microsoft.com/office/drawing/2014/main" xmlns="" id="{D3C6432E-64B5-4716-F794-CD0C848FE6AA}"/>
               </a:ext>
             </a:extLst>
           </p:cNvPr>
@@ -985,7 +985,7 @@
           <p:cNvPr id="2" name="Title 1">
             <a:extLst>
               <a:ext uri="{FF2B5EF4-FFF2-40B4-BE49-F238E27FC236}">
-                <a16:creationId xmlns="" xmlns:a16="http://schemas.microsoft.com/office/drawing/2014/main" id="{D6F050B6-05B4-E3FE-22C0-B823946C349F}"/>
+                <a16:creationId xmlns:a16="http://schemas.microsoft.com/office/drawing/2014/main" xmlns="" id="{D6F050B6-05B4-E3FE-22C0-B823946C349F}"/>
               </a:ext>
             </a:extLst>
           </p:cNvPr>
@@ -1013,7 +1013,7 @@
           <p:cNvPr id="3" name="Vertical Text Placeholder 2">
             <a:extLst>
               <a:ext uri="{FF2B5EF4-FFF2-40B4-BE49-F238E27FC236}">
-                <a16:creationId xmlns="" xmlns:a16="http://schemas.microsoft.com/office/drawing/2014/main" id="{A534B519-CE0F-EF5E-0363-067F1B0DB1EF}"/>
+                <a16:creationId xmlns:a16="http://schemas.microsoft.com/office/drawing/2014/main" xmlns="" id="{A534B519-CE0F-EF5E-0363-067F1B0DB1EF}"/>
               </a:ext>
             </a:extLst>
           </p:cNvPr>
@@ -1070,7 +1070,7 @@
           <p:cNvPr id="4" name="Date Placeholder 3">
             <a:extLst>
               <a:ext uri="{FF2B5EF4-FFF2-40B4-BE49-F238E27FC236}">
-                <a16:creationId xmlns="" xmlns:a16="http://schemas.microsoft.com/office/drawing/2014/main" id="{69E2CA70-5E41-1433-D1D4-58B7EECA7D33}"/>
+                <a16:creationId xmlns:a16="http://schemas.microsoft.com/office/drawing/2014/main" xmlns="" id="{69E2CA70-5E41-1433-D1D4-58B7EECA7D33}"/>
               </a:ext>
             </a:extLst>
           </p:cNvPr>
@@ -1088,7 +1088,7 @@
           <a:p>
             <a:fld id="{850BF149-3A71-4B38-9BDE-7A4D7C7AB1AD}" type="datetime1">
               <a:rPr lang="en-US" smtClean="0"/>
-              <a:t>10/25/2025</a:t>
+              <a:t>10/29/2025</a:t>
             </a:fld>
             <a:endParaRPr lang="en-US"/>
           </a:p>
@@ -1099,7 +1099,7 @@
           <p:cNvPr id="5" name="Footer Placeholder 4">
             <a:extLst>
               <a:ext uri="{FF2B5EF4-FFF2-40B4-BE49-F238E27FC236}">
-                <a16:creationId xmlns="" xmlns:a16="http://schemas.microsoft.com/office/drawing/2014/main" id="{4A27E013-1DD3-69EC-2DB2-F95CD3491572}"/>
+                <a16:creationId xmlns:a16="http://schemas.microsoft.com/office/drawing/2014/main" xmlns="" id="{4A27E013-1DD3-69EC-2DB2-F95CD3491572}"/>
               </a:ext>
             </a:extLst>
           </p:cNvPr>
@@ -1124,7 +1124,7 @@
           <p:cNvPr id="6" name="Slide Number Placeholder 5">
             <a:extLst>
               <a:ext uri="{FF2B5EF4-FFF2-40B4-BE49-F238E27FC236}">
-                <a16:creationId xmlns="" xmlns:a16="http://schemas.microsoft.com/office/drawing/2014/main" id="{3D12FAA7-8459-22BB-DD92-45D2DCDBB7A1}"/>
+                <a16:creationId xmlns:a16="http://schemas.microsoft.com/office/drawing/2014/main" xmlns="" id="{3D12FAA7-8459-22BB-DD92-45D2DCDBB7A1}"/>
               </a:ext>
             </a:extLst>
           </p:cNvPr>
@@ -1183,7 +1183,7 @@
           <p:cNvPr id="2" name="Vertical Title 1">
             <a:extLst>
               <a:ext uri="{FF2B5EF4-FFF2-40B4-BE49-F238E27FC236}">
-                <a16:creationId xmlns="" xmlns:a16="http://schemas.microsoft.com/office/drawing/2014/main" id="{2665F096-56EB-9C2E-FB81-FEE0A0CAD974}"/>
+                <a16:creationId xmlns:a16="http://schemas.microsoft.com/office/drawing/2014/main" xmlns="" id="{2665F096-56EB-9C2E-FB81-FEE0A0CAD974}"/>
               </a:ext>
             </a:extLst>
           </p:cNvPr>
@@ -1216,7 +1216,7 @@
           <p:cNvPr id="3" name="Vertical Text Placeholder 2">
             <a:extLst>
               <a:ext uri="{FF2B5EF4-FFF2-40B4-BE49-F238E27FC236}">
-                <a16:creationId xmlns="" xmlns:a16="http://schemas.microsoft.com/office/drawing/2014/main" id="{AF2D9855-6F39-E67A-6BE9-0AC527E97219}"/>
+                <a16:creationId xmlns:a16="http://schemas.microsoft.com/office/drawing/2014/main" xmlns="" id="{AF2D9855-6F39-E67A-6BE9-0AC527E97219}"/>
               </a:ext>
             </a:extLst>
           </p:cNvPr>
@@ -1278,7 +1278,7 @@
           <p:cNvPr id="4" name="Date Placeholder 3">
             <a:extLst>
               <a:ext uri="{FF2B5EF4-FFF2-40B4-BE49-F238E27FC236}">
-                <a16:creationId xmlns="" xmlns:a16="http://schemas.microsoft.com/office/drawing/2014/main" id="{F5C113E1-9951-703E-A152-D5CEEC0EEDDB}"/>
+                <a16:creationId xmlns:a16="http://schemas.microsoft.com/office/drawing/2014/main" xmlns="" id="{F5C113E1-9951-703E-A152-D5CEEC0EEDDB}"/>
               </a:ext>
             </a:extLst>
           </p:cNvPr>
@@ -1296,7 +1296,7 @@
           <a:p>
             <a:fld id="{25415CF1-83E4-4056-B983-BD617F30DAFA}" type="datetime1">
               <a:rPr lang="en-US" smtClean="0"/>
-              <a:t>10/25/2025</a:t>
+              <a:t>10/29/2025</a:t>
             </a:fld>
             <a:endParaRPr lang="en-US"/>
           </a:p>
@@ -1307,7 +1307,7 @@
           <p:cNvPr id="5" name="Footer Placeholder 4">
             <a:extLst>
               <a:ext uri="{FF2B5EF4-FFF2-40B4-BE49-F238E27FC236}">
-                <a16:creationId xmlns="" xmlns:a16="http://schemas.microsoft.com/office/drawing/2014/main" id="{A7463D87-637E-E53B-45EF-5E53B2925E31}"/>
+                <a16:creationId xmlns:a16="http://schemas.microsoft.com/office/drawing/2014/main" xmlns="" id="{A7463D87-637E-E53B-45EF-5E53B2925E31}"/>
               </a:ext>
             </a:extLst>
           </p:cNvPr>
@@ -1332,7 +1332,7 @@
           <p:cNvPr id="6" name="Slide Number Placeholder 5">
             <a:extLst>
               <a:ext uri="{FF2B5EF4-FFF2-40B4-BE49-F238E27FC236}">
-                <a16:creationId xmlns="" xmlns:a16="http://schemas.microsoft.com/office/drawing/2014/main" id="{E75677AB-ED08-1C04-AEC4-B8B3B85BC40F}"/>
+                <a16:creationId xmlns:a16="http://schemas.microsoft.com/office/drawing/2014/main" xmlns="" id="{E75677AB-ED08-1C04-AEC4-B8B3B85BC40F}"/>
               </a:ext>
             </a:extLst>
           </p:cNvPr>
@@ -1391,7 +1391,7 @@
           <p:cNvPr id="2" name="Title 1">
             <a:extLst>
               <a:ext uri="{FF2B5EF4-FFF2-40B4-BE49-F238E27FC236}">
-                <a16:creationId xmlns="" xmlns:a16="http://schemas.microsoft.com/office/drawing/2014/main" id="{95275F44-3844-F881-3DC9-E55F3A5BB2A9}"/>
+                <a16:creationId xmlns:a16="http://schemas.microsoft.com/office/drawing/2014/main" xmlns="" id="{95275F44-3844-F881-3DC9-E55F3A5BB2A9}"/>
               </a:ext>
             </a:extLst>
           </p:cNvPr>
@@ -1419,7 +1419,7 @@
           <p:cNvPr id="3" name="Content Placeholder 2">
             <a:extLst>
               <a:ext uri="{FF2B5EF4-FFF2-40B4-BE49-F238E27FC236}">
-                <a16:creationId xmlns="" xmlns:a16="http://schemas.microsoft.com/office/drawing/2014/main" id="{88B5DD6E-70DC-EC37-F363-8CA0371D48CA}"/>
+                <a16:creationId xmlns:a16="http://schemas.microsoft.com/office/drawing/2014/main" xmlns="" id="{88B5DD6E-70DC-EC37-F363-8CA0371D48CA}"/>
               </a:ext>
             </a:extLst>
           </p:cNvPr>
@@ -1476,7 +1476,7 @@
           <p:cNvPr id="4" name="Date Placeholder 3">
             <a:extLst>
               <a:ext uri="{FF2B5EF4-FFF2-40B4-BE49-F238E27FC236}">
-                <a16:creationId xmlns="" xmlns:a16="http://schemas.microsoft.com/office/drawing/2014/main" id="{0E884CC4-4338-D905-6FCE-6141610CE918}"/>
+                <a16:creationId xmlns:a16="http://schemas.microsoft.com/office/drawing/2014/main" xmlns="" id="{0E884CC4-4338-D905-6FCE-6141610CE918}"/>
               </a:ext>
             </a:extLst>
           </p:cNvPr>
@@ -1494,7 +1494,7 @@
           <a:p>
             <a:fld id="{42A9C543-C1A5-4BB5-A80B-9531F5C51CEB}" type="datetime1">
               <a:rPr lang="en-US" smtClean="0"/>
-              <a:t>10/25/2025</a:t>
+              <a:t>10/29/2025</a:t>
             </a:fld>
             <a:endParaRPr lang="en-US"/>
           </a:p>
@@ -1505,7 +1505,7 @@
           <p:cNvPr id="5" name="Footer Placeholder 4">
             <a:extLst>
               <a:ext uri="{FF2B5EF4-FFF2-40B4-BE49-F238E27FC236}">
-                <a16:creationId xmlns="" xmlns:a16="http://schemas.microsoft.com/office/drawing/2014/main" id="{AD46F4CB-E19E-BF21-CA04-20FBF9E0B02D}"/>
+                <a16:creationId xmlns:a16="http://schemas.microsoft.com/office/drawing/2014/main" xmlns="" id="{AD46F4CB-E19E-BF21-CA04-20FBF9E0B02D}"/>
               </a:ext>
             </a:extLst>
           </p:cNvPr>
@@ -1530,7 +1530,7 @@
           <p:cNvPr id="6" name="Slide Number Placeholder 5">
             <a:extLst>
               <a:ext uri="{FF2B5EF4-FFF2-40B4-BE49-F238E27FC236}">
-                <a16:creationId xmlns="" xmlns:a16="http://schemas.microsoft.com/office/drawing/2014/main" id="{C4C561CA-A7D9-921E-283C-D2D26EC9D331}"/>
+                <a16:creationId xmlns:a16="http://schemas.microsoft.com/office/drawing/2014/main" xmlns="" id="{C4C561CA-A7D9-921E-283C-D2D26EC9D331}"/>
               </a:ext>
             </a:extLst>
           </p:cNvPr>
@@ -1589,7 +1589,7 @@
           <p:cNvPr id="2" name="Title 1">
             <a:extLst>
               <a:ext uri="{FF2B5EF4-FFF2-40B4-BE49-F238E27FC236}">
-                <a16:creationId xmlns="" xmlns:a16="http://schemas.microsoft.com/office/drawing/2014/main" id="{299F0DB8-4328-6842-4C20-194E16496B3B}"/>
+                <a16:creationId xmlns:a16="http://schemas.microsoft.com/office/drawing/2014/main" xmlns="" id="{299F0DB8-4328-6842-4C20-194E16496B3B}"/>
               </a:ext>
             </a:extLst>
           </p:cNvPr>
@@ -1626,7 +1626,7 @@
           <p:cNvPr id="3" name="Text Placeholder 2">
             <a:extLst>
               <a:ext uri="{FF2B5EF4-FFF2-40B4-BE49-F238E27FC236}">
-                <a16:creationId xmlns="" xmlns:a16="http://schemas.microsoft.com/office/drawing/2014/main" id="{FD1C16DD-B055-C373-DB9C-1095E3A7F618}"/>
+                <a16:creationId xmlns:a16="http://schemas.microsoft.com/office/drawing/2014/main" xmlns="" id="{FD1C16DD-B055-C373-DB9C-1095E3A7F618}"/>
               </a:ext>
             </a:extLst>
           </p:cNvPr>
@@ -1751,7 +1751,7 @@
           <p:cNvPr id="4" name="Date Placeholder 3">
             <a:extLst>
               <a:ext uri="{FF2B5EF4-FFF2-40B4-BE49-F238E27FC236}">
-                <a16:creationId xmlns="" xmlns:a16="http://schemas.microsoft.com/office/drawing/2014/main" id="{C0308B3A-5B20-B104-4DC9-F294FE85DC4F}"/>
+                <a16:creationId xmlns:a16="http://schemas.microsoft.com/office/drawing/2014/main" xmlns="" id="{C0308B3A-5B20-B104-4DC9-F294FE85DC4F}"/>
               </a:ext>
             </a:extLst>
           </p:cNvPr>
@@ -1769,7 +1769,7 @@
           <a:p>
             <a:fld id="{85DB2ABE-BEC8-4A12-8AF2-3E9347C9F9C5}" type="datetime1">
               <a:rPr lang="en-US" smtClean="0"/>
-              <a:t>10/25/2025</a:t>
+              <a:t>10/29/2025</a:t>
             </a:fld>
             <a:endParaRPr lang="en-US"/>
           </a:p>
@@ -1780,7 +1780,7 @@
           <p:cNvPr id="5" name="Footer Placeholder 4">
             <a:extLst>
               <a:ext uri="{FF2B5EF4-FFF2-40B4-BE49-F238E27FC236}">
-                <a16:creationId xmlns="" xmlns:a16="http://schemas.microsoft.com/office/drawing/2014/main" id="{242F6EF1-C2BF-E0B8-5AD2-1E80894A9227}"/>
+                <a16:creationId xmlns:a16="http://schemas.microsoft.com/office/drawing/2014/main" xmlns="" id="{242F6EF1-C2BF-E0B8-5AD2-1E80894A9227}"/>
               </a:ext>
             </a:extLst>
           </p:cNvPr>
@@ -1805,7 +1805,7 @@
           <p:cNvPr id="6" name="Slide Number Placeholder 5">
             <a:extLst>
               <a:ext uri="{FF2B5EF4-FFF2-40B4-BE49-F238E27FC236}">
-                <a16:creationId xmlns="" xmlns:a16="http://schemas.microsoft.com/office/drawing/2014/main" id="{673C3E5B-79C1-F551-EB78-424972E416AB}"/>
+                <a16:creationId xmlns:a16="http://schemas.microsoft.com/office/drawing/2014/main" xmlns="" id="{673C3E5B-79C1-F551-EB78-424972E416AB}"/>
               </a:ext>
             </a:extLst>
           </p:cNvPr>
@@ -1864,7 +1864,7 @@
           <p:cNvPr id="2" name="Title 1">
             <a:extLst>
               <a:ext uri="{FF2B5EF4-FFF2-40B4-BE49-F238E27FC236}">
-                <a16:creationId xmlns="" xmlns:a16="http://schemas.microsoft.com/office/drawing/2014/main" id="{684FA2CF-D4B2-C0EA-7D8B-9997981DFC68}"/>
+                <a16:creationId xmlns:a16="http://schemas.microsoft.com/office/drawing/2014/main" xmlns="" id="{684FA2CF-D4B2-C0EA-7D8B-9997981DFC68}"/>
               </a:ext>
             </a:extLst>
           </p:cNvPr>
@@ -1892,7 +1892,7 @@
           <p:cNvPr id="3" name="Content Placeholder 2">
             <a:extLst>
               <a:ext uri="{FF2B5EF4-FFF2-40B4-BE49-F238E27FC236}">
-                <a16:creationId xmlns="" xmlns:a16="http://schemas.microsoft.com/office/drawing/2014/main" id="{3C8EC816-FAB0-61B5-B8A9-3CEEDE3AC643}"/>
+                <a16:creationId xmlns:a16="http://schemas.microsoft.com/office/drawing/2014/main" xmlns="" id="{3C8EC816-FAB0-61B5-B8A9-3CEEDE3AC643}"/>
               </a:ext>
             </a:extLst>
           </p:cNvPr>
@@ -1954,7 +1954,7 @@
           <p:cNvPr id="4" name="Content Placeholder 3">
             <a:extLst>
               <a:ext uri="{FF2B5EF4-FFF2-40B4-BE49-F238E27FC236}">
-                <a16:creationId xmlns="" xmlns:a16="http://schemas.microsoft.com/office/drawing/2014/main" id="{B6888030-9606-40F3-F568-569861E67BB3}"/>
+                <a16:creationId xmlns:a16="http://schemas.microsoft.com/office/drawing/2014/main" xmlns="" id="{B6888030-9606-40F3-F568-569861E67BB3}"/>
               </a:ext>
             </a:extLst>
           </p:cNvPr>
@@ -2016,7 +2016,7 @@
           <p:cNvPr id="5" name="Date Placeholder 4">
             <a:extLst>
               <a:ext uri="{FF2B5EF4-FFF2-40B4-BE49-F238E27FC236}">
-                <a16:creationId xmlns="" xmlns:a16="http://schemas.microsoft.com/office/drawing/2014/main" id="{1F26BC2E-18CA-513E-BBD3-A4A6A46824FE}"/>
+                <a16:creationId xmlns:a16="http://schemas.microsoft.com/office/drawing/2014/main" xmlns="" id="{1F26BC2E-18CA-513E-BBD3-A4A6A46824FE}"/>
               </a:ext>
             </a:extLst>
           </p:cNvPr>
@@ -2034,7 +2034,7 @@
           <a:p>
             <a:fld id="{E457CA91-FD83-4EFE-93EA-63992C03614F}" type="datetime1">
               <a:rPr lang="en-US" smtClean="0"/>
-              <a:t>10/25/2025</a:t>
+              <a:t>10/29/2025</a:t>
             </a:fld>
             <a:endParaRPr lang="en-US"/>
           </a:p>
@@ -2045,7 +2045,7 @@
           <p:cNvPr id="6" name="Footer Placeholder 5">
             <a:extLst>
               <a:ext uri="{FF2B5EF4-FFF2-40B4-BE49-F238E27FC236}">
-                <a16:creationId xmlns="" xmlns:a16="http://schemas.microsoft.com/office/drawing/2014/main" id="{7610C424-8EE7-DCF3-92CA-9943CA217BA3}"/>
+                <a16:creationId xmlns:a16="http://schemas.microsoft.com/office/drawing/2014/main" xmlns="" id="{7610C424-8EE7-DCF3-92CA-9943CA217BA3}"/>
               </a:ext>
             </a:extLst>
           </p:cNvPr>
@@ -2070,7 +2070,7 @@
           <p:cNvPr id="7" name="Slide Number Placeholder 6">
             <a:extLst>
               <a:ext uri="{FF2B5EF4-FFF2-40B4-BE49-F238E27FC236}">
-                <a16:creationId xmlns="" xmlns:a16="http://schemas.microsoft.com/office/drawing/2014/main" id="{13B02771-6578-A3F3-2DE5-957F26935FA9}"/>
+                <a16:creationId xmlns:a16="http://schemas.microsoft.com/office/drawing/2014/main" xmlns="" id="{13B02771-6578-A3F3-2DE5-957F26935FA9}"/>
               </a:ext>
             </a:extLst>
           </p:cNvPr>
@@ -2129,7 +2129,7 @@
           <p:cNvPr id="2" name="Title 1">
             <a:extLst>
               <a:ext uri="{FF2B5EF4-FFF2-40B4-BE49-F238E27FC236}">
-                <a16:creationId xmlns="" xmlns:a16="http://schemas.microsoft.com/office/drawing/2014/main" id="{443A56EB-15F3-DA5A-FC5F-C8A9854DFC27}"/>
+                <a16:creationId xmlns:a16="http://schemas.microsoft.com/office/drawing/2014/main" xmlns="" id="{443A56EB-15F3-DA5A-FC5F-C8A9854DFC27}"/>
               </a:ext>
             </a:extLst>
           </p:cNvPr>
@@ -2162,7 +2162,7 @@
           <p:cNvPr id="3" name="Text Placeholder 2">
             <a:extLst>
               <a:ext uri="{FF2B5EF4-FFF2-40B4-BE49-F238E27FC236}">
-                <a16:creationId xmlns="" xmlns:a16="http://schemas.microsoft.com/office/drawing/2014/main" id="{E44F55B3-769C-0F68-56E4-09A31651F092}"/>
+                <a16:creationId xmlns:a16="http://schemas.microsoft.com/office/drawing/2014/main" xmlns="" id="{E44F55B3-769C-0F68-56E4-09A31651F092}"/>
               </a:ext>
             </a:extLst>
           </p:cNvPr>
@@ -2233,7 +2233,7 @@
           <p:cNvPr id="4" name="Content Placeholder 3">
             <a:extLst>
               <a:ext uri="{FF2B5EF4-FFF2-40B4-BE49-F238E27FC236}">
-                <a16:creationId xmlns="" xmlns:a16="http://schemas.microsoft.com/office/drawing/2014/main" id="{949390E3-482E-14E5-E93E-3EFDFCA024CE}"/>
+                <a16:creationId xmlns:a16="http://schemas.microsoft.com/office/drawing/2014/main" xmlns="" id="{949390E3-482E-14E5-E93E-3EFDFCA024CE}"/>
               </a:ext>
             </a:extLst>
           </p:cNvPr>
@@ -2295,7 +2295,7 @@
           <p:cNvPr id="5" name="Text Placeholder 4">
             <a:extLst>
               <a:ext uri="{FF2B5EF4-FFF2-40B4-BE49-F238E27FC236}">
-                <a16:creationId xmlns="" xmlns:a16="http://schemas.microsoft.com/office/drawing/2014/main" id="{8A5F7FD4-A0A2-100E-247B-0439DA6A8EAF}"/>
+                <a16:creationId xmlns:a16="http://schemas.microsoft.com/office/drawing/2014/main" xmlns="" id="{8A5F7FD4-A0A2-100E-247B-0439DA6A8EAF}"/>
               </a:ext>
             </a:extLst>
           </p:cNvPr>
@@ -2366,7 +2366,7 @@
           <p:cNvPr id="6" name="Content Placeholder 5">
             <a:extLst>
               <a:ext uri="{FF2B5EF4-FFF2-40B4-BE49-F238E27FC236}">
-                <a16:creationId xmlns="" xmlns:a16="http://schemas.microsoft.com/office/drawing/2014/main" id="{9AB19785-7F9E-F7E7-9989-FBA2A2436A08}"/>
+                <a16:creationId xmlns:a16="http://schemas.microsoft.com/office/drawing/2014/main" xmlns="" id="{9AB19785-7F9E-F7E7-9989-FBA2A2436A08}"/>
               </a:ext>
             </a:extLst>
           </p:cNvPr>
@@ -2428,7 +2428,7 @@
           <p:cNvPr id="7" name="Date Placeholder 6">
             <a:extLst>
               <a:ext uri="{FF2B5EF4-FFF2-40B4-BE49-F238E27FC236}">
-                <a16:creationId xmlns="" xmlns:a16="http://schemas.microsoft.com/office/drawing/2014/main" id="{599BF4CB-4B11-6795-84C1-91B139428AEE}"/>
+                <a16:creationId xmlns:a16="http://schemas.microsoft.com/office/drawing/2014/main" xmlns="" id="{599BF4CB-4B11-6795-84C1-91B139428AEE}"/>
               </a:ext>
             </a:extLst>
           </p:cNvPr>
@@ -2446,7 +2446,7 @@
           <a:p>
             <a:fld id="{07D6C43A-13E2-48A2-BAE5-CC73887FC199}" type="datetime1">
               <a:rPr lang="en-US" smtClean="0"/>
-              <a:t>10/25/2025</a:t>
+              <a:t>10/29/2025</a:t>
             </a:fld>
             <a:endParaRPr lang="en-US"/>
           </a:p>
@@ -2457,7 +2457,7 @@
           <p:cNvPr id="8" name="Footer Placeholder 7">
             <a:extLst>
               <a:ext uri="{FF2B5EF4-FFF2-40B4-BE49-F238E27FC236}">
-                <a16:creationId xmlns="" xmlns:a16="http://schemas.microsoft.com/office/drawing/2014/main" id="{F52FCB82-5972-D333-E21C-DF24F6BCF49B}"/>
+                <a16:creationId xmlns:a16="http://schemas.microsoft.com/office/drawing/2014/main" xmlns="" id="{F52FCB82-5972-D333-E21C-DF24F6BCF49B}"/>
               </a:ext>
             </a:extLst>
           </p:cNvPr>
@@ -2482,7 +2482,7 @@
           <p:cNvPr id="9" name="Slide Number Placeholder 8">
             <a:extLst>
               <a:ext uri="{FF2B5EF4-FFF2-40B4-BE49-F238E27FC236}">
-                <a16:creationId xmlns="" xmlns:a16="http://schemas.microsoft.com/office/drawing/2014/main" id="{AF12211A-324E-9069-32B0-8F509730AD76}"/>
+                <a16:creationId xmlns:a16="http://schemas.microsoft.com/office/drawing/2014/main" xmlns="" id="{AF12211A-324E-9069-32B0-8F509730AD76}"/>
               </a:ext>
             </a:extLst>
           </p:cNvPr>
@@ -2541,7 +2541,7 @@
           <p:cNvPr id="2" name="Title 1">
             <a:extLst>
               <a:ext uri="{FF2B5EF4-FFF2-40B4-BE49-F238E27FC236}">
-                <a16:creationId xmlns="" xmlns:a16="http://schemas.microsoft.com/office/drawing/2014/main" id="{E040A965-A2B0-80BB-C6BA-CCCFA272AEDC}"/>
+                <a16:creationId xmlns:a16="http://schemas.microsoft.com/office/drawing/2014/main" xmlns="" id="{E040A965-A2B0-80BB-C6BA-CCCFA272AEDC}"/>
               </a:ext>
             </a:extLst>
           </p:cNvPr>
@@ -2569,7 +2569,7 @@
           <p:cNvPr id="3" name="Date Placeholder 2">
             <a:extLst>
               <a:ext uri="{FF2B5EF4-FFF2-40B4-BE49-F238E27FC236}">
-                <a16:creationId xmlns="" xmlns:a16="http://schemas.microsoft.com/office/drawing/2014/main" id="{DF0A2016-FBBB-4A1F-6F9E-FE6A63DE4832}"/>
+                <a16:creationId xmlns:a16="http://schemas.microsoft.com/office/drawing/2014/main" xmlns="" id="{DF0A2016-FBBB-4A1F-6F9E-FE6A63DE4832}"/>
               </a:ext>
             </a:extLst>
           </p:cNvPr>
@@ -2587,7 +2587,7 @@
           <a:p>
             <a:fld id="{4EA2C5D3-416C-4131-8BC9-E71DA97D5A64}" type="datetime1">
               <a:rPr lang="en-US" smtClean="0"/>
-              <a:t>10/25/2025</a:t>
+              <a:t>10/29/2025</a:t>
             </a:fld>
             <a:endParaRPr lang="en-US"/>
           </a:p>
@@ -2598,7 +2598,7 @@
           <p:cNvPr id="4" name="Footer Placeholder 3">
             <a:extLst>
               <a:ext uri="{FF2B5EF4-FFF2-40B4-BE49-F238E27FC236}">
-                <a16:creationId xmlns="" xmlns:a16="http://schemas.microsoft.com/office/drawing/2014/main" id="{EBE845DF-F961-5466-32C3-C6385060CC2A}"/>
+                <a16:creationId xmlns:a16="http://schemas.microsoft.com/office/drawing/2014/main" xmlns="" id="{EBE845DF-F961-5466-32C3-C6385060CC2A}"/>
               </a:ext>
             </a:extLst>
           </p:cNvPr>
@@ -2623,7 +2623,7 @@
           <p:cNvPr id="5" name="Slide Number Placeholder 4">
             <a:extLst>
               <a:ext uri="{FF2B5EF4-FFF2-40B4-BE49-F238E27FC236}">
-                <a16:creationId xmlns="" xmlns:a16="http://schemas.microsoft.com/office/drawing/2014/main" id="{76E057F6-928A-6D9F-4161-C04DEAA83D65}"/>
+                <a16:creationId xmlns:a16="http://schemas.microsoft.com/office/drawing/2014/main" xmlns="" id="{76E057F6-928A-6D9F-4161-C04DEAA83D65}"/>
               </a:ext>
             </a:extLst>
           </p:cNvPr>
@@ -2682,7 +2682,7 @@
           <p:cNvPr id="2" name="Date Placeholder 1">
             <a:extLst>
               <a:ext uri="{FF2B5EF4-FFF2-40B4-BE49-F238E27FC236}">
-                <a16:creationId xmlns="" xmlns:a16="http://schemas.microsoft.com/office/drawing/2014/main" id="{3DB366D7-6680-4FD6-C029-DC5C0BB2354F}"/>
+                <a16:creationId xmlns:a16="http://schemas.microsoft.com/office/drawing/2014/main" xmlns="" id="{3DB366D7-6680-4FD6-C029-DC5C0BB2354F}"/>
               </a:ext>
             </a:extLst>
           </p:cNvPr>
@@ -2700,7 +2700,7 @@
           <a:p>
             <a:fld id="{B8971593-8386-48B7-BB85-87C0949B2086}" type="datetime1">
               <a:rPr lang="en-US" smtClean="0"/>
-              <a:t>10/25/2025</a:t>
+              <a:t>10/29/2025</a:t>
             </a:fld>
             <a:endParaRPr lang="en-US"/>
           </a:p>
@@ -2711,7 +2711,7 @@
           <p:cNvPr id="3" name="Footer Placeholder 2">
             <a:extLst>
               <a:ext uri="{FF2B5EF4-FFF2-40B4-BE49-F238E27FC236}">
-                <a16:creationId xmlns="" xmlns:a16="http://schemas.microsoft.com/office/drawing/2014/main" id="{94179984-8567-91CB-0310-29A3752B78B3}"/>
+                <a16:creationId xmlns:a16="http://schemas.microsoft.com/office/drawing/2014/main" xmlns="" id="{94179984-8567-91CB-0310-29A3752B78B3}"/>
               </a:ext>
             </a:extLst>
           </p:cNvPr>
@@ -2736,7 +2736,7 @@
           <p:cNvPr id="4" name="Slide Number Placeholder 3">
             <a:extLst>
               <a:ext uri="{FF2B5EF4-FFF2-40B4-BE49-F238E27FC236}">
-                <a16:creationId xmlns="" xmlns:a16="http://schemas.microsoft.com/office/drawing/2014/main" id="{A22C7A0D-606C-3BF9-8DBE-908D80966AD1}"/>
+                <a16:creationId xmlns:a16="http://schemas.microsoft.com/office/drawing/2014/main" xmlns="" id="{A22C7A0D-606C-3BF9-8DBE-908D80966AD1}"/>
               </a:ext>
             </a:extLst>
           </p:cNvPr>
@@ -2795,7 +2795,7 @@
           <p:cNvPr id="2" name="Title 1">
             <a:extLst>
               <a:ext uri="{FF2B5EF4-FFF2-40B4-BE49-F238E27FC236}">
-                <a16:creationId xmlns="" xmlns:a16="http://schemas.microsoft.com/office/drawing/2014/main" id="{13C684C1-8596-31A1-180D-C7EC5332BBD7}"/>
+                <a16:creationId xmlns:a16="http://schemas.microsoft.com/office/drawing/2014/main" xmlns="" id="{13C684C1-8596-31A1-180D-C7EC5332BBD7}"/>
               </a:ext>
             </a:extLst>
           </p:cNvPr>
@@ -2832,7 +2832,7 @@
           <p:cNvPr id="3" name="Content Placeholder 2">
             <a:extLst>
               <a:ext uri="{FF2B5EF4-FFF2-40B4-BE49-F238E27FC236}">
-                <a16:creationId xmlns="" xmlns:a16="http://schemas.microsoft.com/office/drawing/2014/main" id="{713762C2-B7CC-ADA3-9D39-3541B3FE5A3F}"/>
+                <a16:creationId xmlns:a16="http://schemas.microsoft.com/office/drawing/2014/main" xmlns="" id="{713762C2-B7CC-ADA3-9D39-3541B3FE5A3F}"/>
               </a:ext>
             </a:extLst>
           </p:cNvPr>
@@ -2922,7 +2922,7 @@
           <p:cNvPr id="4" name="Text Placeholder 3">
             <a:extLst>
               <a:ext uri="{FF2B5EF4-FFF2-40B4-BE49-F238E27FC236}">
-                <a16:creationId xmlns="" xmlns:a16="http://schemas.microsoft.com/office/drawing/2014/main" id="{6835A5F9-7E68-401F-C3BB-09FB74F827C4}"/>
+                <a16:creationId xmlns:a16="http://schemas.microsoft.com/office/drawing/2014/main" xmlns="" id="{6835A5F9-7E68-401F-C3BB-09FB74F827C4}"/>
               </a:ext>
             </a:extLst>
           </p:cNvPr>
@@ -2993,7 +2993,7 @@
           <p:cNvPr id="5" name="Date Placeholder 4">
             <a:extLst>
               <a:ext uri="{FF2B5EF4-FFF2-40B4-BE49-F238E27FC236}">
-                <a16:creationId xmlns="" xmlns:a16="http://schemas.microsoft.com/office/drawing/2014/main" id="{2A5F73E6-ECB8-2943-41D8-05812D848AD3}"/>
+                <a16:creationId xmlns:a16="http://schemas.microsoft.com/office/drawing/2014/main" xmlns="" id="{2A5F73E6-ECB8-2943-41D8-05812D848AD3}"/>
               </a:ext>
             </a:extLst>
           </p:cNvPr>
@@ -3011,7 +3011,7 @@
           <a:p>
             <a:fld id="{3070F398-88D3-4D2F-9F7E-785BF8AD0274}" type="datetime1">
               <a:rPr lang="en-US" smtClean="0"/>
-              <a:t>10/25/2025</a:t>
+              <a:t>10/29/2025</a:t>
             </a:fld>
             <a:endParaRPr lang="en-US"/>
           </a:p>
@@ -3022,7 +3022,7 @@
           <p:cNvPr id="6" name="Footer Placeholder 5">
             <a:extLst>
               <a:ext uri="{FF2B5EF4-FFF2-40B4-BE49-F238E27FC236}">
-                <a16:creationId xmlns="" xmlns:a16="http://schemas.microsoft.com/office/drawing/2014/main" id="{D86B5AF7-95CA-05D2-1119-F667C7B6F8DB}"/>
+                <a16:creationId xmlns:a16="http://schemas.microsoft.com/office/drawing/2014/main" xmlns="" id="{D86B5AF7-95CA-05D2-1119-F667C7B6F8DB}"/>
               </a:ext>
             </a:extLst>
           </p:cNvPr>
@@ -3047,7 +3047,7 @@
           <p:cNvPr id="7" name="Slide Number Placeholder 6">
             <a:extLst>
               <a:ext uri="{FF2B5EF4-FFF2-40B4-BE49-F238E27FC236}">
-                <a16:creationId xmlns="" xmlns:a16="http://schemas.microsoft.com/office/drawing/2014/main" id="{22599C23-C916-AE53-9371-42CF3819D0E1}"/>
+                <a16:creationId xmlns:a16="http://schemas.microsoft.com/office/drawing/2014/main" xmlns="" id="{22599C23-C916-AE53-9371-42CF3819D0E1}"/>
               </a:ext>
             </a:extLst>
           </p:cNvPr>
@@ -3106,7 +3106,7 @@
           <p:cNvPr id="2" name="Title 1">
             <a:extLst>
               <a:ext uri="{FF2B5EF4-FFF2-40B4-BE49-F238E27FC236}">
-                <a16:creationId xmlns="" xmlns:a16="http://schemas.microsoft.com/office/drawing/2014/main" id="{52B9AC56-39A4-2278-722C-617F9F770A48}"/>
+                <a16:creationId xmlns:a16="http://schemas.microsoft.com/office/drawing/2014/main" xmlns="" id="{52B9AC56-39A4-2278-722C-617F9F770A48}"/>
               </a:ext>
             </a:extLst>
           </p:cNvPr>
@@ -3143,7 +3143,7 @@
           <p:cNvPr id="3" name="Picture Placeholder 2">
             <a:extLst>
               <a:ext uri="{FF2B5EF4-FFF2-40B4-BE49-F238E27FC236}">
-                <a16:creationId xmlns="" xmlns:a16="http://schemas.microsoft.com/office/drawing/2014/main" id="{B1FAD1B2-1942-74FB-C400-0DB0C13B90D9}"/>
+                <a16:creationId xmlns:a16="http://schemas.microsoft.com/office/drawing/2014/main" xmlns="" id="{B1FAD1B2-1942-74FB-C400-0DB0C13B90D9}"/>
               </a:ext>
             </a:extLst>
           </p:cNvPr>
@@ -3210,7 +3210,7 @@
           <p:cNvPr id="4" name="Text Placeholder 3">
             <a:extLst>
               <a:ext uri="{FF2B5EF4-FFF2-40B4-BE49-F238E27FC236}">
-                <a16:creationId xmlns="" xmlns:a16="http://schemas.microsoft.com/office/drawing/2014/main" id="{B1DA8F38-E9BE-47E4-7662-3CD4AECCB2BF}"/>
+                <a16:creationId xmlns:a16="http://schemas.microsoft.com/office/drawing/2014/main" xmlns="" id="{B1DA8F38-E9BE-47E4-7662-3CD4AECCB2BF}"/>
               </a:ext>
             </a:extLst>
           </p:cNvPr>
@@ -3281,7 +3281,7 @@
           <p:cNvPr id="5" name="Date Placeholder 4">
             <a:extLst>
               <a:ext uri="{FF2B5EF4-FFF2-40B4-BE49-F238E27FC236}">
-                <a16:creationId xmlns="" xmlns:a16="http://schemas.microsoft.com/office/drawing/2014/main" id="{A228AE0B-2CCA-EDA3-1B80-8F2E1DF84CA6}"/>
+                <a16:creationId xmlns:a16="http://schemas.microsoft.com/office/drawing/2014/main" xmlns="" id="{A228AE0B-2CCA-EDA3-1B80-8F2E1DF84CA6}"/>
               </a:ext>
             </a:extLst>
           </p:cNvPr>
@@ -3299,7 +3299,7 @@
           <a:p>
             <a:fld id="{CE1A94C1-07AC-4775-8A4F-70BB05306BF7}" type="datetime1">
               <a:rPr lang="en-US" smtClean="0"/>
-              <a:t>10/25/2025</a:t>
+              <a:t>10/29/2025</a:t>
             </a:fld>
             <a:endParaRPr lang="en-US"/>
           </a:p>
@@ -3310,7 +3310,7 @@
           <p:cNvPr id="6" name="Footer Placeholder 5">
             <a:extLst>
               <a:ext uri="{FF2B5EF4-FFF2-40B4-BE49-F238E27FC236}">
-                <a16:creationId xmlns="" xmlns:a16="http://schemas.microsoft.com/office/drawing/2014/main" id="{2FDB1342-9AFD-57F0-2E90-76ECCEAFA3F9}"/>
+                <a16:creationId xmlns:a16="http://schemas.microsoft.com/office/drawing/2014/main" xmlns="" id="{2FDB1342-9AFD-57F0-2E90-76ECCEAFA3F9}"/>
               </a:ext>
             </a:extLst>
           </p:cNvPr>
@@ -3335,7 +3335,7 @@
           <p:cNvPr id="7" name="Slide Number Placeholder 6">
             <a:extLst>
               <a:ext uri="{FF2B5EF4-FFF2-40B4-BE49-F238E27FC236}">
-                <a16:creationId xmlns="" xmlns:a16="http://schemas.microsoft.com/office/drawing/2014/main" id="{6DE180B8-E20A-6138-1A1C-1E980CAD40A5}"/>
+                <a16:creationId xmlns:a16="http://schemas.microsoft.com/office/drawing/2014/main" xmlns="" id="{6DE180B8-E20A-6138-1A1C-1E980CAD40A5}"/>
               </a:ext>
             </a:extLst>
           </p:cNvPr>
@@ -3399,7 +3399,7 @@
           <p:cNvPr id="2" name="Title Placeholder 1">
             <a:extLst>
               <a:ext uri="{FF2B5EF4-FFF2-40B4-BE49-F238E27FC236}">
-                <a16:creationId xmlns="" xmlns:a16="http://schemas.microsoft.com/office/drawing/2014/main" id="{B34DB59C-E06D-9064-D0E9-EE878347C888}"/>
+                <a16:creationId xmlns:a16="http://schemas.microsoft.com/office/drawing/2014/main" xmlns="" id="{B34DB59C-E06D-9064-D0E9-EE878347C888}"/>
               </a:ext>
             </a:extLst>
           </p:cNvPr>
@@ -3437,7 +3437,7 @@
           <p:cNvPr id="3" name="Text Placeholder 2">
             <a:extLst>
               <a:ext uri="{FF2B5EF4-FFF2-40B4-BE49-F238E27FC236}">
-                <a16:creationId xmlns="" xmlns:a16="http://schemas.microsoft.com/office/drawing/2014/main" id="{003B2644-B987-EA40-64D1-C253A45B0A11}"/>
+                <a16:creationId xmlns:a16="http://schemas.microsoft.com/office/drawing/2014/main" xmlns="" id="{003B2644-B987-EA40-64D1-C253A45B0A11}"/>
               </a:ext>
             </a:extLst>
           </p:cNvPr>
@@ -3504,7 +3504,7 @@
           <p:cNvPr id="4" name="Date Placeholder 3">
             <a:extLst>
               <a:ext uri="{FF2B5EF4-FFF2-40B4-BE49-F238E27FC236}">
-                <a16:creationId xmlns="" xmlns:a16="http://schemas.microsoft.com/office/drawing/2014/main" id="{6DBC9483-BDE6-AF2E-5EF6-5FD8C63DA85B}"/>
+                <a16:creationId xmlns:a16="http://schemas.microsoft.com/office/drawing/2014/main" xmlns="" id="{6DBC9483-BDE6-AF2E-5EF6-5FD8C63DA85B}"/>
               </a:ext>
             </a:extLst>
           </p:cNvPr>
@@ -3540,7 +3540,7 @@
           <a:p>
             <a:fld id="{A7FA37CB-3111-4E43-978B-840B0C3E984E}" type="datetime1">
               <a:rPr lang="en-US" smtClean="0"/>
-              <a:t>10/25/2025</a:t>
+              <a:t>10/29/2025</a:t>
             </a:fld>
             <a:endParaRPr lang="en-US"/>
           </a:p>
@@ -3551,7 +3551,7 @@
           <p:cNvPr id="5" name="Footer Placeholder 4">
             <a:extLst>
               <a:ext uri="{FF2B5EF4-FFF2-40B4-BE49-F238E27FC236}">
-                <a16:creationId xmlns="" xmlns:a16="http://schemas.microsoft.com/office/drawing/2014/main" id="{E6345DA1-9E37-8BE4-5FD8-308623973635}"/>
+                <a16:creationId xmlns:a16="http://schemas.microsoft.com/office/drawing/2014/main" xmlns="" id="{E6345DA1-9E37-8BE4-5FD8-308623973635}"/>
               </a:ext>
             </a:extLst>
           </p:cNvPr>
@@ -3594,7 +3594,7 @@
           <p:cNvPr id="6" name="Slide Number Placeholder 5">
             <a:extLst>
               <a:ext uri="{FF2B5EF4-FFF2-40B4-BE49-F238E27FC236}">
-                <a16:creationId xmlns="" xmlns:a16="http://schemas.microsoft.com/office/drawing/2014/main" id="{89C78D0E-8A6B-A368-9312-1F3C29DDBA8C}"/>
+                <a16:creationId xmlns:a16="http://schemas.microsoft.com/office/drawing/2014/main" xmlns="" id="{89C78D0E-8A6B-A368-9312-1F3C29DDBA8C}"/>
               </a:ext>
             </a:extLst>
           </p:cNvPr>
@@ -3963,7 +3963,7 @@
           <p:cNvPr id="4" name="Picture 3">
             <a:extLst>
               <a:ext uri="{FF2B5EF4-FFF2-40B4-BE49-F238E27FC236}">
-                <a16:creationId xmlns="" xmlns:a16="http://schemas.microsoft.com/office/drawing/2014/main" id="{77F15FA6-086D-491A-B175-0CA4656FBDCB}"/>
+                <a16:creationId xmlns:a16="http://schemas.microsoft.com/office/drawing/2014/main" xmlns="" id="{77F15FA6-086D-491A-B175-0CA4656FBDCB}"/>
               </a:ext>
             </a:extLst>
           </p:cNvPr>
@@ -4010,7 +4010,7 @@
           <p:cNvPr id="7" name="Title 6">
             <a:extLst>
               <a:ext uri="{FF2B5EF4-FFF2-40B4-BE49-F238E27FC236}">
-                <a16:creationId xmlns="" xmlns:a16="http://schemas.microsoft.com/office/drawing/2014/main" id="{5BEE647A-5606-A6E5-93DB-A43A8FC2D88A}"/>
+                <a16:creationId xmlns:a16="http://schemas.microsoft.com/office/drawing/2014/main" xmlns="" id="{5BEE647A-5606-A6E5-93DB-A43A8FC2D88A}"/>
               </a:ext>
             </a:extLst>
           </p:cNvPr>
@@ -4176,7 +4176,7 @@
           <p:cNvPr id="11" name="Table 10">
             <a:extLst>
               <a:ext uri="{FF2B5EF4-FFF2-40B4-BE49-F238E27FC236}">
-                <a16:creationId xmlns="" xmlns:a16="http://schemas.microsoft.com/office/drawing/2014/main" id="{B39E0012-B3AF-E718-6BBA-5D37629E4005}"/>
+                <a16:creationId xmlns:a16="http://schemas.microsoft.com/office/drawing/2014/main" xmlns="" id="{B39E0012-B3AF-E718-6BBA-5D37629E4005}"/>
               </a:ext>
             </a:extLst>
           </p:cNvPr>
@@ -4205,14 +4205,14 @@
                 <a:gridCol w="2216485">
                   <a:extLst>
                     <a:ext uri="{9D8B030D-6E8A-4147-A177-3AD203B41FA5}">
-                      <a16:colId xmlns="" xmlns:a16="http://schemas.microsoft.com/office/drawing/2014/main" val="1924387309"/>
+                      <a16:colId xmlns:a16="http://schemas.microsoft.com/office/drawing/2014/main" xmlns="" val="1924387309"/>
                     </a:ext>
                   </a:extLst>
                 </a:gridCol>
                 <a:gridCol w="6176211">
                   <a:extLst>
                     <a:ext uri="{9D8B030D-6E8A-4147-A177-3AD203B41FA5}">
-                      <a16:colId xmlns="" xmlns:a16="http://schemas.microsoft.com/office/drawing/2014/main" val="471423325"/>
+                      <a16:colId xmlns:a16="http://schemas.microsoft.com/office/drawing/2014/main" xmlns="" val="471423325"/>
                     </a:ext>
                   </a:extLst>
                 </a:gridCol>
@@ -4256,7 +4256,7 @@
                 </a:tc>
                 <a:extLst>
                   <a:ext uri="{0D108BD9-81ED-4DB2-BD59-A6C34878D82A}">
-                    <a16:rowId xmlns="" xmlns:a16="http://schemas.microsoft.com/office/drawing/2014/main" val="471703413"/>
+                    <a16:rowId xmlns:a16="http://schemas.microsoft.com/office/drawing/2014/main" xmlns="" val="471703413"/>
                   </a:ext>
                 </a:extLst>
               </a:tr>
@@ -4303,7 +4303,7 @@
                 </a:tc>
                 <a:extLst>
                   <a:ext uri="{0D108BD9-81ED-4DB2-BD59-A6C34878D82A}">
-                    <a16:rowId xmlns="" xmlns:a16="http://schemas.microsoft.com/office/drawing/2014/main" val="2967366592"/>
+                    <a16:rowId xmlns:a16="http://schemas.microsoft.com/office/drawing/2014/main" xmlns="" val="2967366592"/>
                   </a:ext>
                 </a:extLst>
               </a:tr>
@@ -4345,7 +4345,7 @@
                 </a:tc>
                 <a:extLst>
                   <a:ext uri="{0D108BD9-81ED-4DB2-BD59-A6C34878D82A}">
-                    <a16:rowId xmlns="" xmlns:a16="http://schemas.microsoft.com/office/drawing/2014/main" val="3106965190"/>
+                    <a16:rowId xmlns:a16="http://schemas.microsoft.com/office/drawing/2014/main" xmlns="" val="3106965190"/>
                   </a:ext>
                 </a:extLst>
               </a:tr>
@@ -4387,7 +4387,7 @@
                 </a:tc>
                 <a:extLst>
                   <a:ext uri="{0D108BD9-81ED-4DB2-BD59-A6C34878D82A}">
-                    <a16:rowId xmlns="" xmlns:a16="http://schemas.microsoft.com/office/drawing/2014/main" val="3234068443"/>
+                    <a16:rowId xmlns:a16="http://schemas.microsoft.com/office/drawing/2014/main" xmlns="" val="3234068443"/>
                   </a:ext>
                 </a:extLst>
               </a:tr>
@@ -4430,7 +4430,7 @@
                 </a:tc>
                 <a:extLst>
                   <a:ext uri="{0D108BD9-81ED-4DB2-BD59-A6C34878D82A}">
-                    <a16:rowId xmlns="" xmlns:a16="http://schemas.microsoft.com/office/drawing/2014/main" val="3536199969"/>
+                    <a16:rowId xmlns:a16="http://schemas.microsoft.com/office/drawing/2014/main" xmlns="" val="3536199969"/>
                   </a:ext>
                 </a:extLst>
               </a:tr>
@@ -4443,7 +4443,7 @@
           <p:cNvPr id="12" name="Date Placeholder 11">
             <a:extLst>
               <a:ext uri="{FF2B5EF4-FFF2-40B4-BE49-F238E27FC236}">
-                <a16:creationId xmlns="" xmlns:a16="http://schemas.microsoft.com/office/drawing/2014/main" id="{6B174A57-15CE-2FFD-86D9-B7E84692480D}"/>
+                <a16:creationId xmlns:a16="http://schemas.microsoft.com/office/drawing/2014/main" xmlns="" id="{6B174A57-15CE-2FFD-86D9-B7E84692480D}"/>
               </a:ext>
             </a:extLst>
           </p:cNvPr>
@@ -4461,7 +4461,7 @@
           <a:p>
             <a:fld id="{F9B0B098-7844-408D-9BB3-6B083FBEE8AA}" type="datetime1">
               <a:rPr lang="en-US" smtClean="0"/>
-              <a:t>10/25/2025</a:t>
+              <a:t>10/29/2025</a:t>
             </a:fld>
             <a:endParaRPr lang="en-US"/>
           </a:p>
@@ -4472,7 +4472,7 @@
           <p:cNvPr id="13" name="Slide Number Placeholder 12">
             <a:extLst>
               <a:ext uri="{FF2B5EF4-FFF2-40B4-BE49-F238E27FC236}">
-                <a16:creationId xmlns="" xmlns:a16="http://schemas.microsoft.com/office/drawing/2014/main" id="{E4873981-939E-932D-DBE2-6B02CC92B85F}"/>
+                <a16:creationId xmlns:a16="http://schemas.microsoft.com/office/drawing/2014/main" xmlns="" id="{E4873981-939E-932D-DBE2-6B02CC92B85F}"/>
               </a:ext>
             </a:extLst>
           </p:cNvPr>
@@ -4517,7 +4517,7 @@
         <p:cNvPr id="1" name="">
           <a:extLst>
             <a:ext uri="{FF2B5EF4-FFF2-40B4-BE49-F238E27FC236}">
-              <a16:creationId xmlns="" xmlns:a16="http://schemas.microsoft.com/office/drawing/2014/main" id="{7AF55069-71B1-83F0-E5F5-B02F8F577246}"/>
+              <a16:creationId xmlns:a16="http://schemas.microsoft.com/office/drawing/2014/main" xmlns="" id="{7AF55069-71B1-83F0-E5F5-B02F8F577246}"/>
             </a:ext>
           </a:extLst>
         </p:cNvPr>
@@ -4537,7 +4537,7 @@
           <p:cNvPr id="2" name="Title 1">
             <a:extLst>
               <a:ext uri="{FF2B5EF4-FFF2-40B4-BE49-F238E27FC236}">
-                <a16:creationId xmlns="" xmlns:a16="http://schemas.microsoft.com/office/drawing/2014/main" id="{1F358887-D4AD-6383-79D6-F528D34824D4}"/>
+                <a16:creationId xmlns:a16="http://schemas.microsoft.com/office/drawing/2014/main" xmlns="" id="{1F358887-D4AD-6383-79D6-F528D34824D4}"/>
               </a:ext>
             </a:extLst>
           </p:cNvPr>
@@ -4596,7 +4596,7 @@
           <p:cNvPr id="3" name="Content Placeholder 2">
             <a:extLst>
               <a:ext uri="{FF2B5EF4-FFF2-40B4-BE49-F238E27FC236}">
-                <a16:creationId xmlns="" xmlns:a16="http://schemas.microsoft.com/office/drawing/2014/main" id="{CB511744-1841-7314-5231-7CC4C07DDED0}"/>
+                <a16:creationId xmlns:a16="http://schemas.microsoft.com/office/drawing/2014/main" xmlns="" id="{CB511744-1841-7314-5231-7CC4C07DDED0}"/>
               </a:ext>
             </a:extLst>
           </p:cNvPr>
@@ -4639,7 +4639,7 @@
           <p:cNvPr id="4" name="Date Placeholder 3">
             <a:extLst>
               <a:ext uri="{FF2B5EF4-FFF2-40B4-BE49-F238E27FC236}">
-                <a16:creationId xmlns="" xmlns:a16="http://schemas.microsoft.com/office/drawing/2014/main" id="{E47BACE5-322B-3F55-2CA9-8E1D4117021B}"/>
+                <a16:creationId xmlns:a16="http://schemas.microsoft.com/office/drawing/2014/main" xmlns="" id="{E47BACE5-322B-3F55-2CA9-8E1D4117021B}"/>
               </a:ext>
             </a:extLst>
           </p:cNvPr>
@@ -4657,7 +4657,7 @@
           <a:p>
             <a:fld id="{C5480D13-07B8-4CF5-901F-BD1025D74351}" type="datetime1">
               <a:rPr lang="en-US" smtClean="0"/>
-              <a:t>10/25/2025</a:t>
+              <a:t>10/29/2025</a:t>
             </a:fld>
             <a:endParaRPr lang="en-US"/>
           </a:p>
@@ -4668,7 +4668,7 @@
           <p:cNvPr id="5" name="Slide Number Placeholder 4">
             <a:extLst>
               <a:ext uri="{FF2B5EF4-FFF2-40B4-BE49-F238E27FC236}">
-                <a16:creationId xmlns="" xmlns:a16="http://schemas.microsoft.com/office/drawing/2014/main" id="{A7D1AF6B-7EFE-60E0-2350-AE083D01AD8A}"/>
+                <a16:creationId xmlns:a16="http://schemas.microsoft.com/office/drawing/2014/main" xmlns="" id="{A7D1AF6B-7EFE-60E0-2350-AE083D01AD8A}"/>
               </a:ext>
             </a:extLst>
           </p:cNvPr>
@@ -4784,7 +4784,7 @@
         <p:cNvPr id="1" name="">
           <a:extLst>
             <a:ext uri="{FF2B5EF4-FFF2-40B4-BE49-F238E27FC236}">
-              <a16:creationId xmlns="" xmlns:a16="http://schemas.microsoft.com/office/drawing/2014/main" id="{CAD63ECA-B59E-8742-1165-9911D2A450C7}"/>
+              <a16:creationId xmlns:a16="http://schemas.microsoft.com/office/drawing/2014/main" xmlns="" id="{CAD63ECA-B59E-8742-1165-9911D2A450C7}"/>
             </a:ext>
           </a:extLst>
         </p:cNvPr>
@@ -4804,7 +4804,7 @@
           <p:cNvPr id="2" name="Title 1">
             <a:extLst>
               <a:ext uri="{FF2B5EF4-FFF2-40B4-BE49-F238E27FC236}">
-                <a16:creationId xmlns="" xmlns:a16="http://schemas.microsoft.com/office/drawing/2014/main" id="{DE0B2EF6-B936-B9EB-24E4-C84A062402DD}"/>
+                <a16:creationId xmlns:a16="http://schemas.microsoft.com/office/drawing/2014/main" xmlns="" id="{DE0B2EF6-B936-B9EB-24E4-C84A062402DD}"/>
               </a:ext>
             </a:extLst>
           </p:cNvPr>
@@ -4863,7 +4863,7 @@
           <p:cNvPr id="3" name="Content Placeholder 2">
             <a:extLst>
               <a:ext uri="{FF2B5EF4-FFF2-40B4-BE49-F238E27FC236}">
-                <a16:creationId xmlns="" xmlns:a16="http://schemas.microsoft.com/office/drawing/2014/main" id="{4B9409AF-1BD6-CFDC-B172-AD3D38536AC2}"/>
+                <a16:creationId xmlns:a16="http://schemas.microsoft.com/office/drawing/2014/main" xmlns="" id="{4B9409AF-1BD6-CFDC-B172-AD3D38536AC2}"/>
               </a:ext>
             </a:extLst>
           </p:cNvPr>
@@ -4985,7 +4985,7 @@
           <p:cNvPr id="4" name="Date Placeholder 3">
             <a:extLst>
               <a:ext uri="{FF2B5EF4-FFF2-40B4-BE49-F238E27FC236}">
-                <a16:creationId xmlns="" xmlns:a16="http://schemas.microsoft.com/office/drawing/2014/main" id="{04773938-5370-329C-27AB-D82ECB9D7128}"/>
+                <a16:creationId xmlns:a16="http://schemas.microsoft.com/office/drawing/2014/main" xmlns="" id="{04773938-5370-329C-27AB-D82ECB9D7128}"/>
               </a:ext>
             </a:extLst>
           </p:cNvPr>
@@ -5003,7 +5003,7 @@
           <a:p>
             <a:fld id="{C5480D13-07B8-4CF5-901F-BD1025D74351}" type="datetime1">
               <a:rPr lang="en-US" smtClean="0"/>
-              <a:t>10/25/2025</a:t>
+              <a:t>10/29/2025</a:t>
             </a:fld>
             <a:endParaRPr lang="en-US"/>
           </a:p>
@@ -5014,7 +5014,7 @@
           <p:cNvPr id="5" name="Slide Number Placeholder 4">
             <a:extLst>
               <a:ext uri="{FF2B5EF4-FFF2-40B4-BE49-F238E27FC236}">
-                <a16:creationId xmlns="" xmlns:a16="http://schemas.microsoft.com/office/drawing/2014/main" id="{E8A83B3C-8735-B8FC-8D50-B919B3471343}"/>
+                <a16:creationId xmlns:a16="http://schemas.microsoft.com/office/drawing/2014/main" xmlns="" id="{E8A83B3C-8735-B8FC-8D50-B919B3471343}"/>
               </a:ext>
             </a:extLst>
           </p:cNvPr>
@@ -5066,7 +5066,7 @@
         <p:cNvPr id="1" name="">
           <a:extLst>
             <a:ext uri="{FF2B5EF4-FFF2-40B4-BE49-F238E27FC236}">
-              <a16:creationId xmlns="" xmlns:a16="http://schemas.microsoft.com/office/drawing/2014/main" id="{5FAB1F08-ACBA-74D4-21C7-1877C96BEAB0}"/>
+              <a16:creationId xmlns:a16="http://schemas.microsoft.com/office/drawing/2014/main" xmlns="" id="{5FAB1F08-ACBA-74D4-21C7-1877C96BEAB0}"/>
             </a:ext>
           </a:extLst>
         </p:cNvPr>
@@ -5086,7 +5086,7 @@
           <p:cNvPr id="2" name="Title 1">
             <a:extLst>
               <a:ext uri="{FF2B5EF4-FFF2-40B4-BE49-F238E27FC236}">
-                <a16:creationId xmlns="" xmlns:a16="http://schemas.microsoft.com/office/drawing/2014/main" id="{A1CD231F-4F31-F7C1-0756-E5AB66863764}"/>
+                <a16:creationId xmlns:a16="http://schemas.microsoft.com/office/drawing/2014/main" xmlns="" id="{A1CD231F-4F31-F7C1-0756-E5AB66863764}"/>
               </a:ext>
             </a:extLst>
           </p:cNvPr>
@@ -5145,7 +5145,7 @@
           <p:cNvPr id="3" name="Content Placeholder 2">
             <a:extLst>
               <a:ext uri="{FF2B5EF4-FFF2-40B4-BE49-F238E27FC236}">
-                <a16:creationId xmlns="" xmlns:a16="http://schemas.microsoft.com/office/drawing/2014/main" id="{E39BF234-03FB-99B7-1FAD-E73A077F6A4D}"/>
+                <a16:creationId xmlns:a16="http://schemas.microsoft.com/office/drawing/2014/main" xmlns="" id="{E39BF234-03FB-99B7-1FAD-E73A077F6A4D}"/>
               </a:ext>
             </a:extLst>
           </p:cNvPr>
@@ -5291,7 +5291,7 @@
           <p:cNvPr id="4" name="Date Placeholder 3">
             <a:extLst>
               <a:ext uri="{FF2B5EF4-FFF2-40B4-BE49-F238E27FC236}">
-                <a16:creationId xmlns="" xmlns:a16="http://schemas.microsoft.com/office/drawing/2014/main" id="{CC9B2E9B-C1CA-3A86-8D9B-E24009B63C21}"/>
+                <a16:creationId xmlns:a16="http://schemas.microsoft.com/office/drawing/2014/main" xmlns="" id="{CC9B2E9B-C1CA-3A86-8D9B-E24009B63C21}"/>
               </a:ext>
             </a:extLst>
           </p:cNvPr>
@@ -5309,7 +5309,7 @@
           <a:p>
             <a:fld id="{C5480D13-07B8-4CF5-901F-BD1025D74351}" type="datetime1">
               <a:rPr lang="en-US" smtClean="0"/>
-              <a:t>10/25/2025</a:t>
+              <a:t>10/29/2025</a:t>
             </a:fld>
             <a:endParaRPr lang="en-US"/>
           </a:p>
@@ -5320,7 +5320,7 @@
           <p:cNvPr id="5" name="Slide Number Placeholder 4">
             <a:extLst>
               <a:ext uri="{FF2B5EF4-FFF2-40B4-BE49-F238E27FC236}">
-                <a16:creationId xmlns="" xmlns:a16="http://schemas.microsoft.com/office/drawing/2014/main" id="{45D22F1A-313A-2BA7-A778-DA35C0DFD707}"/>
+                <a16:creationId xmlns:a16="http://schemas.microsoft.com/office/drawing/2014/main" xmlns="" id="{45D22F1A-313A-2BA7-A778-DA35C0DFD707}"/>
               </a:ext>
             </a:extLst>
           </p:cNvPr>
@@ -5372,7 +5372,7 @@
         <p:cNvPr id="1" name="">
           <a:extLst>
             <a:ext uri="{FF2B5EF4-FFF2-40B4-BE49-F238E27FC236}">
-              <a16:creationId xmlns="" xmlns:a16="http://schemas.microsoft.com/office/drawing/2014/main" id="{A9DEA9EE-5679-A557-E7BF-0A904D09771C}"/>
+              <a16:creationId xmlns:a16="http://schemas.microsoft.com/office/drawing/2014/main" xmlns="" id="{A9DEA9EE-5679-A557-E7BF-0A904D09771C}"/>
             </a:ext>
           </a:extLst>
         </p:cNvPr>
@@ -5392,7 +5392,7 @@
           <p:cNvPr id="2" name="Title 1">
             <a:extLst>
               <a:ext uri="{FF2B5EF4-FFF2-40B4-BE49-F238E27FC236}">
-                <a16:creationId xmlns="" xmlns:a16="http://schemas.microsoft.com/office/drawing/2014/main" id="{A2BF6077-2697-7116-5A2C-99B8054B7FE2}"/>
+                <a16:creationId xmlns:a16="http://schemas.microsoft.com/office/drawing/2014/main" xmlns="" id="{A2BF6077-2697-7116-5A2C-99B8054B7FE2}"/>
               </a:ext>
             </a:extLst>
           </p:cNvPr>
@@ -5451,7 +5451,7 @@
           <p:cNvPr id="3" name="Content Placeholder 2">
             <a:extLst>
               <a:ext uri="{FF2B5EF4-FFF2-40B4-BE49-F238E27FC236}">
-                <a16:creationId xmlns="" xmlns:a16="http://schemas.microsoft.com/office/drawing/2014/main" id="{D3AB1971-AF7F-80EE-26ED-EA8A7E8C7C21}"/>
+                <a16:creationId xmlns:a16="http://schemas.microsoft.com/office/drawing/2014/main" xmlns="" id="{D3AB1971-AF7F-80EE-26ED-EA8A7E8C7C21}"/>
               </a:ext>
             </a:extLst>
           </p:cNvPr>
@@ -5570,7 +5570,7 @@
           <p:cNvPr id="4" name="Date Placeholder 3">
             <a:extLst>
               <a:ext uri="{FF2B5EF4-FFF2-40B4-BE49-F238E27FC236}">
-                <a16:creationId xmlns="" xmlns:a16="http://schemas.microsoft.com/office/drawing/2014/main" id="{418721BC-42E2-4822-3086-5AF81F1A3726}"/>
+                <a16:creationId xmlns:a16="http://schemas.microsoft.com/office/drawing/2014/main" xmlns="" id="{418721BC-42E2-4822-3086-5AF81F1A3726}"/>
               </a:ext>
             </a:extLst>
           </p:cNvPr>
@@ -5588,7 +5588,7 @@
           <a:p>
             <a:fld id="{C5480D13-07B8-4CF5-901F-BD1025D74351}" type="datetime1">
               <a:rPr lang="en-US" smtClean="0"/>
-              <a:t>10/25/2025</a:t>
+              <a:t>10/29/2025</a:t>
             </a:fld>
             <a:endParaRPr lang="en-US"/>
           </a:p>
@@ -5599,7 +5599,7 @@
           <p:cNvPr id="5" name="Slide Number Placeholder 4">
             <a:extLst>
               <a:ext uri="{FF2B5EF4-FFF2-40B4-BE49-F238E27FC236}">
-                <a16:creationId xmlns="" xmlns:a16="http://schemas.microsoft.com/office/drawing/2014/main" id="{60D8BC28-15FA-0C88-32FB-88458DEBBC23}"/>
+                <a16:creationId xmlns:a16="http://schemas.microsoft.com/office/drawing/2014/main" xmlns="" id="{60D8BC28-15FA-0C88-32FB-88458DEBBC23}"/>
               </a:ext>
             </a:extLst>
           </p:cNvPr>
@@ -5658,7 +5658,7 @@
           <p:cNvPr id="2" name="Title 1">
             <a:extLst>
               <a:ext uri="{FF2B5EF4-FFF2-40B4-BE49-F238E27FC236}">
-                <a16:creationId xmlns="" xmlns:a16="http://schemas.microsoft.com/office/drawing/2014/main" id="{723E759A-0732-65F8-ABFC-93E81441B8A8}"/>
+                <a16:creationId xmlns:a16="http://schemas.microsoft.com/office/drawing/2014/main" xmlns="" id="{723E759A-0732-65F8-ABFC-93E81441B8A8}"/>
               </a:ext>
             </a:extLst>
           </p:cNvPr>
@@ -5717,7 +5717,7 @@
           <p:cNvPr id="3" name="Content Placeholder 2">
             <a:extLst>
               <a:ext uri="{FF2B5EF4-FFF2-40B4-BE49-F238E27FC236}">
-                <a16:creationId xmlns="" xmlns:a16="http://schemas.microsoft.com/office/drawing/2014/main" id="{FAE17474-C476-1051-3F37-A2159E2BEE57}"/>
+                <a16:creationId xmlns:a16="http://schemas.microsoft.com/office/drawing/2014/main" xmlns="" id="{FAE17474-C476-1051-3F37-A2159E2BEE57}"/>
               </a:ext>
             </a:extLst>
           </p:cNvPr>
@@ -5856,7 +5856,7 @@
           <p:cNvPr id="4" name="Date Placeholder 3">
             <a:extLst>
               <a:ext uri="{FF2B5EF4-FFF2-40B4-BE49-F238E27FC236}">
-                <a16:creationId xmlns="" xmlns:a16="http://schemas.microsoft.com/office/drawing/2014/main" id="{85FF5BCC-B36E-DFE5-103F-31FA12632094}"/>
+                <a16:creationId xmlns:a16="http://schemas.microsoft.com/office/drawing/2014/main" xmlns="" id="{85FF5BCC-B36E-DFE5-103F-31FA12632094}"/>
               </a:ext>
             </a:extLst>
           </p:cNvPr>
@@ -5874,7 +5874,7 @@
           <a:p>
             <a:fld id="{316FBEDF-053F-468F-8CCF-D1ACE4FBB50D}" type="datetime1">
               <a:rPr lang="en-US" smtClean="0"/>
-              <a:t>10/25/2025</a:t>
+              <a:t>10/29/2025</a:t>
             </a:fld>
             <a:endParaRPr lang="en-US"/>
           </a:p>
@@ -5885,7 +5885,7 @@
           <p:cNvPr id="5" name="Slide Number Placeholder 4">
             <a:extLst>
               <a:ext uri="{FF2B5EF4-FFF2-40B4-BE49-F238E27FC236}">
-                <a16:creationId xmlns="" xmlns:a16="http://schemas.microsoft.com/office/drawing/2014/main" id="{70253399-F526-B4B1-D444-32B3A164A39F}"/>
+                <a16:creationId xmlns:a16="http://schemas.microsoft.com/office/drawing/2014/main" xmlns="" id="{70253399-F526-B4B1-D444-32B3A164A39F}"/>
               </a:ext>
             </a:extLst>
           </p:cNvPr>
@@ -5930,7 +5930,7 @@
         <p:cNvPr id="1" name="">
           <a:extLst>
             <a:ext uri="{FF2B5EF4-FFF2-40B4-BE49-F238E27FC236}">
-              <a16:creationId xmlns="" xmlns:a16="http://schemas.microsoft.com/office/drawing/2014/main" id="{83ACC068-5F54-97E8-2F1C-0538F112699A}"/>
+              <a16:creationId xmlns:a16="http://schemas.microsoft.com/office/drawing/2014/main" xmlns="" id="{83ACC068-5F54-97E8-2F1C-0538F112699A}"/>
             </a:ext>
           </a:extLst>
         </p:cNvPr>
@@ -5950,7 +5950,7 @@
           <p:cNvPr id="2" name="Title 1">
             <a:extLst>
               <a:ext uri="{FF2B5EF4-FFF2-40B4-BE49-F238E27FC236}">
-                <a16:creationId xmlns="" xmlns:a16="http://schemas.microsoft.com/office/drawing/2014/main" id="{F7B2B1AF-B7ED-6DDA-888D-9BCAF08EA5E4}"/>
+                <a16:creationId xmlns:a16="http://schemas.microsoft.com/office/drawing/2014/main" xmlns="" id="{F7B2B1AF-B7ED-6DDA-888D-9BCAF08EA5E4}"/>
               </a:ext>
             </a:extLst>
           </p:cNvPr>
@@ -6004,14 +6004,14 @@
           </a:p>
         </p:txBody>
       </p:sp>
-      <mc:AlternateContent xmlns:mc="http://schemas.openxmlformats.org/markup-compatibility/2006">
-        <mc:Choice xmlns:a14="http://schemas.microsoft.com/office/drawing/2010/main" Requires="a14">
+      <mc:AlternateContent xmlns:mc="http://schemas.openxmlformats.org/markup-compatibility/2006" xmlns:a14="http://schemas.microsoft.com/office/drawing/2010/main">
+        <mc:Choice Requires="a14">
           <p:sp>
             <p:nvSpPr>
               <p:cNvPr id="3" name="Content Placeholder 2">
                 <a:extLst>
                   <a:ext uri="{FF2B5EF4-FFF2-40B4-BE49-F238E27FC236}">
-                    <a16:creationId xmlns="" xmlns:a16="http://schemas.microsoft.com/office/drawing/2014/main" id="{FE67243E-1300-82BE-9968-6837E801AFFC}"/>
+                    <a16:creationId xmlns:a16="http://schemas.microsoft.com/office/drawing/2014/main" xmlns="" id="{FE67243E-1300-82BE-9968-6837E801AFFC}"/>
                   </a:ext>
                 </a:extLst>
               </p:cNvPr>
@@ -6116,7 +6116,7 @@
                       <a:rPr lang="en-GB" sz="2900" i="1">
                         <a:latin typeface="Cambria Math"/>
                       </a:rPr>
-                      <m:t>) * ∏ </m:t>
+                      <m:t>) ∗ ∏ </m:t>
                     </m:r>
                     <m:r>
                       <a:rPr lang="en-GB" sz="2900" i="1">
@@ -6614,7 +6614,7 @@
             </p:txBody>
           </p:sp>
         </mc:Choice>
-        <mc:Fallback>
+        <mc:Fallback xmlns="">
           <p:sp>
             <p:nvSpPr>
               <p:cNvPr id="3" name="Content Placeholder 2">
@@ -6663,7 +6663,7 @@
           <p:cNvPr id="4" name="Date Placeholder 3">
             <a:extLst>
               <a:ext uri="{FF2B5EF4-FFF2-40B4-BE49-F238E27FC236}">
-                <a16:creationId xmlns="" xmlns:a16="http://schemas.microsoft.com/office/drawing/2014/main" id="{4AF593AB-ABA6-D8E8-42D9-A38FB7B4DB45}"/>
+                <a16:creationId xmlns:a16="http://schemas.microsoft.com/office/drawing/2014/main" xmlns="" id="{4AF593AB-ABA6-D8E8-42D9-A38FB7B4DB45}"/>
               </a:ext>
             </a:extLst>
           </p:cNvPr>
@@ -6681,7 +6681,7 @@
           <a:p>
             <a:fld id="{316FBEDF-053F-468F-8CCF-D1ACE4FBB50D}" type="datetime1">
               <a:rPr lang="en-US" smtClean="0"/>
-              <a:t>10/25/2025</a:t>
+              <a:t>10/29/2025</a:t>
             </a:fld>
             <a:endParaRPr lang="en-US"/>
           </a:p>
@@ -6692,7 +6692,7 @@
           <p:cNvPr id="5" name="Slide Number Placeholder 4">
             <a:extLst>
               <a:ext uri="{FF2B5EF4-FFF2-40B4-BE49-F238E27FC236}">
-                <a16:creationId xmlns="" xmlns:a16="http://schemas.microsoft.com/office/drawing/2014/main" id="{40AE40CC-B05F-6325-A926-99504CD4A72F}"/>
+                <a16:creationId xmlns:a16="http://schemas.microsoft.com/office/drawing/2014/main" xmlns="" id="{40AE40CC-B05F-6325-A926-99504CD4A72F}"/>
               </a:ext>
             </a:extLst>
           </p:cNvPr>
@@ -6737,7 +6737,7 @@
         <p:cNvPr id="1" name="">
           <a:extLst>
             <a:ext uri="{FF2B5EF4-FFF2-40B4-BE49-F238E27FC236}">
-              <a16:creationId xmlns="" xmlns:a16="http://schemas.microsoft.com/office/drawing/2014/main" id="{A72C435A-10F7-BFC5-00EC-58E40C4456B9}"/>
+              <a16:creationId xmlns:a16="http://schemas.microsoft.com/office/drawing/2014/main" xmlns="" id="{A72C435A-10F7-BFC5-00EC-58E40C4456B9}"/>
             </a:ext>
           </a:extLst>
         </p:cNvPr>
@@ -6757,7 +6757,7 @@
           <p:cNvPr id="2" name="Title 1">
             <a:extLst>
               <a:ext uri="{FF2B5EF4-FFF2-40B4-BE49-F238E27FC236}">
-                <a16:creationId xmlns="" xmlns:a16="http://schemas.microsoft.com/office/drawing/2014/main" id="{63F62645-36EF-8091-6776-B59E845FD339}"/>
+                <a16:creationId xmlns:a16="http://schemas.microsoft.com/office/drawing/2014/main" xmlns="" id="{63F62645-36EF-8091-6776-B59E845FD339}"/>
               </a:ext>
             </a:extLst>
           </p:cNvPr>
@@ -6811,14 +6811,14 @@
           </a:p>
         </p:txBody>
       </p:sp>
-      <mc:AlternateContent xmlns:mc="http://schemas.openxmlformats.org/markup-compatibility/2006">
-        <mc:Choice xmlns:a14="http://schemas.microsoft.com/office/drawing/2010/main" Requires="a14">
+      <mc:AlternateContent xmlns:mc="http://schemas.openxmlformats.org/markup-compatibility/2006" xmlns:a14="http://schemas.microsoft.com/office/drawing/2010/main">
+        <mc:Choice Requires="a14">
           <p:sp>
             <p:nvSpPr>
               <p:cNvPr id="3" name="Content Placeholder 2">
                 <a:extLst>
                   <a:ext uri="{FF2B5EF4-FFF2-40B4-BE49-F238E27FC236}">
-                    <a16:creationId xmlns="" xmlns:a16="http://schemas.microsoft.com/office/drawing/2014/main" id="{D43F1624-D8B0-39D8-1C6F-BCD4B3C0201E}"/>
+                    <a16:creationId xmlns:a16="http://schemas.microsoft.com/office/drawing/2014/main" xmlns="" id="{D43F1624-D8B0-39D8-1C6F-BCD4B3C0201E}"/>
                   </a:ext>
                 </a:extLst>
               </p:cNvPr>
@@ -7165,7 +7165,7 @@
             </p:txBody>
           </p:sp>
         </mc:Choice>
-        <mc:Fallback>
+        <mc:Fallback xmlns="">
           <p:sp>
             <p:nvSpPr>
               <p:cNvPr id="3" name="Content Placeholder 2">
@@ -7214,7 +7214,7 @@
           <p:cNvPr id="4" name="Date Placeholder 3">
             <a:extLst>
               <a:ext uri="{FF2B5EF4-FFF2-40B4-BE49-F238E27FC236}">
-                <a16:creationId xmlns="" xmlns:a16="http://schemas.microsoft.com/office/drawing/2014/main" id="{EEF90121-F38D-D79C-3D65-B6D35C0C125D}"/>
+                <a16:creationId xmlns:a16="http://schemas.microsoft.com/office/drawing/2014/main" xmlns="" id="{EEF90121-F38D-D79C-3D65-B6D35C0C125D}"/>
               </a:ext>
             </a:extLst>
           </p:cNvPr>
@@ -7232,7 +7232,7 @@
           <a:p>
             <a:fld id="{316FBEDF-053F-468F-8CCF-D1ACE4FBB50D}" type="datetime1">
               <a:rPr lang="en-US" smtClean="0"/>
-              <a:t>10/25/2025</a:t>
+              <a:t>10/29/2025</a:t>
             </a:fld>
             <a:endParaRPr lang="en-US"/>
           </a:p>
@@ -7243,7 +7243,7 @@
           <p:cNvPr id="5" name="Slide Number Placeholder 4">
             <a:extLst>
               <a:ext uri="{FF2B5EF4-FFF2-40B4-BE49-F238E27FC236}">
-                <a16:creationId xmlns="" xmlns:a16="http://schemas.microsoft.com/office/drawing/2014/main" id="{14EE3686-D39B-BA2A-7691-6B642EA984D7}"/>
+                <a16:creationId xmlns:a16="http://schemas.microsoft.com/office/drawing/2014/main" xmlns="" id="{14EE3686-D39B-BA2A-7691-6B642EA984D7}"/>
               </a:ext>
             </a:extLst>
           </p:cNvPr>
@@ -7288,7 +7288,7 @@
         <p:cNvPr id="1" name="">
           <a:extLst>
             <a:ext uri="{FF2B5EF4-FFF2-40B4-BE49-F238E27FC236}">
-              <a16:creationId xmlns="" xmlns:a16="http://schemas.microsoft.com/office/drawing/2014/main" id="{C4A34F6B-2294-8100-6428-71DD4A23A3CE}"/>
+              <a16:creationId xmlns:a16="http://schemas.microsoft.com/office/drawing/2014/main" xmlns="" id="{C4A34F6B-2294-8100-6428-71DD4A23A3CE}"/>
             </a:ext>
           </a:extLst>
         </p:cNvPr>
@@ -7308,7 +7308,7 @@
           <p:cNvPr id="2" name="Title 1">
             <a:extLst>
               <a:ext uri="{FF2B5EF4-FFF2-40B4-BE49-F238E27FC236}">
-                <a16:creationId xmlns="" xmlns:a16="http://schemas.microsoft.com/office/drawing/2014/main" id="{DE876350-5987-57CB-5096-A77DCA2009EF}"/>
+                <a16:creationId xmlns:a16="http://schemas.microsoft.com/office/drawing/2014/main" xmlns="" id="{DE876350-5987-57CB-5096-A77DCA2009EF}"/>
               </a:ext>
             </a:extLst>
           </p:cNvPr>
@@ -7367,7 +7367,7 @@
           <p:cNvPr id="3" name="Content Placeholder 2">
             <a:extLst>
               <a:ext uri="{FF2B5EF4-FFF2-40B4-BE49-F238E27FC236}">
-                <a16:creationId xmlns="" xmlns:a16="http://schemas.microsoft.com/office/drawing/2014/main" id="{A229904C-7E5E-5862-ACA4-167CDBC5044B}"/>
+                <a16:creationId xmlns:a16="http://schemas.microsoft.com/office/drawing/2014/main" xmlns="" id="{A229904C-7E5E-5862-ACA4-167CDBC5044B}"/>
               </a:ext>
             </a:extLst>
           </p:cNvPr>
@@ -7406,7 +7406,7 @@
           <p:cNvPr id="4" name="Date Placeholder 3">
             <a:extLst>
               <a:ext uri="{FF2B5EF4-FFF2-40B4-BE49-F238E27FC236}">
-                <a16:creationId xmlns="" xmlns:a16="http://schemas.microsoft.com/office/drawing/2014/main" id="{C0BC0E82-F7C5-E4B3-8BB9-1583AC631384}"/>
+                <a16:creationId xmlns:a16="http://schemas.microsoft.com/office/drawing/2014/main" xmlns="" id="{C0BC0E82-F7C5-E4B3-8BB9-1583AC631384}"/>
               </a:ext>
             </a:extLst>
           </p:cNvPr>
@@ -7424,7 +7424,7 @@
           <a:p>
             <a:fld id="{C5480D13-07B8-4CF5-901F-BD1025D74351}" type="datetime1">
               <a:rPr lang="en-US" smtClean="0"/>
-              <a:t>10/25/2025</a:t>
+              <a:t>10/29/2025</a:t>
             </a:fld>
             <a:endParaRPr lang="en-US"/>
           </a:p>
@@ -7435,7 +7435,7 @@
           <p:cNvPr id="5" name="Slide Number Placeholder 4">
             <a:extLst>
               <a:ext uri="{FF2B5EF4-FFF2-40B4-BE49-F238E27FC236}">
-                <a16:creationId xmlns="" xmlns:a16="http://schemas.microsoft.com/office/drawing/2014/main" id="{04775014-201C-1110-C957-46A30A1C2417}"/>
+                <a16:creationId xmlns:a16="http://schemas.microsoft.com/office/drawing/2014/main" xmlns="" id="{04775014-201C-1110-C957-46A30A1C2417}"/>
               </a:ext>
             </a:extLst>
           </p:cNvPr>
@@ -7464,7 +7464,7 @@
           <p:cNvPr id="7" name="Table 6">
             <a:extLst>
               <a:ext uri="{FF2B5EF4-FFF2-40B4-BE49-F238E27FC236}">
-                <a16:creationId xmlns="" xmlns:a16="http://schemas.microsoft.com/office/drawing/2014/main" id="{ACE64048-76D1-E559-97A6-1E9DA8CC9F64}"/>
+                <a16:creationId xmlns:a16="http://schemas.microsoft.com/office/drawing/2014/main" xmlns="" id="{ACE64048-76D1-E559-97A6-1E9DA8CC9F64}"/>
               </a:ext>
             </a:extLst>
           </p:cNvPr>
@@ -7474,14 +7474,14 @@
           <p:nvPr>
             <p:extLst>
               <p:ext uri="{D42A27DB-BD31-4B8C-83A1-F6EECF244321}">
-                <p14:modId xmlns:p14="http://schemas.microsoft.com/office/powerpoint/2010/main" val="2106195700"/>
+                <p14:modId xmlns:p14="http://schemas.microsoft.com/office/powerpoint/2010/main" val="2988777626"/>
               </p:ext>
             </p:extLst>
           </p:nvPr>
         </p:nvGraphicFramePr>
         <p:xfrm>
-          <a:off x="1854200" y="2205222"/>
-          <a:ext cx="8128000" cy="3108960"/>
+          <a:off x="1854200" y="2234251"/>
+          <a:ext cx="8128000" cy="1280160"/>
         </p:xfrm>
         <a:graphic>
           <a:graphicData uri="http://schemas.openxmlformats.org/drawingml/2006/table">
@@ -7493,14 +7493,14 @@
                 <a:gridCol w="4064000">
                   <a:extLst>
                     <a:ext uri="{9D8B030D-6E8A-4147-A177-3AD203B41FA5}">
-                      <a16:colId xmlns="" xmlns:a16="http://schemas.microsoft.com/office/drawing/2014/main" val="4052004335"/>
+                      <a16:colId xmlns:a16="http://schemas.microsoft.com/office/drawing/2014/main" xmlns="" val="4052004335"/>
                     </a:ext>
                   </a:extLst>
                 </a:gridCol>
                 <a:gridCol w="4064000">
                   <a:extLst>
                     <a:ext uri="{9D8B030D-6E8A-4147-A177-3AD203B41FA5}">
-                      <a16:colId xmlns="" xmlns:a16="http://schemas.microsoft.com/office/drawing/2014/main" val="1251959847"/>
+                      <a16:colId xmlns:a16="http://schemas.microsoft.com/office/drawing/2014/main" xmlns="" val="1251959847"/>
                     </a:ext>
                   </a:extLst>
                 </a:gridCol>
@@ -7628,7 +7628,7 @@
                 </a:tc>
                 <a:extLst>
                   <a:ext uri="{0D108BD9-81ED-4DB2-BD59-A6C34878D82A}">
-                    <a16:rowId xmlns="" xmlns:a16="http://schemas.microsoft.com/office/drawing/2014/main" val="3399369799"/>
+                    <a16:rowId xmlns:a16="http://schemas.microsoft.com/office/drawing/2014/main" xmlns="" val="3399369799"/>
                   </a:ext>
                 </a:extLst>
               </a:tr>
@@ -7755,261 +7755,7 @@
                 </a:tc>
                 <a:extLst>
                   <a:ext uri="{0D108BD9-81ED-4DB2-BD59-A6C34878D82A}">
-                    <a16:rowId xmlns="" xmlns:a16="http://schemas.microsoft.com/office/drawing/2014/main" val="1996202207"/>
-                  </a:ext>
-                </a:extLst>
-              </a:tr>
-              <a:tr h="370840">
-                <a:tc>
-                  <a:txBody>
-                    <a:bodyPr/>
-                    <a:lstStyle/>
-                    <a:p>
-                      <a:r>
-                        <a:rPr lang="en-GB" dirty="0">
-                          <a:solidFill>
-                            <a:schemeClr val="tx1"/>
-                          </a:solidFill>
-                        </a:rPr>
-                        <a:t>Word Document Report Link</a:t>
-                      </a:r>
-                      <a:endParaRPr lang="en-US" dirty="0">
-                        <a:solidFill>
-                          <a:schemeClr val="tx1"/>
-                        </a:solidFill>
-                      </a:endParaRPr>
-                    </a:p>
-                  </a:txBody>
-                  <a:tcPr>
-                    <a:lnL w="12700" cap="flat" cmpd="sng" algn="ctr">
-                      <a:solidFill>
-                        <a:schemeClr val="tx1"/>
-                      </a:solidFill>
-                      <a:prstDash val="solid"/>
-                      <a:round/>
-                      <a:headEnd type="none" w="med" len="med"/>
-                      <a:tailEnd type="none" w="med" len="med"/>
-                    </a:lnL>
-                    <a:lnR w="12700" cap="flat" cmpd="sng" algn="ctr">
-                      <a:solidFill>
-                        <a:schemeClr val="tx1"/>
-                      </a:solidFill>
-                      <a:prstDash val="solid"/>
-                      <a:round/>
-                      <a:headEnd type="none" w="med" len="med"/>
-                      <a:tailEnd type="none" w="med" len="med"/>
-                    </a:lnR>
-                    <a:lnT w="12700" cap="flat" cmpd="sng" algn="ctr">
-                      <a:solidFill>
-                        <a:schemeClr val="tx1"/>
-                      </a:solidFill>
-                      <a:prstDash val="solid"/>
-                      <a:round/>
-                      <a:headEnd type="none" w="med" len="med"/>
-                      <a:tailEnd type="none" w="med" len="med"/>
-                    </a:lnT>
-                    <a:lnB w="12700" cap="flat" cmpd="sng" algn="ctr">
-                      <a:solidFill>
-                        <a:schemeClr val="tx1"/>
-                      </a:solidFill>
-                      <a:prstDash val="solid"/>
-                      <a:round/>
-                      <a:headEnd type="none" w="med" len="med"/>
-                      <a:tailEnd type="none" w="med" len="med"/>
-                    </a:lnB>
-                    <a:noFill/>
-                  </a:tcPr>
-                </a:tc>
-                <a:tc>
-                  <a:txBody>
-                    <a:bodyPr/>
-                    <a:lstStyle/>
-                    <a:p>
-                      <a:r>
-                        <a:rPr lang="en-US" dirty="0" smtClean="0">
-                          <a:solidFill>
-                            <a:schemeClr val="tx1"/>
-                          </a:solidFill>
-                        </a:rPr>
-                        <a:t>https://github.com/dharrini06/WeatherPredictionAI/blob/main/Weather%20Prediction%20AI%20project.docx</a:t>
-                      </a:r>
-                      <a:endParaRPr lang="en-US" dirty="0">
-                        <a:solidFill>
-                          <a:schemeClr val="tx1"/>
-                        </a:solidFill>
-                      </a:endParaRPr>
-                    </a:p>
-                  </a:txBody>
-                  <a:tcPr>
-                    <a:lnL w="12700" cap="flat" cmpd="sng" algn="ctr">
-                      <a:solidFill>
-                        <a:schemeClr val="tx1"/>
-                      </a:solidFill>
-                      <a:prstDash val="solid"/>
-                      <a:round/>
-                      <a:headEnd type="none" w="med" len="med"/>
-                      <a:tailEnd type="none" w="med" len="med"/>
-                    </a:lnL>
-                    <a:lnR w="12700" cap="flat" cmpd="sng" algn="ctr">
-                      <a:solidFill>
-                        <a:schemeClr val="tx1"/>
-                      </a:solidFill>
-                      <a:prstDash val="solid"/>
-                      <a:round/>
-                      <a:headEnd type="none" w="med" len="med"/>
-                      <a:tailEnd type="none" w="med" len="med"/>
-                    </a:lnR>
-                    <a:lnT w="12700" cap="flat" cmpd="sng" algn="ctr">
-                      <a:solidFill>
-                        <a:schemeClr val="tx1"/>
-                      </a:solidFill>
-                      <a:prstDash val="solid"/>
-                      <a:round/>
-                      <a:headEnd type="none" w="med" len="med"/>
-                      <a:tailEnd type="none" w="med" len="med"/>
-                    </a:lnT>
-                    <a:lnB w="12700" cap="flat" cmpd="sng" algn="ctr">
-                      <a:solidFill>
-                        <a:schemeClr val="tx1"/>
-                      </a:solidFill>
-                      <a:prstDash val="solid"/>
-                      <a:round/>
-                      <a:headEnd type="none" w="med" len="med"/>
-                      <a:tailEnd type="none" w="med" len="med"/>
-                    </a:lnB>
-                    <a:noFill/>
-                  </a:tcPr>
-                </a:tc>
-                <a:extLst>
-                  <a:ext uri="{0D108BD9-81ED-4DB2-BD59-A6C34878D82A}">
-                    <a16:rowId xmlns="" xmlns:a16="http://schemas.microsoft.com/office/drawing/2014/main" val="2251050083"/>
-                  </a:ext>
-                </a:extLst>
-              </a:tr>
-              <a:tr h="370840">
-                <a:tc>
-                  <a:txBody>
-                    <a:bodyPr/>
-                    <a:lstStyle/>
-                    <a:p>
-                      <a:r>
-                        <a:rPr lang="en-GB" dirty="0">
-                          <a:solidFill>
-                            <a:schemeClr val="tx1"/>
-                          </a:solidFill>
-                        </a:rPr>
-                        <a:t>PPT Link</a:t>
-                      </a:r>
-                      <a:endParaRPr lang="en-US" dirty="0">
-                        <a:solidFill>
-                          <a:schemeClr val="tx1"/>
-                        </a:solidFill>
-                      </a:endParaRPr>
-                    </a:p>
-                  </a:txBody>
-                  <a:tcPr>
-                    <a:lnL w="12700" cap="flat" cmpd="sng" algn="ctr">
-                      <a:solidFill>
-                        <a:schemeClr val="tx1"/>
-                      </a:solidFill>
-                      <a:prstDash val="solid"/>
-                      <a:round/>
-                      <a:headEnd type="none" w="med" len="med"/>
-                      <a:tailEnd type="none" w="med" len="med"/>
-                    </a:lnL>
-                    <a:lnR w="12700" cap="flat" cmpd="sng" algn="ctr">
-                      <a:solidFill>
-                        <a:schemeClr val="tx1"/>
-                      </a:solidFill>
-                      <a:prstDash val="solid"/>
-                      <a:round/>
-                      <a:headEnd type="none" w="med" len="med"/>
-                      <a:tailEnd type="none" w="med" len="med"/>
-                    </a:lnR>
-                    <a:lnT w="12700" cap="flat" cmpd="sng" algn="ctr">
-                      <a:solidFill>
-                        <a:schemeClr val="tx1"/>
-                      </a:solidFill>
-                      <a:prstDash val="solid"/>
-                      <a:round/>
-                      <a:headEnd type="none" w="med" len="med"/>
-                      <a:tailEnd type="none" w="med" len="med"/>
-                    </a:lnT>
-                    <a:lnB w="12700" cap="flat" cmpd="sng" algn="ctr">
-                      <a:solidFill>
-                        <a:schemeClr val="tx1"/>
-                      </a:solidFill>
-                      <a:prstDash val="solid"/>
-                      <a:round/>
-                      <a:headEnd type="none" w="med" len="med"/>
-                      <a:tailEnd type="none" w="med" len="med"/>
-                    </a:lnB>
-                    <a:noFill/>
-                  </a:tcPr>
-                </a:tc>
-                <a:tc>
-                  <a:txBody>
-                    <a:bodyPr/>
-                    <a:lstStyle/>
-                    <a:p>
-                      <a:r>
-                        <a:rPr lang="en-US" dirty="0" smtClean="0">
-                          <a:solidFill>
-                            <a:schemeClr val="tx1"/>
-                          </a:solidFill>
-                        </a:rPr>
-                        <a:t>https://github.com/dharrini06/WeatherPredictionAI/blob/main/Weather%20Prediction%20AI%20project.docx</a:t>
-                      </a:r>
-                      <a:endParaRPr lang="en-US" dirty="0">
-                        <a:solidFill>
-                          <a:schemeClr val="tx1"/>
-                        </a:solidFill>
-                      </a:endParaRPr>
-                    </a:p>
-                  </a:txBody>
-                  <a:tcPr>
-                    <a:lnL w="12700" cap="flat" cmpd="sng" algn="ctr">
-                      <a:solidFill>
-                        <a:schemeClr val="tx1"/>
-                      </a:solidFill>
-                      <a:prstDash val="solid"/>
-                      <a:round/>
-                      <a:headEnd type="none" w="med" len="med"/>
-                      <a:tailEnd type="none" w="med" len="med"/>
-                    </a:lnL>
-                    <a:lnR w="12700" cap="flat" cmpd="sng" algn="ctr">
-                      <a:solidFill>
-                        <a:schemeClr val="tx1"/>
-                      </a:solidFill>
-                      <a:prstDash val="solid"/>
-                      <a:round/>
-                      <a:headEnd type="none" w="med" len="med"/>
-                      <a:tailEnd type="none" w="med" len="med"/>
-                    </a:lnR>
-                    <a:lnT w="12700" cap="flat" cmpd="sng" algn="ctr">
-                      <a:solidFill>
-                        <a:schemeClr val="tx1"/>
-                      </a:solidFill>
-                      <a:prstDash val="solid"/>
-                      <a:round/>
-                      <a:headEnd type="none" w="med" len="med"/>
-                      <a:tailEnd type="none" w="med" len="med"/>
-                    </a:lnT>
-                    <a:lnB w="12700" cap="flat" cmpd="sng" algn="ctr">
-                      <a:solidFill>
-                        <a:schemeClr val="tx1"/>
-                      </a:solidFill>
-                      <a:prstDash val="solid"/>
-                      <a:round/>
-                      <a:headEnd type="none" w="med" len="med"/>
-                      <a:tailEnd type="none" w="med" len="med"/>
-                    </a:lnB>
-                    <a:noFill/>
-                  </a:tcPr>
-                </a:tc>
-                <a:extLst>
-                  <a:ext uri="{0D108BD9-81ED-4DB2-BD59-A6C34878D82A}">
-                    <a16:rowId xmlns="" xmlns:a16="http://schemas.microsoft.com/office/drawing/2014/main" val="2807241712"/>
+                    <a16:rowId xmlns:a16="http://schemas.microsoft.com/office/drawing/2014/main" xmlns="" val="1996202207"/>
                   </a:ext>
                 </a:extLst>
               </a:tr>
@@ -8038,7 +7784,7 @@
         <p:cNvPr id="1" name="">
           <a:extLst>
             <a:ext uri="{FF2B5EF4-FFF2-40B4-BE49-F238E27FC236}">
-              <a16:creationId xmlns="" xmlns:a16="http://schemas.microsoft.com/office/drawing/2014/main" id="{7AF55069-71B1-83F0-E5F5-B02F8F577246}"/>
+              <a16:creationId xmlns:a16="http://schemas.microsoft.com/office/drawing/2014/main" xmlns="" id="{7AF55069-71B1-83F0-E5F5-B02F8F577246}"/>
             </a:ext>
           </a:extLst>
         </p:cNvPr>
@@ -8058,7 +7804,7 @@
           <p:cNvPr id="2" name="Title 1">
             <a:extLst>
               <a:ext uri="{FF2B5EF4-FFF2-40B4-BE49-F238E27FC236}">
-                <a16:creationId xmlns="" xmlns:a16="http://schemas.microsoft.com/office/drawing/2014/main" id="{1F358887-D4AD-6383-79D6-F528D34824D4}"/>
+                <a16:creationId xmlns:a16="http://schemas.microsoft.com/office/drawing/2014/main" xmlns="" id="{1F358887-D4AD-6383-79D6-F528D34824D4}"/>
               </a:ext>
             </a:extLst>
           </p:cNvPr>
@@ -8117,7 +7863,7 @@
           <p:cNvPr id="3" name="Content Placeholder 2">
             <a:extLst>
               <a:ext uri="{FF2B5EF4-FFF2-40B4-BE49-F238E27FC236}">
-                <a16:creationId xmlns="" xmlns:a16="http://schemas.microsoft.com/office/drawing/2014/main" id="{CB511744-1841-7314-5231-7CC4C07DDED0}"/>
+                <a16:creationId xmlns:a16="http://schemas.microsoft.com/office/drawing/2014/main" xmlns="" id="{CB511744-1841-7314-5231-7CC4C07DDED0}"/>
               </a:ext>
             </a:extLst>
           </p:cNvPr>
@@ -8179,7 +7925,7 @@
           <p:cNvPr id="4" name="Date Placeholder 3">
             <a:extLst>
               <a:ext uri="{FF2B5EF4-FFF2-40B4-BE49-F238E27FC236}">
-                <a16:creationId xmlns="" xmlns:a16="http://schemas.microsoft.com/office/drawing/2014/main" id="{E47BACE5-322B-3F55-2CA9-8E1D4117021B}"/>
+                <a16:creationId xmlns:a16="http://schemas.microsoft.com/office/drawing/2014/main" xmlns="" id="{E47BACE5-322B-3F55-2CA9-8E1D4117021B}"/>
               </a:ext>
             </a:extLst>
           </p:cNvPr>
@@ -8197,7 +7943,7 @@
           <a:p>
             <a:fld id="{C5480D13-07B8-4CF5-901F-BD1025D74351}" type="datetime1">
               <a:rPr lang="en-US" smtClean="0"/>
-              <a:t>10/25/2025</a:t>
+              <a:t>10/29/2025</a:t>
             </a:fld>
             <a:endParaRPr lang="en-US"/>
           </a:p>
@@ -8208,7 +7954,7 @@
           <p:cNvPr id="5" name="Slide Number Placeholder 4">
             <a:extLst>
               <a:ext uri="{FF2B5EF4-FFF2-40B4-BE49-F238E27FC236}">
-                <a16:creationId xmlns="" xmlns:a16="http://schemas.microsoft.com/office/drawing/2014/main" id="{A7D1AF6B-7EFE-60E0-2350-AE083D01AD8A}"/>
+                <a16:creationId xmlns:a16="http://schemas.microsoft.com/office/drawing/2014/main" xmlns="" id="{A7D1AF6B-7EFE-60E0-2350-AE083D01AD8A}"/>
               </a:ext>
             </a:extLst>
           </p:cNvPr>
@@ -8317,7 +8063,7 @@
         <p:cNvPr id="1" name="">
           <a:extLst>
             <a:ext uri="{FF2B5EF4-FFF2-40B4-BE49-F238E27FC236}">
-              <a16:creationId xmlns="" xmlns:a16="http://schemas.microsoft.com/office/drawing/2014/main" id="{7AF55069-71B1-83F0-E5F5-B02F8F577246}"/>
+              <a16:creationId xmlns:a16="http://schemas.microsoft.com/office/drawing/2014/main" xmlns="" id="{7AF55069-71B1-83F0-E5F5-B02F8F577246}"/>
             </a:ext>
           </a:extLst>
         </p:cNvPr>
@@ -8337,7 +8083,7 @@
           <p:cNvPr id="2" name="Title 1">
             <a:extLst>
               <a:ext uri="{FF2B5EF4-FFF2-40B4-BE49-F238E27FC236}">
-                <a16:creationId xmlns="" xmlns:a16="http://schemas.microsoft.com/office/drawing/2014/main" id="{1F358887-D4AD-6383-79D6-F528D34824D4}"/>
+                <a16:creationId xmlns:a16="http://schemas.microsoft.com/office/drawing/2014/main" xmlns="" id="{1F358887-D4AD-6383-79D6-F528D34824D4}"/>
               </a:ext>
             </a:extLst>
           </p:cNvPr>
@@ -8396,7 +8142,7 @@
           <p:cNvPr id="3" name="Content Placeholder 2">
             <a:extLst>
               <a:ext uri="{FF2B5EF4-FFF2-40B4-BE49-F238E27FC236}">
-                <a16:creationId xmlns="" xmlns:a16="http://schemas.microsoft.com/office/drawing/2014/main" id="{CB511744-1841-7314-5231-7CC4C07DDED0}"/>
+                <a16:creationId xmlns:a16="http://schemas.microsoft.com/office/drawing/2014/main" xmlns="" id="{CB511744-1841-7314-5231-7CC4C07DDED0}"/>
               </a:ext>
             </a:extLst>
           </p:cNvPr>
@@ -8447,7 +8193,7 @@
           <p:cNvPr id="4" name="Date Placeholder 3">
             <a:extLst>
               <a:ext uri="{FF2B5EF4-FFF2-40B4-BE49-F238E27FC236}">
-                <a16:creationId xmlns="" xmlns:a16="http://schemas.microsoft.com/office/drawing/2014/main" id="{E47BACE5-322B-3F55-2CA9-8E1D4117021B}"/>
+                <a16:creationId xmlns:a16="http://schemas.microsoft.com/office/drawing/2014/main" xmlns="" id="{E47BACE5-322B-3F55-2CA9-8E1D4117021B}"/>
               </a:ext>
             </a:extLst>
           </p:cNvPr>
@@ -8465,7 +8211,7 @@
           <a:p>
             <a:fld id="{C5480D13-07B8-4CF5-901F-BD1025D74351}" type="datetime1">
               <a:rPr lang="en-US" smtClean="0"/>
-              <a:t>10/25/2025</a:t>
+              <a:t>10/29/2025</a:t>
             </a:fld>
             <a:endParaRPr lang="en-US"/>
           </a:p>
@@ -8476,7 +8222,7 @@
           <p:cNvPr id="5" name="Slide Number Placeholder 4">
             <a:extLst>
               <a:ext uri="{FF2B5EF4-FFF2-40B4-BE49-F238E27FC236}">
-                <a16:creationId xmlns="" xmlns:a16="http://schemas.microsoft.com/office/drawing/2014/main" id="{A7D1AF6B-7EFE-60E0-2350-AE083D01AD8A}"/>
+                <a16:creationId xmlns:a16="http://schemas.microsoft.com/office/drawing/2014/main" xmlns="" id="{A7D1AF6B-7EFE-60E0-2350-AE083D01AD8A}"/>
               </a:ext>
             </a:extLst>
           </p:cNvPr>
@@ -8585,7 +8331,7 @@
         <p:cNvPr id="1" name="">
           <a:extLst>
             <a:ext uri="{FF2B5EF4-FFF2-40B4-BE49-F238E27FC236}">
-              <a16:creationId xmlns="" xmlns:a16="http://schemas.microsoft.com/office/drawing/2014/main" id="{7AF55069-71B1-83F0-E5F5-B02F8F577246}"/>
+              <a16:creationId xmlns:a16="http://schemas.microsoft.com/office/drawing/2014/main" xmlns="" id="{7AF55069-71B1-83F0-E5F5-B02F8F577246}"/>
             </a:ext>
           </a:extLst>
         </p:cNvPr>
@@ -8605,7 +8351,7 @@
           <p:cNvPr id="2" name="Title 1">
             <a:extLst>
               <a:ext uri="{FF2B5EF4-FFF2-40B4-BE49-F238E27FC236}">
-                <a16:creationId xmlns="" xmlns:a16="http://schemas.microsoft.com/office/drawing/2014/main" id="{1F358887-D4AD-6383-79D6-F528D34824D4}"/>
+                <a16:creationId xmlns:a16="http://schemas.microsoft.com/office/drawing/2014/main" xmlns="" id="{1F358887-D4AD-6383-79D6-F528D34824D4}"/>
               </a:ext>
             </a:extLst>
           </p:cNvPr>
@@ -8664,7 +8410,7 @@
           <p:cNvPr id="3" name="Content Placeholder 2">
             <a:extLst>
               <a:ext uri="{FF2B5EF4-FFF2-40B4-BE49-F238E27FC236}">
-                <a16:creationId xmlns="" xmlns:a16="http://schemas.microsoft.com/office/drawing/2014/main" id="{CB511744-1841-7314-5231-7CC4C07DDED0}"/>
+                <a16:creationId xmlns:a16="http://schemas.microsoft.com/office/drawing/2014/main" xmlns="" id="{CB511744-1841-7314-5231-7CC4C07DDED0}"/>
               </a:ext>
             </a:extLst>
           </p:cNvPr>
@@ -8715,7 +8461,7 @@
           <p:cNvPr id="4" name="Date Placeholder 3">
             <a:extLst>
               <a:ext uri="{FF2B5EF4-FFF2-40B4-BE49-F238E27FC236}">
-                <a16:creationId xmlns="" xmlns:a16="http://schemas.microsoft.com/office/drawing/2014/main" id="{E47BACE5-322B-3F55-2CA9-8E1D4117021B}"/>
+                <a16:creationId xmlns:a16="http://schemas.microsoft.com/office/drawing/2014/main" xmlns="" id="{E47BACE5-322B-3F55-2CA9-8E1D4117021B}"/>
               </a:ext>
             </a:extLst>
           </p:cNvPr>
@@ -8733,7 +8479,7 @@
           <a:p>
             <a:fld id="{C5480D13-07B8-4CF5-901F-BD1025D74351}" type="datetime1">
               <a:rPr lang="en-US" smtClean="0"/>
-              <a:t>10/25/2025</a:t>
+              <a:t>10/29/2025</a:t>
             </a:fld>
             <a:endParaRPr lang="en-US"/>
           </a:p>
@@ -8744,7 +8490,7 @@
           <p:cNvPr id="5" name="Slide Number Placeholder 4">
             <a:extLst>
               <a:ext uri="{FF2B5EF4-FFF2-40B4-BE49-F238E27FC236}">
-                <a16:creationId xmlns="" xmlns:a16="http://schemas.microsoft.com/office/drawing/2014/main" id="{A7D1AF6B-7EFE-60E0-2350-AE083D01AD8A}"/>
+                <a16:creationId xmlns:a16="http://schemas.microsoft.com/office/drawing/2014/main" xmlns="" id="{A7D1AF6B-7EFE-60E0-2350-AE083D01AD8A}"/>
               </a:ext>
             </a:extLst>
           </p:cNvPr>
@@ -8849,7 +8595,7 @@
         <p:cNvPr id="1" name="">
           <a:extLst>
             <a:ext uri="{FF2B5EF4-FFF2-40B4-BE49-F238E27FC236}">
-              <a16:creationId xmlns="" xmlns:a16="http://schemas.microsoft.com/office/drawing/2014/main" id="{7AF55069-71B1-83F0-E5F5-B02F8F577246}"/>
+              <a16:creationId xmlns:a16="http://schemas.microsoft.com/office/drawing/2014/main" xmlns="" id="{7AF55069-71B1-83F0-E5F5-B02F8F577246}"/>
             </a:ext>
           </a:extLst>
         </p:cNvPr>
@@ -8869,7 +8615,7 @@
           <p:cNvPr id="2" name="Title 1">
             <a:extLst>
               <a:ext uri="{FF2B5EF4-FFF2-40B4-BE49-F238E27FC236}">
-                <a16:creationId xmlns="" xmlns:a16="http://schemas.microsoft.com/office/drawing/2014/main" id="{1F358887-D4AD-6383-79D6-F528D34824D4}"/>
+                <a16:creationId xmlns:a16="http://schemas.microsoft.com/office/drawing/2014/main" xmlns="" id="{1F358887-D4AD-6383-79D6-F528D34824D4}"/>
               </a:ext>
             </a:extLst>
           </p:cNvPr>
@@ -8928,7 +8674,7 @@
           <p:cNvPr id="3" name="Content Placeholder 2">
             <a:extLst>
               <a:ext uri="{FF2B5EF4-FFF2-40B4-BE49-F238E27FC236}">
-                <a16:creationId xmlns="" xmlns:a16="http://schemas.microsoft.com/office/drawing/2014/main" id="{CB511744-1841-7314-5231-7CC4C07DDED0}"/>
+                <a16:creationId xmlns:a16="http://schemas.microsoft.com/office/drawing/2014/main" xmlns="" id="{CB511744-1841-7314-5231-7CC4C07DDED0}"/>
               </a:ext>
             </a:extLst>
           </p:cNvPr>
@@ -8992,7 +8738,7 @@
           <p:cNvPr id="4" name="Date Placeholder 3">
             <a:extLst>
               <a:ext uri="{FF2B5EF4-FFF2-40B4-BE49-F238E27FC236}">
-                <a16:creationId xmlns="" xmlns:a16="http://schemas.microsoft.com/office/drawing/2014/main" id="{E47BACE5-322B-3F55-2CA9-8E1D4117021B}"/>
+                <a16:creationId xmlns:a16="http://schemas.microsoft.com/office/drawing/2014/main" xmlns="" id="{E47BACE5-322B-3F55-2CA9-8E1D4117021B}"/>
               </a:ext>
             </a:extLst>
           </p:cNvPr>
@@ -9010,7 +8756,7 @@
           <a:p>
             <a:fld id="{C5480D13-07B8-4CF5-901F-BD1025D74351}" type="datetime1">
               <a:rPr lang="en-US" smtClean="0"/>
-              <a:t>10/25/2025</a:t>
+              <a:t>10/29/2025</a:t>
             </a:fld>
             <a:endParaRPr lang="en-US"/>
           </a:p>
@@ -9021,7 +8767,7 @@
           <p:cNvPr id="5" name="Slide Number Placeholder 4">
             <a:extLst>
               <a:ext uri="{FF2B5EF4-FFF2-40B4-BE49-F238E27FC236}">
-                <a16:creationId xmlns="" xmlns:a16="http://schemas.microsoft.com/office/drawing/2014/main" id="{A7D1AF6B-7EFE-60E0-2350-AE083D01AD8A}"/>
+                <a16:creationId xmlns:a16="http://schemas.microsoft.com/office/drawing/2014/main" xmlns="" id="{A7D1AF6B-7EFE-60E0-2350-AE083D01AD8A}"/>
               </a:ext>
             </a:extLst>
           </p:cNvPr>
@@ -9384,7 +9130,7 @@
   <a:extraClrSchemeLst/>
   <a:extLst>
     <a:ext uri="{05A4C25C-085E-4340-85A3-A5531E510DB2}">
-      <thm15:themeFamily xmlns="" xmlns:thm15="http://schemas.microsoft.com/office/thememl/2012/main" name="Office Theme" id="{62F939B6-93AF-4DB8-9C6B-D6C7DFDC589F}" vid="{4A3C46E8-61CC-4603-A589-7422A47A8E4A}"/>
+      <thm15:themeFamily xmlns:thm15="http://schemas.microsoft.com/office/thememl/2012/main" xmlns="" name="Office Theme" id="{62F939B6-93AF-4DB8-9C6B-D6C7DFDC589F}" vid="{4A3C46E8-61CC-4603-A589-7422A47A8E4A}"/>
     </a:ext>
   </a:extLst>
 </a:theme>
@@ -9679,7 +9425,7 @@
   <a:extraClrSchemeLst/>
   <a:extLst>
     <a:ext uri="{05A4C25C-085E-4340-85A3-A5531E510DB2}">
-      <thm15:themeFamily xmlns="" xmlns:thm15="http://schemas.microsoft.com/office/thememl/2012/main" name="Office Theme" id="{62F939B6-93AF-4DB8-9C6B-D6C7DFDC589F}" vid="{4A3C46E8-61CC-4603-A589-7422A47A8E4A}"/>
+      <thm15:themeFamily xmlns:thm15="http://schemas.microsoft.com/office/thememl/2012/main" xmlns="" name="Office Theme" id="{62F939B6-93AF-4DB8-9C6B-D6C7DFDC589F}" vid="{4A3C46E8-61CC-4603-A589-7422A47A8E4A}"/>
     </a:ext>
   </a:extLst>
 </a:theme>

--- a/Weather Prediction AI mini project.pptx
+++ b/Weather Prediction AI mini project.pptx
@@ -5,7 +5,7 @@
     <p:sldMasterId id="2147483648" r:id="rId1"/>
   </p:sldMasterIdLst>
   <p:notesMasterIdLst>
-    <p:notesMasterId r:id="rId15"/>
+    <p:notesMasterId r:id="rId13"/>
   </p:notesMasterIdLst>
   <p:sldIdLst>
     <p:sldId id="256" r:id="rId2"/>
@@ -14,13 +14,11 @@
     <p:sldId id="263" r:id="rId5"/>
     <p:sldId id="258" r:id="rId6"/>
     <p:sldId id="260" r:id="rId7"/>
-    <p:sldId id="266" r:id="rId8"/>
-    <p:sldId id="267" r:id="rId9"/>
-    <p:sldId id="268" r:id="rId10"/>
-    <p:sldId id="269" r:id="rId11"/>
-    <p:sldId id="261" r:id="rId12"/>
-    <p:sldId id="265" r:id="rId13"/>
-    <p:sldId id="262" r:id="rId14"/>
+    <p:sldId id="267" r:id="rId8"/>
+    <p:sldId id="268" r:id="rId9"/>
+    <p:sldId id="261" r:id="rId10"/>
+    <p:sldId id="265" r:id="rId11"/>
+    <p:sldId id="262" r:id="rId12"/>
   </p:sldIdLst>
   <p:sldSz cx="12192000" cy="6858000"/>
   <p:notesSz cx="6858000" cy="9144000"/>
@@ -476,7 +474,7 @@
           <a:p>
             <a:fld id="{86EF56DB-6447-4E9A-8D0B-327B958AB26D}" type="datetimeFigureOut">
               <a:rPr lang="en-US" smtClean="0"/>
-              <a:t>10/29/2025</a:t>
+              <a:t>11/4/2025</a:t>
             </a:fld>
             <a:endParaRPr lang="en-US"/>
           </a:p>
@@ -890,7 +888,7 @@
           <a:p>
             <a:fld id="{36A8A127-BB09-41A4-B1CB-CF09F8E9604A}" type="datetime1">
               <a:rPr lang="en-US" smtClean="0"/>
-              <a:t>10/29/2025</a:t>
+              <a:t>11/4/2025</a:t>
             </a:fld>
             <a:endParaRPr lang="en-US"/>
           </a:p>
@@ -1088,7 +1086,7 @@
           <a:p>
             <a:fld id="{850BF149-3A71-4B38-9BDE-7A4D7C7AB1AD}" type="datetime1">
               <a:rPr lang="en-US" smtClean="0"/>
-              <a:t>10/29/2025</a:t>
+              <a:t>11/4/2025</a:t>
             </a:fld>
             <a:endParaRPr lang="en-US"/>
           </a:p>
@@ -1296,7 +1294,7 @@
           <a:p>
             <a:fld id="{25415CF1-83E4-4056-B983-BD617F30DAFA}" type="datetime1">
               <a:rPr lang="en-US" smtClean="0"/>
-              <a:t>10/29/2025</a:t>
+              <a:t>11/4/2025</a:t>
             </a:fld>
             <a:endParaRPr lang="en-US"/>
           </a:p>
@@ -1494,7 +1492,7 @@
           <a:p>
             <a:fld id="{42A9C543-C1A5-4BB5-A80B-9531F5C51CEB}" type="datetime1">
               <a:rPr lang="en-US" smtClean="0"/>
-              <a:t>10/29/2025</a:t>
+              <a:t>11/4/2025</a:t>
             </a:fld>
             <a:endParaRPr lang="en-US"/>
           </a:p>
@@ -1769,7 +1767,7 @@
           <a:p>
             <a:fld id="{85DB2ABE-BEC8-4A12-8AF2-3E9347C9F9C5}" type="datetime1">
               <a:rPr lang="en-US" smtClean="0"/>
-              <a:t>10/29/2025</a:t>
+              <a:t>11/4/2025</a:t>
             </a:fld>
             <a:endParaRPr lang="en-US"/>
           </a:p>
@@ -2034,7 +2032,7 @@
           <a:p>
             <a:fld id="{E457CA91-FD83-4EFE-93EA-63992C03614F}" type="datetime1">
               <a:rPr lang="en-US" smtClean="0"/>
-              <a:t>10/29/2025</a:t>
+              <a:t>11/4/2025</a:t>
             </a:fld>
             <a:endParaRPr lang="en-US"/>
           </a:p>
@@ -2446,7 +2444,7 @@
           <a:p>
             <a:fld id="{07D6C43A-13E2-48A2-BAE5-CC73887FC199}" type="datetime1">
               <a:rPr lang="en-US" smtClean="0"/>
-              <a:t>10/29/2025</a:t>
+              <a:t>11/4/2025</a:t>
             </a:fld>
             <a:endParaRPr lang="en-US"/>
           </a:p>
@@ -2587,7 +2585,7 @@
           <a:p>
             <a:fld id="{4EA2C5D3-416C-4131-8BC9-E71DA97D5A64}" type="datetime1">
               <a:rPr lang="en-US" smtClean="0"/>
-              <a:t>10/29/2025</a:t>
+              <a:t>11/4/2025</a:t>
             </a:fld>
             <a:endParaRPr lang="en-US"/>
           </a:p>
@@ -2700,7 +2698,7 @@
           <a:p>
             <a:fld id="{B8971593-8386-48B7-BB85-87C0949B2086}" type="datetime1">
               <a:rPr lang="en-US" smtClean="0"/>
-              <a:t>10/29/2025</a:t>
+              <a:t>11/4/2025</a:t>
             </a:fld>
             <a:endParaRPr lang="en-US"/>
           </a:p>
@@ -3011,7 +3009,7 @@
           <a:p>
             <a:fld id="{3070F398-88D3-4D2F-9F7E-785BF8AD0274}" type="datetime1">
               <a:rPr lang="en-US" smtClean="0"/>
-              <a:t>10/29/2025</a:t>
+              <a:t>11/4/2025</a:t>
             </a:fld>
             <a:endParaRPr lang="en-US"/>
           </a:p>
@@ -3299,7 +3297,7 @@
           <a:p>
             <a:fld id="{CE1A94C1-07AC-4775-8A4F-70BB05306BF7}" type="datetime1">
               <a:rPr lang="en-US" smtClean="0"/>
-              <a:t>10/29/2025</a:t>
+              <a:t>11/4/2025</a:t>
             </a:fld>
             <a:endParaRPr lang="en-US"/>
           </a:p>
@@ -3540,7 +3538,7 @@
           <a:p>
             <a:fld id="{A7FA37CB-3111-4E43-978B-840B0C3E984E}" type="datetime1">
               <a:rPr lang="en-US" smtClean="0"/>
-              <a:t>10/29/2025</a:t>
+              <a:t>11/4/2025</a:t>
             </a:fld>
             <a:endParaRPr lang="en-US"/>
           </a:p>
@@ -4023,8 +4021,8 @@
         </p:nvSpPr>
         <p:spPr>
           <a:xfrm>
-            <a:off x="433138" y="1251284"/>
-            <a:ext cx="10812378" cy="2458586"/>
+            <a:off x="-319315" y="1338370"/>
+            <a:ext cx="12801599" cy="2420830"/>
           </a:xfrm>
         </p:spPr>
         <p:txBody>
@@ -4086,11 +4084,18 @@
               </a:rPr>
             </a:br>
             <a:r>
+              <a:rPr lang="en-GB" sz="2400" b="1" dirty="0" smtClean="0">
+                <a:latin typeface="Times New Roman" panose="02020603050405020304" pitchFamily="18" charset="0"/>
+                <a:cs typeface="Times New Roman" panose="02020603050405020304" pitchFamily="18" charset="0"/>
+              </a:rPr>
+              <a:t>ARTIFICIAL </a:t>
+            </a:r>
+            <a:r>
               <a:rPr lang="en-GB" sz="2400" b="1" dirty="0">
                 <a:latin typeface="Times New Roman" panose="02020603050405020304" pitchFamily="18" charset="0"/>
                 <a:cs typeface="Times New Roman" panose="02020603050405020304" pitchFamily="18" charset="0"/>
               </a:rPr>
-              <a:t>ARTIFICIAL INTELLIGENCE LABORATORY</a:t>
+              <a:t>INTELLIGENCE LABORATORY</a:t>
             </a:r>
             <a:br>
               <a:rPr lang="en-GB" sz="2400" b="1" dirty="0">
@@ -4152,14 +4157,14 @@
               </a:rPr>
             </a:br>
             <a:r>
-              <a:rPr lang="en-GB" sz="2200" b="1" dirty="0" smtClean="0">
+              <a:rPr lang="en-GB" sz="2200" dirty="0">
                 <a:solidFill>
                   <a:srgbClr val="FF0000"/>
                 </a:solidFill>
-                <a:latin typeface="Times New Roman" panose="02020603050405020304" pitchFamily="18" charset="0"/>
-                <a:cs typeface="Times New Roman" panose="02020603050405020304" pitchFamily="18" charset="0"/>
+                <a:latin typeface="Times New Roman" pitchFamily="18" charset="0"/>
+                <a:cs typeface="Times New Roman" pitchFamily="18" charset="0"/>
               </a:rPr>
-              <a:t>PREDICTING WEATHER CONDITIONS USING PROBABILISTIC REASONING</a:t>
+              <a:t>WEATHER PREDICTION USING NAÏVE BAYES CLASSIFIER AND PROBABILISTIC REASONING</a:t>
             </a:r>
             <a:endParaRPr lang="en-US" sz="2200" b="1" dirty="0">
               <a:solidFill>
@@ -4461,7 +4466,7 @@
           <a:p>
             <a:fld id="{F9B0B098-7844-408D-9BB3-6B083FBEE8AA}" type="datetime1">
               <a:rPr lang="en-US" smtClean="0"/>
-              <a:t>10/29/2025</a:t>
+              <a:t>11/4/2025</a:t>
             </a:fld>
             <a:endParaRPr lang="en-US"/>
           </a:p>
@@ -4517,7 +4522,7 @@
         <p:cNvPr id="1" name="">
           <a:extLst>
             <a:ext uri="{FF2B5EF4-FFF2-40B4-BE49-F238E27FC236}">
-              <a16:creationId xmlns:a16="http://schemas.microsoft.com/office/drawing/2014/main" xmlns="" id="{7AF55069-71B1-83F0-E5F5-B02F8F577246}"/>
+              <a16:creationId xmlns:a16="http://schemas.microsoft.com/office/drawing/2014/main" xmlns="" id="{5FAB1F08-ACBA-74D4-21C7-1877C96BEAB0}"/>
             </a:ext>
           </a:extLst>
         </p:cNvPr>
@@ -4537,7 +4542,7 @@
           <p:cNvPr id="2" name="Title 1">
             <a:extLst>
               <a:ext uri="{FF2B5EF4-FFF2-40B4-BE49-F238E27FC236}">
-                <a16:creationId xmlns:a16="http://schemas.microsoft.com/office/drawing/2014/main" xmlns="" id="{1F358887-D4AD-6383-79D6-F528D34824D4}"/>
+                <a16:creationId xmlns:a16="http://schemas.microsoft.com/office/drawing/2014/main" xmlns="" id="{A1CD231F-4F31-F7C1-0756-E5AB66863764}"/>
               </a:ext>
             </a:extLst>
           </p:cNvPr>
@@ -4596,7 +4601,7 @@
           <p:cNvPr id="3" name="Content Placeholder 2">
             <a:extLst>
               <a:ext uri="{FF2B5EF4-FFF2-40B4-BE49-F238E27FC236}">
-                <a16:creationId xmlns:a16="http://schemas.microsoft.com/office/drawing/2014/main" xmlns="" id="{CB511744-1841-7314-5231-7CC4C07DDED0}"/>
+                <a16:creationId xmlns:a16="http://schemas.microsoft.com/office/drawing/2014/main" xmlns="" id="{E39BF234-03FB-99B7-1FAD-E73A077F6A4D}"/>
               </a:ext>
             </a:extLst>
           </p:cNvPr>
@@ -4621,16 +4626,119 @@
               <a:buNone/>
             </a:pPr>
             <a:r>
-              <a:rPr lang="en-GB" sz="2400" b="1" dirty="0" smtClean="0"/>
-              <a:t>Scenario Prediction Table</a:t>
-            </a:r>
-          </a:p>
-          <a:p>
-            <a:r>
-              <a:rPr lang="en-GB" sz="2400" dirty="0" smtClean="0"/>
-              <a:t>These tables show Bayesian Network predictions for example weather scenarios. Probabilities indicate the likelihood of playing (Play = Yes) or not playing (Play = No).</a:t>
-            </a:r>
-            <a:endParaRPr lang="en-GB" sz="2400" dirty="0"/>
+              <a:rPr lang="en-GB" sz="2000" b="1" dirty="0" smtClean="0"/>
+              <a:t>Future </a:t>
+            </a:r>
+            <a:r>
+              <a:rPr lang="en-GB" sz="2000" b="1" dirty="0"/>
+              <a:t>Enhancements</a:t>
+            </a:r>
+          </a:p>
+          <a:p>
+            <a:r>
+              <a:rPr lang="en-GB" sz="2000" dirty="0"/>
+              <a:t>Integrate </a:t>
+            </a:r>
+            <a:r>
+              <a:rPr lang="en-GB" sz="2000" b="1" dirty="0"/>
+              <a:t>real-time weather data</a:t>
+            </a:r>
+            <a:r>
+              <a:rPr lang="en-GB" sz="2000" dirty="0"/>
+              <a:t> from APIs (e.g., </a:t>
+            </a:r>
+            <a:r>
+              <a:rPr lang="en-GB" sz="2000" dirty="0" err="1"/>
+              <a:t>OpenWeatherMap</a:t>
+            </a:r>
+            <a:r>
+              <a:rPr lang="en-GB" sz="2000" dirty="0"/>
+              <a:t>) for more accurate and up-to-date predictions.</a:t>
+            </a:r>
+          </a:p>
+          <a:p>
+            <a:r>
+              <a:rPr lang="en-GB" sz="2000" dirty="0"/>
+              <a:t>Extend the model to predict </a:t>
+            </a:r>
+            <a:r>
+              <a:rPr lang="en-GB" sz="2000" b="1" dirty="0"/>
+              <a:t>different outdoor activities</a:t>
+            </a:r>
+            <a:r>
+              <a:rPr lang="en-GB" sz="2000" dirty="0"/>
+              <a:t> based on varying weather conditions.</a:t>
+            </a:r>
+          </a:p>
+          <a:p>
+            <a:r>
+              <a:rPr lang="en-GB" sz="2000" dirty="0"/>
+              <a:t>Add </a:t>
+            </a:r>
+            <a:r>
+              <a:rPr lang="en-GB" sz="2000" b="1" dirty="0"/>
+              <a:t>more features</a:t>
+            </a:r>
+            <a:r>
+              <a:rPr lang="en-GB" sz="2000" dirty="0"/>
+              <a:t> such as time of day, season, or location to enhance model precision.</a:t>
+            </a:r>
+          </a:p>
+          <a:p>
+            <a:r>
+              <a:rPr lang="en-GB" sz="2000" dirty="0"/>
+              <a:t>Combine the </a:t>
+            </a:r>
+            <a:r>
+              <a:rPr lang="en-GB" sz="2000" b="1" dirty="0"/>
+              <a:t>Naïve Bayes model</a:t>
+            </a:r>
+            <a:r>
+              <a:rPr lang="en-GB" sz="2000" dirty="0"/>
+              <a:t> with advanced machine learning algorithms for improved performance.</a:t>
+            </a:r>
+          </a:p>
+          <a:p>
+            <a:r>
+              <a:rPr lang="en-GB" sz="2000" dirty="0"/>
+              <a:t>Develop a </a:t>
+            </a:r>
+            <a:r>
+              <a:rPr lang="en-GB" sz="2000" b="1" dirty="0"/>
+              <a:t>web or mobile version</a:t>
+            </a:r>
+            <a:r>
+              <a:rPr lang="en-GB" sz="2000" dirty="0"/>
+              <a:t> of the GUI for easier user access and live predictions.</a:t>
+            </a:r>
+          </a:p>
+          <a:p>
+            <a:r>
+              <a:rPr lang="en-GB" sz="2000" dirty="0"/>
+              <a:t>Include </a:t>
+            </a:r>
+            <a:r>
+              <a:rPr lang="en-GB" sz="2000" b="1" dirty="0"/>
+              <a:t>explainable AI features</a:t>
+            </a:r>
+            <a:r>
+              <a:rPr lang="en-GB" sz="2000" dirty="0"/>
+              <a:t> to display how each weather factor influences the final prediction.</a:t>
+            </a:r>
+          </a:p>
+          <a:p>
+            <a:r>
+              <a:rPr lang="en-GB" sz="2000" dirty="0"/>
+              <a:t>Provide </a:t>
+            </a:r>
+            <a:r>
+              <a:rPr lang="en-GB" sz="2000" b="1" dirty="0"/>
+              <a:t>visual feedback</a:t>
+            </a:r>
+            <a:r>
+              <a:rPr lang="en-GB" sz="2000" dirty="0"/>
+              <a:t> such as probability bars or color-coded indicators for better interpretation.</a:t>
+            </a:r>
           </a:p>
         </p:txBody>
       </p:sp>
@@ -4639,7 +4747,7 @@
           <p:cNvPr id="4" name="Date Placeholder 3">
             <a:extLst>
               <a:ext uri="{FF2B5EF4-FFF2-40B4-BE49-F238E27FC236}">
-                <a16:creationId xmlns:a16="http://schemas.microsoft.com/office/drawing/2014/main" xmlns="" id="{E47BACE5-322B-3F55-2CA9-8E1D4117021B}"/>
+                <a16:creationId xmlns:a16="http://schemas.microsoft.com/office/drawing/2014/main" xmlns="" id="{CC9B2E9B-C1CA-3A86-8D9B-E24009B63C21}"/>
               </a:ext>
             </a:extLst>
           </p:cNvPr>
@@ -4657,7 +4765,7 @@
           <a:p>
             <a:fld id="{C5480D13-07B8-4CF5-901F-BD1025D74351}" type="datetime1">
               <a:rPr lang="en-US" smtClean="0"/>
-              <a:t>10/29/2025</a:t>
+              <a:t>11/4/2025</a:t>
             </a:fld>
             <a:endParaRPr lang="en-US"/>
           </a:p>
@@ -4668,7 +4776,7 @@
           <p:cNvPr id="5" name="Slide Number Placeholder 4">
             <a:extLst>
               <a:ext uri="{FF2B5EF4-FFF2-40B4-BE49-F238E27FC236}">
-                <a16:creationId xmlns:a16="http://schemas.microsoft.com/office/drawing/2014/main" xmlns="" id="{A7D1AF6B-7EFE-60E0-2350-AE083D01AD8A}"/>
+                <a16:creationId xmlns:a16="http://schemas.microsoft.com/office/drawing/2014/main" xmlns="" id="{45D22F1A-313A-2BA7-A778-DA35C0DFD707}"/>
               </a:ext>
             </a:extLst>
           </p:cNvPr>
@@ -4688,13 +4796,1000 @@
               <a:rPr lang="en-US" smtClean="0"/>
               <a:t>10</a:t>
             </a:fld>
+            <a:endParaRPr lang="en-US" dirty="0"/>
+          </a:p>
+        </p:txBody>
+      </p:sp>
+    </p:spTree>
+    <p:extLst>
+      <p:ext uri="{BB962C8B-B14F-4D97-AF65-F5344CB8AC3E}">
+        <p14:creationId xmlns:p14="http://schemas.microsoft.com/office/powerpoint/2010/main" val="1164879705"/>
+      </p:ext>
+    </p:extLst>
+  </p:cSld>
+  <p:clrMapOvr>
+    <a:masterClrMapping/>
+  </p:clrMapOvr>
+  <p:timing>
+    <p:tnLst>
+      <p:par>
+        <p:cTn id="1" dur="indefinite" restart="never" nodeType="tmRoot"/>
+      </p:par>
+    </p:tnLst>
+  </p:timing>
+</p:sld>
+</file>
+
+<file path=ppt/slides/slide11.xml><?xml version="1.0" encoding="utf-8"?>
+<p:sld xmlns:a="http://schemas.openxmlformats.org/drawingml/2006/main" xmlns:r="http://schemas.openxmlformats.org/officeDocument/2006/relationships" xmlns:p="http://schemas.openxmlformats.org/presentationml/2006/main">
+  <p:cSld>
+    <p:spTree>
+      <p:nvGrpSpPr>
+        <p:cNvPr id="1" name="">
+          <a:extLst>
+            <a:ext uri="{FF2B5EF4-FFF2-40B4-BE49-F238E27FC236}">
+              <a16:creationId xmlns:a16="http://schemas.microsoft.com/office/drawing/2014/main" xmlns="" id="{A9DEA9EE-5679-A557-E7BF-0A904D09771C}"/>
+            </a:ext>
+          </a:extLst>
+        </p:cNvPr>
+        <p:cNvGrpSpPr/>
+        <p:nvPr/>
+      </p:nvGrpSpPr>
+      <p:grpSpPr>
+        <a:xfrm>
+          <a:off x="0" y="0"/>
+          <a:ext cx="0" cy="0"/>
+          <a:chOff x="0" y="0"/>
+          <a:chExt cx="0" cy="0"/>
+        </a:xfrm>
+      </p:grpSpPr>
+      <p:sp>
+        <p:nvSpPr>
+          <p:cNvPr id="2" name="Title 1">
+            <a:extLst>
+              <a:ext uri="{FF2B5EF4-FFF2-40B4-BE49-F238E27FC236}">
+                <a16:creationId xmlns:a16="http://schemas.microsoft.com/office/drawing/2014/main" xmlns="" id="{A2BF6077-2697-7116-5A2C-99B8054B7FE2}"/>
+              </a:ext>
+            </a:extLst>
+          </p:cNvPr>
+          <p:cNvSpPr>
+            <a:spLocks noGrp="1"/>
+          </p:cNvSpPr>
+          <p:nvPr>
+            <p:ph type="title"/>
+          </p:nvPr>
+        </p:nvSpPr>
+        <p:spPr>
+          <a:xfrm>
+            <a:off x="0" y="365126"/>
+            <a:ext cx="12192000" cy="645528"/>
+          </a:xfrm>
+        </p:spPr>
+        <p:style>
+          <a:lnRef idx="0">
+            <a:schemeClr val="accent2"/>
+          </a:lnRef>
+          <a:fillRef idx="3">
+            <a:schemeClr val="accent2"/>
+          </a:fillRef>
+          <a:effectRef idx="3">
+            <a:schemeClr val="accent2"/>
+          </a:effectRef>
+          <a:fontRef idx="minor">
+            <a:schemeClr val="lt1"/>
+          </a:fontRef>
+        </p:style>
+        <p:txBody>
+          <a:bodyPr>
+            <a:normAutofit fontScale="90000"/>
+          </a:bodyPr>
+          <a:lstStyle/>
+          <a:p>
+            <a:pPr algn="ctr"/>
+            <a:r>
+              <a:rPr lang="en-GB" b="1" dirty="0">
+                <a:solidFill>
+                  <a:schemeClr val="tx1"/>
+                </a:solidFill>
+              </a:rPr>
+              <a:t>REFERENCES</a:t>
+            </a:r>
+            <a:endParaRPr lang="en-US" dirty="0">
+              <a:solidFill>
+                <a:schemeClr val="tx1"/>
+              </a:solidFill>
+            </a:endParaRPr>
+          </a:p>
+        </p:txBody>
+      </p:sp>
+      <p:sp>
+        <p:nvSpPr>
+          <p:cNvPr id="3" name="Content Placeholder 2">
+            <a:extLst>
+              <a:ext uri="{FF2B5EF4-FFF2-40B4-BE49-F238E27FC236}">
+                <a16:creationId xmlns:a16="http://schemas.microsoft.com/office/drawing/2014/main" xmlns="" id="{D3AB1971-AF7F-80EE-26ED-EA8A7E8C7C21}"/>
+              </a:ext>
+            </a:extLst>
+          </p:cNvPr>
+          <p:cNvSpPr>
+            <a:spLocks noGrp="1"/>
+          </p:cNvSpPr>
+          <p:nvPr>
+            <p:ph idx="1"/>
+          </p:nvPr>
+        </p:nvSpPr>
+        <p:spPr>
+          <a:xfrm>
+            <a:off x="838200" y="1267326"/>
+            <a:ext cx="10515600" cy="4909637"/>
+          </a:xfrm>
+        </p:spPr>
+        <p:txBody>
+          <a:bodyPr>
+            <a:normAutofit fontScale="92500" lnSpcReduction="20000"/>
+          </a:bodyPr>
+          <a:lstStyle/>
+          <a:p>
+            <a:pPr marL="0" indent="0">
+              <a:buNone/>
+            </a:pPr>
+            <a:r>
+              <a:rPr lang="en-IN" sz="2400" b="1" dirty="0"/>
+              <a:t>References</a:t>
+            </a:r>
+          </a:p>
+          <a:p>
+            <a:r>
+              <a:rPr lang="en-IN" sz="2400" dirty="0"/>
+              <a:t>Russell, S., &amp; </a:t>
+            </a:r>
+            <a:r>
+              <a:rPr lang="en-IN" sz="2400" dirty="0" err="1"/>
+              <a:t>Norvig</a:t>
+            </a:r>
+            <a:r>
+              <a:rPr lang="en-IN" sz="2400" dirty="0"/>
+              <a:t>, P. (2020). </a:t>
+            </a:r>
+            <a:r>
+              <a:rPr lang="en-IN" sz="2400" i="1" dirty="0"/>
+              <a:t>Artificial Intelligence: A Modern Approach</a:t>
+            </a:r>
+            <a:r>
+              <a:rPr lang="en-IN" sz="2400" dirty="0"/>
+              <a:t> (4th Edition). </a:t>
+            </a:r>
+            <a:r>
+              <a:rPr lang="en-IN" sz="2400" dirty="0">
+                <a:hlinkClick r:id="rId2"/>
+              </a:rPr>
+              <a:t>https://aima.cs.berkeley.edu/</a:t>
+            </a:r>
+            <a:endParaRPr lang="en-IN" sz="2400" dirty="0"/>
+          </a:p>
+          <a:p>
+            <a:r>
+              <a:rPr lang="en-IN" sz="2400" dirty="0" err="1"/>
+              <a:t>TutorialsPoint</a:t>
+            </a:r>
+            <a:r>
+              <a:rPr lang="en-IN" sz="2400" dirty="0"/>
+              <a:t> – </a:t>
+            </a:r>
+            <a:r>
+              <a:rPr lang="en-IN" sz="2400" i="1" dirty="0"/>
+              <a:t>Naïve Bayes Classifier in Python.</a:t>
+            </a:r>
+            <a:r>
+              <a:rPr lang="en-IN" sz="2400" dirty="0"/>
+              <a:t> https://www.tutorialspoint.com/machine_learning_with_python/machine_learning_with_python_naive_bayes_algorithm.htm</a:t>
+            </a:r>
+          </a:p>
+          <a:p>
+            <a:r>
+              <a:rPr lang="en-IN" sz="2400" dirty="0" err="1"/>
+              <a:t>GeeksforGeeks</a:t>
+            </a:r>
+            <a:r>
+              <a:rPr lang="en-IN" sz="2400" dirty="0"/>
+              <a:t> – </a:t>
+            </a:r>
+            <a:r>
+              <a:rPr lang="en-IN" sz="2400" i="1" dirty="0"/>
+              <a:t>Naïve Bayes and Probabilistic Reasoning in Python.</a:t>
+            </a:r>
+            <a:r>
+              <a:rPr lang="en-IN" sz="2400" dirty="0"/>
+              <a:t> https://www.geeksforgeeks.org/naive-bayes-classifier/</a:t>
+            </a:r>
+          </a:p>
+          <a:p>
+            <a:r>
+              <a:rPr lang="en-IN" sz="2400" dirty="0"/>
+              <a:t>Towards Data Science – </a:t>
+            </a:r>
+            <a:r>
+              <a:rPr lang="en-IN" sz="2400" i="1" dirty="0"/>
+              <a:t>Understanding Probabilistic Reasoning and Weather Prediction Models.</a:t>
+            </a:r>
+            <a:r>
+              <a:rPr lang="en-IN" sz="2400" dirty="0"/>
+              <a:t> https://towardsdatascience.com/</a:t>
+            </a:r>
+          </a:p>
+          <a:p>
+            <a:r>
+              <a:rPr lang="en-IN" sz="2400" dirty="0"/>
+              <a:t>Python Documentation – </a:t>
+            </a:r>
+            <a:r>
+              <a:rPr lang="en-IN" sz="2400" i="1" dirty="0" err="1"/>
+              <a:t>Tkinter</a:t>
+            </a:r>
+            <a:r>
+              <a:rPr lang="en-IN" sz="2400" i="1" dirty="0"/>
+              <a:t> GUI Library.</a:t>
+            </a:r>
+            <a:r>
+              <a:rPr lang="en-IN" sz="2400" dirty="0"/>
+              <a:t> </a:t>
+            </a:r>
+            <a:r>
+              <a:rPr lang="en-IN" sz="2400" dirty="0">
+                <a:hlinkClick r:id="rId3"/>
+              </a:rPr>
+              <a:t>https://docs.python.org/3/library/tkinter.html</a:t>
+            </a:r>
+            <a:endParaRPr lang="en-IN" sz="2400" dirty="0"/>
+          </a:p>
+          <a:p>
+            <a:r>
+              <a:rPr lang="en-IN" sz="2400" dirty="0"/>
+              <a:t>Pandas Documentation – </a:t>
+            </a:r>
+            <a:r>
+              <a:rPr lang="en-IN" sz="2400" i="1" dirty="0"/>
+              <a:t>Data Handling and </a:t>
+            </a:r>
+            <a:r>
+              <a:rPr lang="en-IN" sz="2400" i="1" dirty="0" err="1"/>
+              <a:t>Preprocessing</a:t>
+            </a:r>
+            <a:r>
+              <a:rPr lang="en-IN" sz="2400" i="1" dirty="0"/>
+              <a:t>.</a:t>
+            </a:r>
+            <a:r>
+              <a:rPr lang="en-IN" sz="2400" dirty="0"/>
+              <a:t> </a:t>
+            </a:r>
+            <a:r>
+              <a:rPr lang="en-IN" sz="2400" dirty="0">
+                <a:hlinkClick r:id="rId4"/>
+              </a:rPr>
+              <a:t>https://pandas.pydata.org/docs/</a:t>
+            </a:r>
+            <a:endParaRPr lang="en-IN" sz="2400" dirty="0"/>
+          </a:p>
+          <a:p>
+            <a:r>
+              <a:rPr lang="en-IN" sz="2400" dirty="0" err="1"/>
+              <a:t>Scikit</a:t>
+            </a:r>
+            <a:r>
+              <a:rPr lang="en-IN" sz="2400" dirty="0"/>
+              <a:t>-learn Documentation – </a:t>
+            </a:r>
+            <a:r>
+              <a:rPr lang="en-IN" sz="2400" i="1" dirty="0"/>
+              <a:t>Naïve Bayes Implementation.</a:t>
+            </a:r>
+            <a:r>
+              <a:rPr lang="en-IN" sz="2400" dirty="0"/>
+              <a:t> </a:t>
+            </a:r>
+            <a:r>
+              <a:rPr lang="en-IN" sz="2400" dirty="0">
+                <a:hlinkClick r:id="rId5"/>
+              </a:rPr>
+              <a:t>https://scikit-learn.org/stable/modules/naive_bayes.html</a:t>
+            </a:r>
+            <a:endParaRPr lang="en-IN" sz="2400" dirty="0"/>
+          </a:p>
+          <a:p>
+            <a:endParaRPr lang="en-IN" sz="2400" dirty="0"/>
+          </a:p>
+          <a:p>
+            <a:pPr marL="0" lvl="0" indent="0">
+              <a:buNone/>
+            </a:pPr>
+            <a:endParaRPr lang="en-US" dirty="0"/>
+          </a:p>
+        </p:txBody>
+      </p:sp>
+      <p:sp>
+        <p:nvSpPr>
+          <p:cNvPr id="4" name="Date Placeholder 3">
+            <a:extLst>
+              <a:ext uri="{FF2B5EF4-FFF2-40B4-BE49-F238E27FC236}">
+                <a16:creationId xmlns:a16="http://schemas.microsoft.com/office/drawing/2014/main" xmlns="" id="{418721BC-42E2-4822-3086-5AF81F1A3726}"/>
+              </a:ext>
+            </a:extLst>
+          </p:cNvPr>
+          <p:cNvSpPr>
+            <a:spLocks noGrp="1"/>
+          </p:cNvSpPr>
+          <p:nvPr>
+            <p:ph type="dt" sz="half" idx="10"/>
+          </p:nvPr>
+        </p:nvSpPr>
+        <p:spPr/>
+        <p:txBody>
+          <a:bodyPr/>
+          <a:lstStyle/>
+          <a:p>
+            <a:fld id="{C5480D13-07B8-4CF5-901F-BD1025D74351}" type="datetime1">
+              <a:rPr lang="en-US" smtClean="0"/>
+              <a:t>11/4/2025</a:t>
+            </a:fld>
+            <a:endParaRPr lang="en-US"/>
+          </a:p>
+        </p:txBody>
+      </p:sp>
+      <p:sp>
+        <p:nvSpPr>
+          <p:cNvPr id="5" name="Slide Number Placeholder 4">
+            <a:extLst>
+              <a:ext uri="{FF2B5EF4-FFF2-40B4-BE49-F238E27FC236}">
+                <a16:creationId xmlns:a16="http://schemas.microsoft.com/office/drawing/2014/main" xmlns="" id="{60D8BC28-15FA-0C88-32FB-88458DEBBC23}"/>
+              </a:ext>
+            </a:extLst>
+          </p:cNvPr>
+          <p:cNvSpPr>
+            <a:spLocks noGrp="1"/>
+          </p:cNvSpPr>
+          <p:nvPr>
+            <p:ph type="sldNum" sz="quarter" idx="12"/>
+          </p:nvPr>
+        </p:nvSpPr>
+        <p:spPr/>
+        <p:txBody>
+          <a:bodyPr/>
+          <a:lstStyle/>
+          <a:p>
+            <a:fld id="{1FCEF87E-815D-44D1-B0AB-39AF0402D6A8}" type="slidenum">
+              <a:rPr lang="en-US" smtClean="0"/>
+              <a:t>11</a:t>
+            </a:fld>
+            <a:endParaRPr lang="en-US"/>
+          </a:p>
+        </p:txBody>
+      </p:sp>
+    </p:spTree>
+    <p:extLst>
+      <p:ext uri="{BB962C8B-B14F-4D97-AF65-F5344CB8AC3E}">
+        <p14:creationId xmlns:p14="http://schemas.microsoft.com/office/powerpoint/2010/main" val="752607158"/>
+      </p:ext>
+    </p:extLst>
+  </p:cSld>
+  <p:clrMapOvr>
+    <a:masterClrMapping/>
+  </p:clrMapOvr>
+</p:sld>
+</file>
+
+<file path=ppt/slides/slide2.xml><?xml version="1.0" encoding="utf-8"?>
+<p:sld xmlns:a="http://schemas.openxmlformats.org/drawingml/2006/main" xmlns:r="http://schemas.openxmlformats.org/officeDocument/2006/relationships" xmlns:p="http://schemas.openxmlformats.org/presentationml/2006/main">
+  <p:cSld>
+    <p:spTree>
+      <p:nvGrpSpPr>
+        <p:cNvPr id="1" name=""/>
+        <p:cNvGrpSpPr/>
+        <p:nvPr/>
+      </p:nvGrpSpPr>
+      <p:grpSpPr>
+        <a:xfrm>
+          <a:off x="0" y="0"/>
+          <a:ext cx="0" cy="0"/>
+          <a:chOff x="0" y="0"/>
+          <a:chExt cx="0" cy="0"/>
+        </a:xfrm>
+      </p:grpSpPr>
+      <p:sp>
+        <p:nvSpPr>
+          <p:cNvPr id="2" name="Title 1">
+            <a:extLst>
+              <a:ext uri="{FF2B5EF4-FFF2-40B4-BE49-F238E27FC236}">
+                <a16:creationId xmlns:a16="http://schemas.microsoft.com/office/drawing/2014/main" xmlns="" id="{723E759A-0732-65F8-ABFC-93E81441B8A8}"/>
+              </a:ext>
+            </a:extLst>
+          </p:cNvPr>
+          <p:cNvSpPr>
+            <a:spLocks noGrp="1"/>
+          </p:cNvSpPr>
+          <p:nvPr>
+            <p:ph type="title"/>
+          </p:nvPr>
+        </p:nvSpPr>
+        <p:spPr>
+          <a:xfrm>
+            <a:off x="0" y="35509"/>
+            <a:ext cx="12192000" cy="645528"/>
+          </a:xfrm>
+        </p:spPr>
+        <p:style>
+          <a:lnRef idx="0">
+            <a:schemeClr val="accent2"/>
+          </a:lnRef>
+          <a:fillRef idx="3">
+            <a:schemeClr val="accent2"/>
+          </a:fillRef>
+          <a:effectRef idx="3">
+            <a:schemeClr val="accent2"/>
+          </a:effectRef>
+          <a:fontRef idx="minor">
+            <a:schemeClr val="lt1"/>
+          </a:fontRef>
+        </p:style>
+        <p:txBody>
+          <a:bodyPr>
+            <a:normAutofit fontScale="90000"/>
+          </a:bodyPr>
+          <a:lstStyle/>
+          <a:p>
+            <a:pPr algn="ctr"/>
+            <a:r>
+              <a:rPr lang="en-GB" b="1" dirty="0">
+                <a:solidFill>
+                  <a:schemeClr val="tx1"/>
+                </a:solidFill>
+              </a:rPr>
+              <a:t>PROBLEM STATEMENT</a:t>
+            </a:r>
+            <a:endParaRPr lang="en-US" dirty="0">
+              <a:solidFill>
+                <a:schemeClr val="tx1"/>
+              </a:solidFill>
+            </a:endParaRPr>
+          </a:p>
+        </p:txBody>
+      </p:sp>
+      <p:sp>
+        <p:nvSpPr>
+          <p:cNvPr id="3" name="Content Placeholder 2">
+            <a:extLst>
+              <a:ext uri="{FF2B5EF4-FFF2-40B4-BE49-F238E27FC236}">
+                <a16:creationId xmlns:a16="http://schemas.microsoft.com/office/drawing/2014/main" xmlns="" id="{FAE17474-C476-1051-3F37-A2159E2BEE57}"/>
+              </a:ext>
+            </a:extLst>
+          </p:cNvPr>
+          <p:cNvSpPr>
+            <a:spLocks noGrp="1"/>
+          </p:cNvSpPr>
+          <p:nvPr>
+            <p:ph idx="1"/>
+          </p:nvPr>
+        </p:nvSpPr>
+        <p:spPr>
+          <a:xfrm>
+            <a:off x="838200" y="818148"/>
+            <a:ext cx="10515600" cy="5358816"/>
+          </a:xfrm>
+        </p:spPr>
+        <p:txBody>
+          <a:bodyPr>
+            <a:normAutofit fontScale="92500" lnSpcReduction="10000"/>
+          </a:bodyPr>
+          <a:lstStyle/>
+          <a:p>
+            <a:r>
+              <a:rPr lang="en-GB" sz="2000" b="1" dirty="0"/>
+              <a:t>Artificial Intelligence (AI)</a:t>
+            </a:r>
+            <a:r>
+              <a:rPr lang="en-GB" sz="2000" dirty="0"/>
+              <a:t> enables computers to make intelligent decisions and predictions from real-world data.</a:t>
+            </a:r>
+          </a:p>
+          <a:p>
+            <a:r>
+              <a:rPr lang="en-GB" sz="2000" b="1" dirty="0"/>
+              <a:t>Probabilistic reasoning</a:t>
+            </a:r>
+            <a:r>
+              <a:rPr lang="en-GB" sz="2000" dirty="0"/>
+              <a:t> allows AI systems to handle uncertainty in data and make reliable predictions even when inputs are variable.</a:t>
+            </a:r>
+          </a:p>
+          <a:p>
+            <a:r>
+              <a:rPr lang="en-GB" sz="2000" dirty="0"/>
+              <a:t>This project focuses on </a:t>
+            </a:r>
+            <a:r>
+              <a:rPr lang="en-GB" sz="2000" b="1" dirty="0"/>
+              <a:t>predicting whether the weather is suitable for outdoor activities</a:t>
+            </a:r>
+            <a:r>
+              <a:rPr lang="en-GB" sz="2000" dirty="0"/>
+              <a:t> (Play or Don’t Play) using probabilistic reasoning.</a:t>
+            </a:r>
+          </a:p>
+          <a:p>
+            <a:r>
+              <a:rPr lang="en-GB" sz="2000" b="1" dirty="0"/>
+              <a:t>Naïve Bayes classification</a:t>
+            </a:r>
+            <a:r>
+              <a:rPr lang="en-GB" sz="2000" dirty="0"/>
+              <a:t> is applied to </a:t>
+            </a:r>
+            <a:r>
+              <a:rPr lang="en-GB" sz="2000" dirty="0" err="1"/>
+              <a:t>analyze</a:t>
+            </a:r>
+            <a:r>
+              <a:rPr lang="en-GB" sz="2000" dirty="0"/>
+              <a:t> dependencies between weather parameters such as </a:t>
+            </a:r>
+            <a:r>
+              <a:rPr lang="en-GB" sz="2000" i="1" dirty="0"/>
+              <a:t>Outlook, Temperature, Humidity,</a:t>
+            </a:r>
+            <a:r>
+              <a:rPr lang="en-GB" sz="2000" dirty="0"/>
+              <a:t> and </a:t>
+            </a:r>
+            <a:r>
+              <a:rPr lang="en-GB" sz="2000" i="1" dirty="0"/>
+              <a:t>Windy</a:t>
+            </a:r>
+            <a:r>
+              <a:rPr lang="en-GB" sz="2000" dirty="0"/>
+              <a:t>.</a:t>
+            </a:r>
+          </a:p>
+          <a:p>
+            <a:r>
+              <a:rPr lang="en-GB" sz="2000" dirty="0"/>
+              <a:t>The model learns from past weather data to estimate the probability of </a:t>
+            </a:r>
+            <a:r>
+              <a:rPr lang="en-GB" sz="2000" dirty="0" err="1"/>
+              <a:t>favorable</a:t>
+            </a:r>
+            <a:r>
+              <a:rPr lang="en-GB" sz="2000" dirty="0"/>
+              <a:t> weather conditions for outdoor play.</a:t>
+            </a:r>
+          </a:p>
+          <a:p>
+            <a:r>
+              <a:rPr lang="en-GB" sz="2000" dirty="0"/>
+              <a:t>The main objective is to </a:t>
+            </a:r>
+            <a:r>
+              <a:rPr lang="en-GB" sz="2000" b="1" dirty="0"/>
+              <a:t>predict the likelihood of good weather conditions</a:t>
+            </a:r>
+            <a:r>
+              <a:rPr lang="en-GB" sz="2000" dirty="0"/>
+              <a:t> given a set of current weather inputs.</a:t>
+            </a:r>
+          </a:p>
+          <a:p>
+            <a:r>
+              <a:rPr lang="en-GB" sz="2000" dirty="0"/>
+              <a:t>A simple and user-friendly </a:t>
+            </a:r>
+            <a:r>
+              <a:rPr lang="en-GB" sz="2000" b="1" dirty="0"/>
+              <a:t>Graphical User Interface (GUI)</a:t>
+            </a:r>
+            <a:r>
+              <a:rPr lang="en-GB" sz="2000" dirty="0"/>
+              <a:t> is developed using </a:t>
+            </a:r>
+            <a:r>
+              <a:rPr lang="en-GB" sz="2000" b="1" dirty="0" err="1"/>
+              <a:t>Tkinter</a:t>
+            </a:r>
+            <a:r>
+              <a:rPr lang="en-GB" sz="2000" dirty="0"/>
+              <a:t> to allow users to input weather details and view predictions instantly.</a:t>
+            </a:r>
+          </a:p>
+          <a:p>
+            <a:r>
+              <a:rPr lang="en-GB" sz="2000" dirty="0"/>
+              <a:t>The project demonstrates the effectiveness of </a:t>
+            </a:r>
+            <a:r>
+              <a:rPr lang="en-GB" sz="2000" b="1" dirty="0"/>
+              <a:t>Naïve Bayes probabilistic reasoning</a:t>
+            </a:r>
+            <a:r>
+              <a:rPr lang="en-GB" sz="2000" dirty="0"/>
+              <a:t> in decision-making under uncertainty.</a:t>
+            </a:r>
+          </a:p>
+          <a:p>
+            <a:r>
+              <a:rPr lang="en-GB" sz="2000" dirty="0"/>
+              <a:t>Model performance and interpretability highlight how </a:t>
+            </a:r>
+            <a:r>
+              <a:rPr lang="en-GB" sz="2000" b="1" dirty="0"/>
+              <a:t>AI-based probabilistic models</a:t>
+            </a:r>
+            <a:r>
+              <a:rPr lang="en-GB" sz="2000" dirty="0"/>
+              <a:t> can support intelligent weather-based decision systems.</a:t>
+            </a:r>
+          </a:p>
+        </p:txBody>
+      </p:sp>
+      <p:sp>
+        <p:nvSpPr>
+          <p:cNvPr id="4" name="Date Placeholder 3">
+            <a:extLst>
+              <a:ext uri="{FF2B5EF4-FFF2-40B4-BE49-F238E27FC236}">
+                <a16:creationId xmlns:a16="http://schemas.microsoft.com/office/drawing/2014/main" xmlns="" id="{85FF5BCC-B36E-DFE5-103F-31FA12632094}"/>
+              </a:ext>
+            </a:extLst>
+          </p:cNvPr>
+          <p:cNvSpPr>
+            <a:spLocks noGrp="1"/>
+          </p:cNvSpPr>
+          <p:nvPr>
+            <p:ph type="dt" sz="half" idx="10"/>
+          </p:nvPr>
+        </p:nvSpPr>
+        <p:spPr/>
+        <p:txBody>
+          <a:bodyPr/>
+          <a:lstStyle/>
+          <a:p>
+            <a:fld id="{316FBEDF-053F-468F-8CCF-D1ACE4FBB50D}" type="datetime1">
+              <a:rPr lang="en-US" smtClean="0"/>
+              <a:t>11/4/2025</a:t>
+            </a:fld>
+            <a:endParaRPr lang="en-US"/>
+          </a:p>
+        </p:txBody>
+      </p:sp>
+      <p:sp>
+        <p:nvSpPr>
+          <p:cNvPr id="5" name="Slide Number Placeholder 4">
+            <a:extLst>
+              <a:ext uri="{FF2B5EF4-FFF2-40B4-BE49-F238E27FC236}">
+                <a16:creationId xmlns:a16="http://schemas.microsoft.com/office/drawing/2014/main" xmlns="" id="{70253399-F526-B4B1-D444-32B3A164A39F}"/>
+              </a:ext>
+            </a:extLst>
+          </p:cNvPr>
+          <p:cNvSpPr>
+            <a:spLocks noGrp="1"/>
+          </p:cNvSpPr>
+          <p:nvPr>
+            <p:ph type="sldNum" sz="quarter" idx="12"/>
+          </p:nvPr>
+        </p:nvSpPr>
+        <p:spPr/>
+        <p:txBody>
+          <a:bodyPr/>
+          <a:lstStyle/>
+          <a:p>
+            <a:fld id="{1FCEF87E-815D-44D1-B0AB-39AF0402D6A8}" type="slidenum">
+              <a:rPr lang="en-US" smtClean="0"/>
+              <a:t>2</a:t>
+            </a:fld>
+            <a:endParaRPr lang="en-US" dirty="0"/>
+          </a:p>
+        </p:txBody>
+      </p:sp>
+    </p:spTree>
+    <p:extLst>
+      <p:ext uri="{BB962C8B-B14F-4D97-AF65-F5344CB8AC3E}">
+        <p14:creationId xmlns:p14="http://schemas.microsoft.com/office/powerpoint/2010/main" val="1816614792"/>
+      </p:ext>
+    </p:extLst>
+  </p:cSld>
+  <p:clrMapOvr>
+    <a:masterClrMapping/>
+  </p:clrMapOvr>
+</p:sld>
+</file>
+
+<file path=ppt/slides/slide3.xml><?xml version="1.0" encoding="utf-8"?>
+<p:sld xmlns:a="http://schemas.openxmlformats.org/drawingml/2006/main" xmlns:r="http://schemas.openxmlformats.org/officeDocument/2006/relationships" xmlns:p="http://schemas.openxmlformats.org/presentationml/2006/main">
+  <p:cSld>
+    <p:spTree>
+      <p:nvGrpSpPr>
+        <p:cNvPr id="1" name="">
+          <a:extLst>
+            <a:ext uri="{FF2B5EF4-FFF2-40B4-BE49-F238E27FC236}">
+              <a16:creationId xmlns:a16="http://schemas.microsoft.com/office/drawing/2014/main" xmlns="" id="{83ACC068-5F54-97E8-2F1C-0538F112699A}"/>
+            </a:ext>
+          </a:extLst>
+        </p:cNvPr>
+        <p:cNvGrpSpPr/>
+        <p:nvPr/>
+      </p:nvGrpSpPr>
+      <p:grpSpPr>
+        <a:xfrm>
+          <a:off x="0" y="0"/>
+          <a:ext cx="0" cy="0"/>
+          <a:chOff x="0" y="0"/>
+          <a:chExt cx="0" cy="0"/>
+        </a:xfrm>
+      </p:grpSpPr>
+      <p:sp>
+        <p:nvSpPr>
+          <p:cNvPr id="2" name="Title 1">
+            <a:extLst>
+              <a:ext uri="{FF2B5EF4-FFF2-40B4-BE49-F238E27FC236}">
+                <a16:creationId xmlns:a16="http://schemas.microsoft.com/office/drawing/2014/main" xmlns="" id="{F7B2B1AF-B7ED-6DDA-888D-9BCAF08EA5E4}"/>
+              </a:ext>
+            </a:extLst>
+          </p:cNvPr>
+          <p:cNvSpPr>
+            <a:spLocks noGrp="1"/>
+          </p:cNvSpPr>
+          <p:nvPr>
+            <p:ph type="title"/>
+          </p:nvPr>
+        </p:nvSpPr>
+        <p:spPr>
+          <a:xfrm>
+            <a:off x="0" y="35509"/>
+            <a:ext cx="12192000" cy="645528"/>
+          </a:xfrm>
+        </p:spPr>
+        <p:style>
+          <a:lnRef idx="0">
+            <a:schemeClr val="accent2"/>
+          </a:lnRef>
+          <a:fillRef idx="3">
+            <a:schemeClr val="accent2"/>
+          </a:fillRef>
+          <a:effectRef idx="3">
+            <a:schemeClr val="accent2"/>
+          </a:effectRef>
+          <a:fontRef idx="minor">
+            <a:schemeClr val="lt1"/>
+          </a:fontRef>
+        </p:style>
+        <p:txBody>
+          <a:bodyPr>
+            <a:normAutofit fontScale="90000"/>
+          </a:bodyPr>
+          <a:lstStyle/>
+          <a:p>
+            <a:pPr algn="ctr"/>
+            <a:r>
+              <a:rPr lang="en-GB" b="1" dirty="0">
+                <a:solidFill>
+                  <a:schemeClr val="tx1"/>
+                </a:solidFill>
+              </a:rPr>
+              <a:t>THEORETICAL BACKGROUND</a:t>
+            </a:r>
+            <a:endParaRPr lang="en-US" dirty="0">
+              <a:solidFill>
+                <a:schemeClr val="tx1"/>
+              </a:solidFill>
+            </a:endParaRPr>
+          </a:p>
+        </p:txBody>
+      </p:sp>
+      <p:sp>
+        <p:nvSpPr>
+          <p:cNvPr id="3" name="Content Placeholder 2">
+            <a:extLst>
+              <a:ext uri="{FF2B5EF4-FFF2-40B4-BE49-F238E27FC236}">
+                <a16:creationId xmlns:a16="http://schemas.microsoft.com/office/drawing/2014/main" xmlns="" xmlns:a14="http://schemas.microsoft.com/office/drawing/2010/main" xmlns:mc="http://schemas.openxmlformats.org/markup-compatibility/2006" id="{FE67243E-1300-82BE-9968-6837E801AFFC}"/>
+              </a:ext>
+            </a:extLst>
+          </p:cNvPr>
+          <p:cNvSpPr>
+            <a:spLocks noGrp="1"/>
+          </p:cNvSpPr>
+          <p:nvPr>
+            <p:ph idx="1"/>
+          </p:nvPr>
+        </p:nvSpPr>
+        <p:spPr>
+          <a:xfrm>
+            <a:off x="838200" y="818148"/>
+            <a:ext cx="10693400" cy="5404852"/>
+          </a:xfrm>
+        </p:spPr>
+        <p:txBody>
+          <a:bodyPr>
+            <a:normAutofit/>
+          </a:bodyPr>
+          <a:lstStyle/>
+          <a:p>
+            <a:pPr marL="457200" lvl="1" indent="0">
+              <a:buNone/>
+            </a:pPr>
+            <a:endParaRPr lang="en-US" dirty="0" smtClean="0"/>
+          </a:p>
+          <a:p>
+            <a:r>
+              <a:rPr lang="en-GB" sz="1800" b="1" dirty="0"/>
+              <a:t>Weather prediction</a:t>
+            </a:r>
+            <a:r>
+              <a:rPr lang="en-GB" sz="1800" dirty="0"/>
+              <a:t> is a probabilistic reasoning task where weather attributes determine the likelihood of a condition (e.g., Good or Bad Weather).</a:t>
+            </a:r>
+          </a:p>
+          <a:p>
+            <a:r>
+              <a:rPr lang="en-GB" sz="1800" b="1" dirty="0"/>
+              <a:t>Naïve Bayes Classifier</a:t>
+            </a:r>
+            <a:r>
+              <a:rPr lang="en-GB" sz="1800" dirty="0"/>
+              <a:t> predicts outcomes using Bayes’ theorem:</a:t>
+            </a:r>
+          </a:p>
+          <a:p>
+            <a:endParaRPr lang="en-GB" sz="1800" dirty="0" smtClean="0"/>
+          </a:p>
+          <a:p>
+            <a:endParaRPr lang="en-GB" sz="1800" dirty="0" smtClean="0"/>
+          </a:p>
+          <a:p>
+            <a:r>
+              <a:rPr lang="en-GB" sz="1800" dirty="0" smtClean="0"/>
+              <a:t>It </a:t>
+            </a:r>
+            <a:r>
+              <a:rPr lang="en-GB" sz="1800" dirty="0"/>
+              <a:t>assumes </a:t>
+            </a:r>
+            <a:r>
+              <a:rPr lang="en-GB" sz="1800" b="1" dirty="0"/>
+              <a:t>conditional independence</a:t>
+            </a:r>
+            <a:r>
+              <a:rPr lang="en-GB" sz="1800" dirty="0"/>
+              <a:t> among weather features given the target variable.</a:t>
+            </a:r>
+          </a:p>
+          <a:p>
+            <a:r>
+              <a:rPr lang="en-GB" sz="1800" b="1" dirty="0"/>
+              <a:t>Bayesian Networks</a:t>
+            </a:r>
+            <a:r>
+              <a:rPr lang="en-GB" sz="1800" dirty="0"/>
+              <a:t> represent dependencies between variables through nodes and edges, defining the joint probability:</a:t>
+            </a:r>
+          </a:p>
+          <a:p>
+            <a:endParaRPr lang="en-GB" sz="1800" b="1" dirty="0" smtClean="0"/>
+          </a:p>
+          <a:p>
+            <a:r>
+              <a:rPr lang="en-GB" sz="1800" b="1" dirty="0" smtClean="0"/>
+              <a:t>Inference</a:t>
+            </a:r>
+            <a:r>
+              <a:rPr lang="en-GB" sz="1800" dirty="0" smtClean="0"/>
+              <a:t> </a:t>
+            </a:r>
+            <a:r>
+              <a:rPr lang="en-GB" sz="1800" dirty="0"/>
+              <a:t>computes the probability of weather outcomes based on observed evidence.</a:t>
+            </a:r>
+          </a:p>
+          <a:p>
+            <a:r>
+              <a:rPr lang="en-GB" sz="1800" dirty="0"/>
+              <a:t>Both </a:t>
+            </a:r>
+            <a:r>
+              <a:rPr lang="en-GB" sz="1800" b="1" dirty="0"/>
+              <a:t>Naïve Bayes</a:t>
+            </a:r>
+            <a:r>
+              <a:rPr lang="en-GB" sz="1800" dirty="0"/>
+              <a:t> and </a:t>
+            </a:r>
+            <a:r>
+              <a:rPr lang="en-GB" sz="1800" b="1" dirty="0"/>
+              <a:t>Bayesian Networks</a:t>
+            </a:r>
+            <a:r>
+              <a:rPr lang="en-GB" sz="1800" dirty="0"/>
+              <a:t> efficiently handle uncertainty and provide interpretable weather predictions.</a:t>
+            </a:r>
+          </a:p>
+          <a:p>
+            <a:r>
+              <a:rPr lang="en-GB" sz="1800" dirty="0"/>
+              <a:t>This approach models </a:t>
+            </a:r>
+            <a:r>
+              <a:rPr lang="en-GB" sz="1800" b="1" dirty="0"/>
+              <a:t>how different weather parameters influence the probability of </a:t>
+            </a:r>
+            <a:r>
+              <a:rPr lang="en-GB" sz="1800" b="1" dirty="0" err="1"/>
+              <a:t>favorable</a:t>
+            </a:r>
+            <a:r>
+              <a:rPr lang="en-GB" sz="1800" b="1" dirty="0"/>
+              <a:t> conditions.</a:t>
+            </a:r>
+            <a:endParaRPr lang="en-GB" sz="1800" dirty="0"/>
+          </a:p>
+        </p:txBody>
+      </p:sp>
+      <p:sp>
+        <p:nvSpPr>
+          <p:cNvPr id="4" name="Date Placeholder 3">
+            <a:extLst>
+              <a:ext uri="{FF2B5EF4-FFF2-40B4-BE49-F238E27FC236}">
+                <a16:creationId xmlns:a16="http://schemas.microsoft.com/office/drawing/2014/main" xmlns="" id="{4AF593AB-ABA6-D8E8-42D9-A38FB7B4DB45}"/>
+              </a:ext>
+            </a:extLst>
+          </p:cNvPr>
+          <p:cNvSpPr>
+            <a:spLocks noGrp="1"/>
+          </p:cNvSpPr>
+          <p:nvPr>
+            <p:ph type="dt" sz="half" idx="10"/>
+          </p:nvPr>
+        </p:nvSpPr>
+        <p:spPr/>
+        <p:txBody>
+          <a:bodyPr/>
+          <a:lstStyle/>
+          <a:p>
+            <a:fld id="{316FBEDF-053F-468F-8CCF-D1ACE4FBB50D}" type="datetime1">
+              <a:rPr lang="en-US" smtClean="0"/>
+              <a:t>11/4/2025</a:t>
+            </a:fld>
+            <a:endParaRPr lang="en-US"/>
+          </a:p>
+        </p:txBody>
+      </p:sp>
+      <p:sp>
+        <p:nvSpPr>
+          <p:cNvPr id="5" name="Slide Number Placeholder 4">
+            <a:extLst>
+              <a:ext uri="{FF2B5EF4-FFF2-40B4-BE49-F238E27FC236}">
+                <a16:creationId xmlns:a16="http://schemas.microsoft.com/office/drawing/2014/main" xmlns="" id="{40AE40CC-B05F-6325-A926-99504CD4A72F}"/>
+              </a:ext>
+            </a:extLst>
+          </p:cNvPr>
+          <p:cNvSpPr>
+            <a:spLocks noGrp="1"/>
+          </p:cNvSpPr>
+          <p:nvPr>
+            <p:ph type="sldNum" sz="quarter" idx="12"/>
+          </p:nvPr>
+        </p:nvSpPr>
+        <p:spPr/>
+        <p:txBody>
+          <a:bodyPr/>
+          <a:lstStyle/>
+          <a:p>
+            <a:fld id="{1FCEF87E-815D-44D1-B0AB-39AF0402D6A8}" type="slidenum">
+              <a:rPr lang="en-US" smtClean="0"/>
+              <a:t>3</a:t>
+            </a:fld>
             <a:endParaRPr lang="en-US"/>
           </a:p>
         </p:txBody>
       </p:sp>
       <p:pic>
         <p:nvPicPr>
-          <p:cNvPr id="3074" name="Picture 2"/>
+          <p:cNvPr id="1026" name="Picture 2"/>
           <p:cNvPicPr>
             <a:picLocks noChangeAspect="1" noChangeArrowheads="1"/>
           </p:cNvPicPr>
@@ -4715,8 +5810,72 @@
         </p:blipFill>
         <p:spPr bwMode="auto">
           <a:xfrm>
-            <a:off x="2986089" y="2794841"/>
-            <a:ext cx="4677454" cy="3767593"/>
+            <a:off x="1936070" y="2199596"/>
+            <a:ext cx="4981575" cy="752475"/>
+          </a:xfrm>
+          <a:prstGeom prst="rect">
+            <a:avLst/>
+          </a:prstGeom>
+          <a:noFill/>
+          <a:ln>
+            <a:noFill/>
+          </a:ln>
+          <a:effectLst/>
+          <a:extLst>
+            <a:ext uri="{909E8E84-426E-40DD-AFC4-6F175D3DCCD1}">
+              <a14:hiddenFill xmlns:a14="http://schemas.microsoft.com/office/drawing/2010/main">
+                <a:solidFill>
+                  <a:schemeClr val="accent1"/>
+                </a:solidFill>
+              </a14:hiddenFill>
+            </a:ext>
+            <a:ext uri="{91240B29-F687-4F45-9708-019B960494DF}">
+              <a14:hiddenLine xmlns:a14="http://schemas.microsoft.com/office/drawing/2010/main" w="9525">
+                <a:solidFill>
+                  <a:schemeClr val="tx1"/>
+                </a:solidFill>
+                <a:miter lim="800000"/>
+                <a:headEnd/>
+                <a:tailEnd/>
+              </a14:hiddenLine>
+            </a:ext>
+            <a:ext uri="{AF507438-7753-43E0-B8FC-AC1667EBCBE1}">
+              <a14:hiddenEffects xmlns:a14="http://schemas.microsoft.com/office/drawing/2010/main">
+                <a:effectLst>
+                  <a:outerShdw dist="35921" dir="2700000" algn="ctr" rotWithShape="0">
+                    <a:schemeClr val="bg2"/>
+                  </a:outerShdw>
+                </a:effectLst>
+              </a14:hiddenEffects>
+            </a:ext>
+          </a:extLst>
+        </p:spPr>
+      </p:pic>
+      <p:pic>
+        <p:nvPicPr>
+          <p:cNvPr id="1027" name="Picture 3"/>
+          <p:cNvPicPr>
+            <a:picLocks noChangeAspect="1" noChangeArrowheads="1"/>
+          </p:cNvPicPr>
+          <p:nvPr/>
+        </p:nvPicPr>
+        <p:blipFill>
+          <a:blip r:embed="rId3">
+            <a:extLst>
+              <a:ext uri="{28A0092B-C50C-407E-A947-70E740481C1C}">
+                <a14:useLocalDpi xmlns:a14="http://schemas.microsoft.com/office/drawing/2010/main" val="0"/>
+              </a:ext>
+            </a:extLst>
+          </a:blip>
+          <a:srcRect/>
+          <a:stretch>
+            <a:fillRect/>
+          </a:stretch>
+        </p:blipFill>
+        <p:spPr bwMode="auto">
+          <a:xfrm>
+            <a:off x="1254125" y="3962400"/>
+            <a:ext cx="3790950" cy="361950"/>
           </a:xfrm>
           <a:prstGeom prst="rect">
             <a:avLst/>
@@ -4759,1966 +5918,6 @@
     </p:spTree>
     <p:extLst>
       <p:ext uri="{BB962C8B-B14F-4D97-AF65-F5344CB8AC3E}">
-        <p14:creationId xmlns:p14="http://schemas.microsoft.com/office/powerpoint/2010/main" val="2057528015"/>
-      </p:ext>
-    </p:extLst>
-  </p:cSld>
-  <p:clrMapOvr>
-    <a:masterClrMapping/>
-  </p:clrMapOvr>
-  <p:timing>
-    <p:tnLst>
-      <p:par>
-        <p:cTn id="1" dur="indefinite" restart="never" nodeType="tmRoot"/>
-      </p:par>
-    </p:tnLst>
-  </p:timing>
-</p:sld>
-</file>
-
-<file path=ppt/slides/slide11.xml><?xml version="1.0" encoding="utf-8"?>
-<p:sld xmlns:a="http://schemas.openxmlformats.org/drawingml/2006/main" xmlns:r="http://schemas.openxmlformats.org/officeDocument/2006/relationships" xmlns:p="http://schemas.openxmlformats.org/presentationml/2006/main">
-  <p:cSld>
-    <p:spTree>
-      <p:nvGrpSpPr>
-        <p:cNvPr id="1" name="">
-          <a:extLst>
-            <a:ext uri="{FF2B5EF4-FFF2-40B4-BE49-F238E27FC236}">
-              <a16:creationId xmlns:a16="http://schemas.microsoft.com/office/drawing/2014/main" xmlns="" id="{CAD63ECA-B59E-8742-1165-9911D2A450C7}"/>
-            </a:ext>
-          </a:extLst>
-        </p:cNvPr>
-        <p:cNvGrpSpPr/>
-        <p:nvPr/>
-      </p:nvGrpSpPr>
-      <p:grpSpPr>
-        <a:xfrm>
-          <a:off x="0" y="0"/>
-          <a:ext cx="0" cy="0"/>
-          <a:chOff x="0" y="0"/>
-          <a:chExt cx="0" cy="0"/>
-        </a:xfrm>
-      </p:grpSpPr>
-      <p:sp>
-        <p:nvSpPr>
-          <p:cNvPr id="2" name="Title 1">
-            <a:extLst>
-              <a:ext uri="{FF2B5EF4-FFF2-40B4-BE49-F238E27FC236}">
-                <a16:creationId xmlns:a16="http://schemas.microsoft.com/office/drawing/2014/main" xmlns="" id="{DE0B2EF6-B936-B9EB-24E4-C84A062402DD}"/>
-              </a:ext>
-            </a:extLst>
-          </p:cNvPr>
-          <p:cNvSpPr>
-            <a:spLocks noGrp="1"/>
-          </p:cNvSpPr>
-          <p:nvPr>
-            <p:ph type="title"/>
-          </p:nvPr>
-        </p:nvSpPr>
-        <p:spPr>
-          <a:xfrm>
-            <a:off x="0" y="365126"/>
-            <a:ext cx="12192000" cy="645528"/>
-          </a:xfrm>
-        </p:spPr>
-        <p:style>
-          <a:lnRef idx="0">
-            <a:schemeClr val="accent2"/>
-          </a:lnRef>
-          <a:fillRef idx="3">
-            <a:schemeClr val="accent2"/>
-          </a:fillRef>
-          <a:effectRef idx="3">
-            <a:schemeClr val="accent2"/>
-          </a:effectRef>
-          <a:fontRef idx="minor">
-            <a:schemeClr val="lt1"/>
-          </a:fontRef>
-        </p:style>
-        <p:txBody>
-          <a:bodyPr>
-            <a:normAutofit fontScale="90000"/>
-          </a:bodyPr>
-          <a:lstStyle/>
-          <a:p>
-            <a:pPr algn="ctr"/>
-            <a:r>
-              <a:rPr lang="en-GB" b="1" dirty="0">
-                <a:solidFill>
-                  <a:schemeClr val="tx1"/>
-                </a:solidFill>
-              </a:rPr>
-              <a:t>OUTPUT AND RESULTS</a:t>
-            </a:r>
-            <a:endParaRPr lang="en-US" dirty="0">
-              <a:solidFill>
-                <a:schemeClr val="tx1"/>
-              </a:solidFill>
-            </a:endParaRPr>
-          </a:p>
-        </p:txBody>
-      </p:sp>
-      <p:sp>
-        <p:nvSpPr>
-          <p:cNvPr id="3" name="Content Placeholder 2">
-            <a:extLst>
-              <a:ext uri="{FF2B5EF4-FFF2-40B4-BE49-F238E27FC236}">
-                <a16:creationId xmlns:a16="http://schemas.microsoft.com/office/drawing/2014/main" xmlns="" id="{4B9409AF-1BD6-CFDC-B172-AD3D38536AC2}"/>
-              </a:ext>
-            </a:extLst>
-          </p:cNvPr>
-          <p:cNvSpPr>
-            <a:spLocks noGrp="1"/>
-          </p:cNvSpPr>
-          <p:nvPr>
-            <p:ph idx="1"/>
-          </p:nvPr>
-        </p:nvSpPr>
-        <p:spPr>
-          <a:xfrm>
-            <a:off x="838200" y="1267326"/>
-            <a:ext cx="10515600" cy="4909637"/>
-          </a:xfrm>
-        </p:spPr>
-        <p:txBody>
-          <a:bodyPr>
-            <a:normAutofit lnSpcReduction="10000"/>
-          </a:bodyPr>
-          <a:lstStyle/>
-          <a:p>
-            <a:pPr lvl="0"/>
-            <a:endParaRPr lang="en-GB" sz="2000" b="1" dirty="0"/>
-          </a:p>
-          <a:p>
-            <a:pPr marL="0" indent="0">
-              <a:buNone/>
-            </a:pPr>
-            <a:r>
-              <a:rPr lang="en-GB" sz="2000" b="1" dirty="0"/>
-              <a:t>Results</a:t>
-            </a:r>
-          </a:p>
-          <a:p>
-            <a:r>
-              <a:rPr lang="en-GB" sz="2000" dirty="0"/>
-              <a:t>The Bayesian Network successfully predicts the probability of playing (Play) under different weather scenarios.</a:t>
-            </a:r>
-          </a:p>
-          <a:p>
-            <a:r>
-              <a:rPr lang="en-GB" sz="2000" dirty="0"/>
-              <a:t>The model captures dependencies between weather variables (Outlook, Temperature, Humidity, Wind) and the outcome.</a:t>
-            </a:r>
-          </a:p>
-          <a:p>
-            <a:r>
-              <a:rPr lang="en-GB" sz="2000" dirty="0"/>
-              <a:t>Predictions are consistent with expected </a:t>
-            </a:r>
-            <a:r>
-              <a:rPr lang="en-GB" sz="2000" dirty="0" err="1"/>
-              <a:t>behavior</a:t>
-            </a:r>
-            <a:r>
-              <a:rPr lang="en-GB" sz="2000" dirty="0"/>
-              <a:t>, e.g., Overcast usually results in Play = Yes.</a:t>
-            </a:r>
-          </a:p>
-          <a:p>
-            <a:r>
-              <a:rPr lang="en-GB" sz="2000" dirty="0"/>
-              <a:t>The Naive Bayes classifier provides comparable accuracy, validating the synthetic dataset and feature encoding.</a:t>
-            </a:r>
-          </a:p>
-          <a:p>
-            <a:r>
-              <a:rPr lang="en-GB" sz="2000" dirty="0"/>
-              <a:t>Visualizations (Bayesian Network structure and CPT </a:t>
-            </a:r>
-            <a:r>
-              <a:rPr lang="en-GB" sz="2000" dirty="0" err="1"/>
-              <a:t>heatmap</a:t>
-            </a:r>
-            <a:r>
-              <a:rPr lang="en-GB" sz="2000" dirty="0"/>
-              <a:t>) clearly show </a:t>
-            </a:r>
-            <a:r>
-              <a:rPr lang="en-GB" sz="2000" b="1" dirty="0"/>
-              <a:t>how different factors influence the decision</a:t>
-            </a:r>
-            <a:r>
-              <a:rPr lang="en-GB" sz="2000" dirty="0"/>
-              <a:t>.</a:t>
-            </a:r>
-          </a:p>
-          <a:p>
-            <a:r>
-              <a:rPr lang="en-GB" sz="2000" dirty="0"/>
-              <a:t>The system efficiently computes probabilities for multiple scenarios in real-time.</a:t>
-            </a:r>
-          </a:p>
-          <a:p>
-            <a:r>
-              <a:rPr lang="en-GB" sz="2000" dirty="0"/>
-              <a:t>Compared to simpler approaches, the Bayesian Network provides </a:t>
-            </a:r>
-            <a:r>
-              <a:rPr lang="en-GB" sz="2000" b="1" dirty="0"/>
-              <a:t>interpretable, probabilistic reasoning</a:t>
-            </a:r>
-            <a:r>
-              <a:rPr lang="en-GB" sz="2000" dirty="0"/>
-              <a:t>, handling uncertainty better than standard classifiers.</a:t>
-            </a:r>
-          </a:p>
-          <a:p>
-            <a:pPr marL="0" lvl="0" indent="0">
-              <a:buNone/>
-            </a:pPr>
-            <a:endParaRPr lang="en-US" dirty="0"/>
-          </a:p>
-        </p:txBody>
-      </p:sp>
-      <p:sp>
-        <p:nvSpPr>
-          <p:cNvPr id="4" name="Date Placeholder 3">
-            <a:extLst>
-              <a:ext uri="{FF2B5EF4-FFF2-40B4-BE49-F238E27FC236}">
-                <a16:creationId xmlns:a16="http://schemas.microsoft.com/office/drawing/2014/main" xmlns="" id="{04773938-5370-329C-27AB-D82ECB9D7128}"/>
-              </a:ext>
-            </a:extLst>
-          </p:cNvPr>
-          <p:cNvSpPr>
-            <a:spLocks noGrp="1"/>
-          </p:cNvSpPr>
-          <p:nvPr>
-            <p:ph type="dt" sz="half" idx="10"/>
-          </p:nvPr>
-        </p:nvSpPr>
-        <p:spPr/>
-        <p:txBody>
-          <a:bodyPr/>
-          <a:lstStyle/>
-          <a:p>
-            <a:fld id="{C5480D13-07B8-4CF5-901F-BD1025D74351}" type="datetime1">
-              <a:rPr lang="en-US" smtClean="0"/>
-              <a:t>10/29/2025</a:t>
-            </a:fld>
-            <a:endParaRPr lang="en-US"/>
-          </a:p>
-        </p:txBody>
-      </p:sp>
-      <p:sp>
-        <p:nvSpPr>
-          <p:cNvPr id="5" name="Slide Number Placeholder 4">
-            <a:extLst>
-              <a:ext uri="{FF2B5EF4-FFF2-40B4-BE49-F238E27FC236}">
-                <a16:creationId xmlns:a16="http://schemas.microsoft.com/office/drawing/2014/main" xmlns="" id="{E8A83B3C-8735-B8FC-8D50-B919B3471343}"/>
-              </a:ext>
-            </a:extLst>
-          </p:cNvPr>
-          <p:cNvSpPr>
-            <a:spLocks noGrp="1"/>
-          </p:cNvSpPr>
-          <p:nvPr>
-            <p:ph type="sldNum" sz="quarter" idx="12"/>
-          </p:nvPr>
-        </p:nvSpPr>
-        <p:spPr/>
-        <p:txBody>
-          <a:bodyPr/>
-          <a:lstStyle/>
-          <a:p>
-            <a:fld id="{1FCEF87E-815D-44D1-B0AB-39AF0402D6A8}" type="slidenum">
-              <a:rPr lang="en-US" smtClean="0"/>
-              <a:t>11</a:t>
-            </a:fld>
-            <a:endParaRPr lang="en-US" dirty="0"/>
-          </a:p>
-        </p:txBody>
-      </p:sp>
-    </p:spTree>
-    <p:extLst>
-      <p:ext uri="{BB962C8B-B14F-4D97-AF65-F5344CB8AC3E}">
-        <p14:creationId xmlns:p14="http://schemas.microsoft.com/office/powerpoint/2010/main" val="1263363521"/>
-      </p:ext>
-    </p:extLst>
-  </p:cSld>
-  <p:clrMapOvr>
-    <a:masterClrMapping/>
-  </p:clrMapOvr>
-  <p:timing>
-    <p:tnLst>
-      <p:par>
-        <p:cTn id="1" dur="indefinite" restart="never" nodeType="tmRoot"/>
-      </p:par>
-    </p:tnLst>
-  </p:timing>
-</p:sld>
-</file>
-
-<file path=ppt/slides/slide12.xml><?xml version="1.0" encoding="utf-8"?>
-<p:sld xmlns:a="http://schemas.openxmlformats.org/drawingml/2006/main" xmlns:r="http://schemas.openxmlformats.org/officeDocument/2006/relationships" xmlns:p="http://schemas.openxmlformats.org/presentationml/2006/main">
-  <p:cSld>
-    <p:spTree>
-      <p:nvGrpSpPr>
-        <p:cNvPr id="1" name="">
-          <a:extLst>
-            <a:ext uri="{FF2B5EF4-FFF2-40B4-BE49-F238E27FC236}">
-              <a16:creationId xmlns:a16="http://schemas.microsoft.com/office/drawing/2014/main" xmlns="" id="{5FAB1F08-ACBA-74D4-21C7-1877C96BEAB0}"/>
-            </a:ext>
-          </a:extLst>
-        </p:cNvPr>
-        <p:cNvGrpSpPr/>
-        <p:nvPr/>
-      </p:nvGrpSpPr>
-      <p:grpSpPr>
-        <a:xfrm>
-          <a:off x="0" y="0"/>
-          <a:ext cx="0" cy="0"/>
-          <a:chOff x="0" y="0"/>
-          <a:chExt cx="0" cy="0"/>
-        </a:xfrm>
-      </p:grpSpPr>
-      <p:sp>
-        <p:nvSpPr>
-          <p:cNvPr id="2" name="Title 1">
-            <a:extLst>
-              <a:ext uri="{FF2B5EF4-FFF2-40B4-BE49-F238E27FC236}">
-                <a16:creationId xmlns:a16="http://schemas.microsoft.com/office/drawing/2014/main" xmlns="" id="{A1CD231F-4F31-F7C1-0756-E5AB66863764}"/>
-              </a:ext>
-            </a:extLst>
-          </p:cNvPr>
-          <p:cNvSpPr>
-            <a:spLocks noGrp="1"/>
-          </p:cNvSpPr>
-          <p:nvPr>
-            <p:ph type="title"/>
-          </p:nvPr>
-        </p:nvSpPr>
-        <p:spPr>
-          <a:xfrm>
-            <a:off x="0" y="365126"/>
-            <a:ext cx="12192000" cy="645528"/>
-          </a:xfrm>
-        </p:spPr>
-        <p:style>
-          <a:lnRef idx="0">
-            <a:schemeClr val="accent2"/>
-          </a:lnRef>
-          <a:fillRef idx="3">
-            <a:schemeClr val="accent2"/>
-          </a:fillRef>
-          <a:effectRef idx="3">
-            <a:schemeClr val="accent2"/>
-          </a:effectRef>
-          <a:fontRef idx="minor">
-            <a:schemeClr val="lt1"/>
-          </a:fontRef>
-        </p:style>
-        <p:txBody>
-          <a:bodyPr>
-            <a:normAutofit fontScale="90000"/>
-          </a:bodyPr>
-          <a:lstStyle/>
-          <a:p>
-            <a:pPr algn="ctr"/>
-            <a:r>
-              <a:rPr lang="en-GB" b="1" dirty="0">
-                <a:solidFill>
-                  <a:schemeClr val="tx1"/>
-                </a:solidFill>
-              </a:rPr>
-              <a:t>OUTPUT AND RESULTS</a:t>
-            </a:r>
-            <a:endParaRPr lang="en-US" dirty="0">
-              <a:solidFill>
-                <a:schemeClr val="tx1"/>
-              </a:solidFill>
-            </a:endParaRPr>
-          </a:p>
-        </p:txBody>
-      </p:sp>
-      <p:sp>
-        <p:nvSpPr>
-          <p:cNvPr id="3" name="Content Placeholder 2">
-            <a:extLst>
-              <a:ext uri="{FF2B5EF4-FFF2-40B4-BE49-F238E27FC236}">
-                <a16:creationId xmlns:a16="http://schemas.microsoft.com/office/drawing/2014/main" xmlns="" id="{E39BF234-03FB-99B7-1FAD-E73A077F6A4D}"/>
-              </a:ext>
-            </a:extLst>
-          </p:cNvPr>
-          <p:cNvSpPr>
-            <a:spLocks noGrp="1"/>
-          </p:cNvSpPr>
-          <p:nvPr>
-            <p:ph idx="1"/>
-          </p:nvPr>
-        </p:nvSpPr>
-        <p:spPr>
-          <a:xfrm>
-            <a:off x="838200" y="1267326"/>
-            <a:ext cx="10515600" cy="4909637"/>
-          </a:xfrm>
-        </p:spPr>
-        <p:txBody>
-          <a:bodyPr/>
-          <a:lstStyle/>
-          <a:p>
-            <a:pPr lvl="0"/>
-            <a:endParaRPr lang="en-US" sz="2000" b="1" dirty="0"/>
-          </a:p>
-          <a:p>
-            <a:pPr marL="0" indent="0">
-              <a:buNone/>
-            </a:pPr>
-            <a:r>
-              <a:rPr lang="en-GB" sz="2000" b="1" dirty="0"/>
-              <a:t>Future Enhancements</a:t>
-            </a:r>
-          </a:p>
-          <a:p>
-            <a:r>
-              <a:rPr lang="en-GB" sz="2000" dirty="0"/>
-              <a:t>Incorporate </a:t>
-            </a:r>
-            <a:r>
-              <a:rPr lang="en-GB" sz="2000" b="1" dirty="0"/>
-              <a:t>real-time weather data</a:t>
-            </a:r>
-            <a:r>
-              <a:rPr lang="en-GB" sz="2000" dirty="0"/>
-              <a:t> from APIs (e.g., </a:t>
-            </a:r>
-            <a:r>
-              <a:rPr lang="en-GB" sz="2000" dirty="0" err="1"/>
-              <a:t>OpenWeatherMap</a:t>
-            </a:r>
-            <a:r>
-              <a:rPr lang="en-GB" sz="2000" dirty="0"/>
-              <a:t>) to make predictions more accurate and dynamic.</a:t>
-            </a:r>
-          </a:p>
-          <a:p>
-            <a:r>
-              <a:rPr lang="en-GB" sz="2000" dirty="0"/>
-              <a:t>Extend the model to predict </a:t>
-            </a:r>
-            <a:r>
-              <a:rPr lang="en-GB" sz="2000" b="1" dirty="0"/>
-              <a:t>multiple weather-dependent activities</a:t>
-            </a:r>
-            <a:r>
-              <a:rPr lang="en-GB" sz="2000" dirty="0"/>
-              <a:t>, not just outdoor play.</a:t>
-            </a:r>
-          </a:p>
-          <a:p>
-            <a:r>
-              <a:rPr lang="en-GB" sz="2000" dirty="0"/>
-              <a:t>Integrate </a:t>
-            </a:r>
-            <a:r>
-              <a:rPr lang="en-GB" sz="2000" b="1" dirty="0"/>
-              <a:t>additional features</a:t>
-            </a:r>
-            <a:r>
-              <a:rPr lang="en-GB" sz="2000" dirty="0"/>
-              <a:t> like season, time of day, or location to improve predictive power.</a:t>
-            </a:r>
-          </a:p>
-          <a:p>
-            <a:r>
-              <a:rPr lang="en-GB" sz="2000" dirty="0"/>
-              <a:t>Combine </a:t>
-            </a:r>
-            <a:r>
-              <a:rPr lang="en-GB" sz="2000" b="1" dirty="0"/>
-              <a:t>Bayesian Networks with machine learning ensembles</a:t>
-            </a:r>
-            <a:r>
-              <a:rPr lang="en-GB" sz="2000" dirty="0"/>
-              <a:t> (e.g., Random Forest, Gradient Boosting) for better accuracy.</a:t>
-            </a:r>
-          </a:p>
-          <a:p>
-            <a:r>
-              <a:rPr lang="en-GB" sz="2000" dirty="0"/>
-              <a:t>Develop a </a:t>
-            </a:r>
-            <a:r>
-              <a:rPr lang="en-GB" sz="2000" b="1" dirty="0"/>
-              <a:t>web or mobile interface</a:t>
-            </a:r>
-            <a:r>
-              <a:rPr lang="en-GB" sz="2000" dirty="0"/>
-              <a:t> where users can input weather conditions and get probabilistic predictions instantly.</a:t>
-            </a:r>
-          </a:p>
-          <a:p>
-            <a:r>
-              <a:rPr lang="en-GB" sz="2000" dirty="0"/>
-              <a:t>Implement </a:t>
-            </a:r>
-            <a:r>
-              <a:rPr lang="en-GB" sz="2000" b="1" dirty="0"/>
-              <a:t>explainable AI techniques</a:t>
-            </a:r>
-            <a:r>
-              <a:rPr lang="en-GB" sz="2000" dirty="0"/>
-              <a:t> to show which weather factors most influence the outcome.</a:t>
-            </a:r>
-          </a:p>
-          <a:p>
-            <a:r>
-              <a:rPr lang="en-GB" sz="2000" dirty="0"/>
-              <a:t>Include </a:t>
-            </a:r>
-            <a:r>
-              <a:rPr lang="en-GB" sz="2000" b="1" dirty="0"/>
-              <a:t>uncertainty visualization</a:t>
-            </a:r>
-            <a:r>
-              <a:rPr lang="en-GB" sz="2000" dirty="0"/>
-              <a:t>, e.g., probability ranges instead of single predictions.</a:t>
-            </a:r>
-          </a:p>
-        </p:txBody>
-      </p:sp>
-      <p:sp>
-        <p:nvSpPr>
-          <p:cNvPr id="4" name="Date Placeholder 3">
-            <a:extLst>
-              <a:ext uri="{FF2B5EF4-FFF2-40B4-BE49-F238E27FC236}">
-                <a16:creationId xmlns:a16="http://schemas.microsoft.com/office/drawing/2014/main" xmlns="" id="{CC9B2E9B-C1CA-3A86-8D9B-E24009B63C21}"/>
-              </a:ext>
-            </a:extLst>
-          </p:cNvPr>
-          <p:cNvSpPr>
-            <a:spLocks noGrp="1"/>
-          </p:cNvSpPr>
-          <p:nvPr>
-            <p:ph type="dt" sz="half" idx="10"/>
-          </p:nvPr>
-        </p:nvSpPr>
-        <p:spPr/>
-        <p:txBody>
-          <a:bodyPr/>
-          <a:lstStyle/>
-          <a:p>
-            <a:fld id="{C5480D13-07B8-4CF5-901F-BD1025D74351}" type="datetime1">
-              <a:rPr lang="en-US" smtClean="0"/>
-              <a:t>10/29/2025</a:t>
-            </a:fld>
-            <a:endParaRPr lang="en-US"/>
-          </a:p>
-        </p:txBody>
-      </p:sp>
-      <p:sp>
-        <p:nvSpPr>
-          <p:cNvPr id="5" name="Slide Number Placeholder 4">
-            <a:extLst>
-              <a:ext uri="{FF2B5EF4-FFF2-40B4-BE49-F238E27FC236}">
-                <a16:creationId xmlns:a16="http://schemas.microsoft.com/office/drawing/2014/main" xmlns="" id="{45D22F1A-313A-2BA7-A778-DA35C0DFD707}"/>
-              </a:ext>
-            </a:extLst>
-          </p:cNvPr>
-          <p:cNvSpPr>
-            <a:spLocks noGrp="1"/>
-          </p:cNvSpPr>
-          <p:nvPr>
-            <p:ph type="sldNum" sz="quarter" idx="12"/>
-          </p:nvPr>
-        </p:nvSpPr>
-        <p:spPr/>
-        <p:txBody>
-          <a:bodyPr/>
-          <a:lstStyle/>
-          <a:p>
-            <a:fld id="{1FCEF87E-815D-44D1-B0AB-39AF0402D6A8}" type="slidenum">
-              <a:rPr lang="en-US" smtClean="0"/>
-              <a:t>12</a:t>
-            </a:fld>
-            <a:endParaRPr lang="en-US" dirty="0"/>
-          </a:p>
-        </p:txBody>
-      </p:sp>
-    </p:spTree>
-    <p:extLst>
-      <p:ext uri="{BB962C8B-B14F-4D97-AF65-F5344CB8AC3E}">
-        <p14:creationId xmlns:p14="http://schemas.microsoft.com/office/powerpoint/2010/main" val="1164879705"/>
-      </p:ext>
-    </p:extLst>
-  </p:cSld>
-  <p:clrMapOvr>
-    <a:masterClrMapping/>
-  </p:clrMapOvr>
-  <p:timing>
-    <p:tnLst>
-      <p:par>
-        <p:cTn id="1" dur="indefinite" restart="never" nodeType="tmRoot"/>
-      </p:par>
-    </p:tnLst>
-  </p:timing>
-</p:sld>
-</file>
-
-<file path=ppt/slides/slide13.xml><?xml version="1.0" encoding="utf-8"?>
-<p:sld xmlns:a="http://schemas.openxmlformats.org/drawingml/2006/main" xmlns:r="http://schemas.openxmlformats.org/officeDocument/2006/relationships" xmlns:p="http://schemas.openxmlformats.org/presentationml/2006/main">
-  <p:cSld>
-    <p:spTree>
-      <p:nvGrpSpPr>
-        <p:cNvPr id="1" name="">
-          <a:extLst>
-            <a:ext uri="{FF2B5EF4-FFF2-40B4-BE49-F238E27FC236}">
-              <a16:creationId xmlns:a16="http://schemas.microsoft.com/office/drawing/2014/main" xmlns="" id="{A9DEA9EE-5679-A557-E7BF-0A904D09771C}"/>
-            </a:ext>
-          </a:extLst>
-        </p:cNvPr>
-        <p:cNvGrpSpPr/>
-        <p:nvPr/>
-      </p:nvGrpSpPr>
-      <p:grpSpPr>
-        <a:xfrm>
-          <a:off x="0" y="0"/>
-          <a:ext cx="0" cy="0"/>
-          <a:chOff x="0" y="0"/>
-          <a:chExt cx="0" cy="0"/>
-        </a:xfrm>
-      </p:grpSpPr>
-      <p:sp>
-        <p:nvSpPr>
-          <p:cNvPr id="2" name="Title 1">
-            <a:extLst>
-              <a:ext uri="{FF2B5EF4-FFF2-40B4-BE49-F238E27FC236}">
-                <a16:creationId xmlns:a16="http://schemas.microsoft.com/office/drawing/2014/main" xmlns="" id="{A2BF6077-2697-7116-5A2C-99B8054B7FE2}"/>
-              </a:ext>
-            </a:extLst>
-          </p:cNvPr>
-          <p:cNvSpPr>
-            <a:spLocks noGrp="1"/>
-          </p:cNvSpPr>
-          <p:nvPr>
-            <p:ph type="title"/>
-          </p:nvPr>
-        </p:nvSpPr>
-        <p:spPr>
-          <a:xfrm>
-            <a:off x="0" y="365126"/>
-            <a:ext cx="12192000" cy="645528"/>
-          </a:xfrm>
-        </p:spPr>
-        <p:style>
-          <a:lnRef idx="0">
-            <a:schemeClr val="accent2"/>
-          </a:lnRef>
-          <a:fillRef idx="3">
-            <a:schemeClr val="accent2"/>
-          </a:fillRef>
-          <a:effectRef idx="3">
-            <a:schemeClr val="accent2"/>
-          </a:effectRef>
-          <a:fontRef idx="minor">
-            <a:schemeClr val="lt1"/>
-          </a:fontRef>
-        </p:style>
-        <p:txBody>
-          <a:bodyPr>
-            <a:normAutofit fontScale="90000"/>
-          </a:bodyPr>
-          <a:lstStyle/>
-          <a:p>
-            <a:pPr algn="ctr"/>
-            <a:r>
-              <a:rPr lang="en-GB" b="1" dirty="0">
-                <a:solidFill>
-                  <a:schemeClr val="tx1"/>
-                </a:solidFill>
-              </a:rPr>
-              <a:t>REFERENCES</a:t>
-            </a:r>
-            <a:endParaRPr lang="en-US" dirty="0">
-              <a:solidFill>
-                <a:schemeClr val="tx1"/>
-              </a:solidFill>
-            </a:endParaRPr>
-          </a:p>
-        </p:txBody>
-      </p:sp>
-      <p:sp>
-        <p:nvSpPr>
-          <p:cNvPr id="3" name="Content Placeholder 2">
-            <a:extLst>
-              <a:ext uri="{FF2B5EF4-FFF2-40B4-BE49-F238E27FC236}">
-                <a16:creationId xmlns:a16="http://schemas.microsoft.com/office/drawing/2014/main" xmlns="" id="{D3AB1971-AF7F-80EE-26ED-EA8A7E8C7C21}"/>
-              </a:ext>
-            </a:extLst>
-          </p:cNvPr>
-          <p:cNvSpPr>
-            <a:spLocks noGrp="1"/>
-          </p:cNvSpPr>
-          <p:nvPr>
-            <p:ph idx="1"/>
-          </p:nvPr>
-        </p:nvSpPr>
-        <p:spPr>
-          <a:xfrm>
-            <a:off x="838200" y="1267326"/>
-            <a:ext cx="10515600" cy="4909637"/>
-          </a:xfrm>
-        </p:spPr>
-        <p:txBody>
-          <a:bodyPr>
-            <a:normAutofit fontScale="92500" lnSpcReduction="10000"/>
-          </a:bodyPr>
-          <a:lstStyle/>
-          <a:p>
-            <a:pPr marL="0" indent="0">
-              <a:buNone/>
-            </a:pPr>
-            <a:r>
-              <a:rPr lang="en-IN" sz="2400" b="1" dirty="0"/>
-              <a:t>References</a:t>
-            </a:r>
-          </a:p>
-          <a:p>
-            <a:r>
-              <a:rPr lang="en-IN" sz="2400" dirty="0"/>
-              <a:t>Russell, S., &amp; </a:t>
-            </a:r>
-            <a:r>
-              <a:rPr lang="en-IN" sz="2400" dirty="0" err="1"/>
-              <a:t>Norvig</a:t>
-            </a:r>
-            <a:r>
-              <a:rPr lang="en-IN" sz="2400" dirty="0"/>
-              <a:t>, P. (2020). </a:t>
-            </a:r>
-            <a:r>
-              <a:rPr lang="en-IN" sz="2400" i="1" dirty="0"/>
-              <a:t>Artificial Intelligence: A Modern Approach</a:t>
-            </a:r>
-            <a:r>
-              <a:rPr lang="en-IN" sz="2400" dirty="0"/>
-              <a:t> (4th Edition). </a:t>
-            </a:r>
-            <a:r>
-              <a:rPr lang="en-IN" sz="2400" dirty="0">
-                <a:hlinkClick r:id="rId2"/>
-              </a:rPr>
-              <a:t>https://aima.cs.berkeley.edu/</a:t>
-            </a:r>
-            <a:endParaRPr lang="en-IN" sz="2400" dirty="0"/>
-          </a:p>
-          <a:p>
-            <a:r>
-              <a:rPr lang="en-IN" sz="2400" dirty="0" err="1"/>
-              <a:t>TutorialsPoint</a:t>
-            </a:r>
-            <a:r>
-              <a:rPr lang="en-IN" sz="2400" dirty="0"/>
-              <a:t> – Naive Bayes Classifier in AI. https://www.tutorialspoint.com/machine_learning_with_python/machine_learning_with_python_naive_bayes_algorithm.htm</a:t>
-            </a:r>
-          </a:p>
-          <a:p>
-            <a:r>
-              <a:rPr lang="en-IN" sz="2400" dirty="0" err="1"/>
-              <a:t>GeeksforGeeks</a:t>
-            </a:r>
-            <a:r>
-              <a:rPr lang="en-IN" sz="2400" dirty="0"/>
-              <a:t> – Bayesian Network in Python. https://www.geeksforgeeks.org/bayesian-network-in-python/</a:t>
-            </a:r>
-          </a:p>
-          <a:p>
-            <a:r>
-              <a:rPr lang="en-IN" sz="2400" dirty="0"/>
-              <a:t>Towards Data Science – Understanding Bayesian Networks and Probabilistic Reasoning. https://towardsdatascience.com/bayesian-networks-in-python-1caa5d6ff312</a:t>
-            </a:r>
-          </a:p>
-          <a:p>
-            <a:r>
-              <a:rPr lang="en-IN" sz="2400" dirty="0"/>
-              <a:t>Python Official Documentation – </a:t>
-            </a:r>
-            <a:r>
-              <a:rPr lang="en-IN" sz="2400" dirty="0" err="1"/>
-              <a:t>Matplotlib</a:t>
-            </a:r>
-            <a:r>
-              <a:rPr lang="en-IN" sz="2400" dirty="0"/>
-              <a:t> Visualization. https://matplotlib.org/stable/api/pyplot_api.html</a:t>
-            </a:r>
-          </a:p>
-          <a:p>
-            <a:r>
-              <a:rPr lang="en-IN" sz="2400" dirty="0"/>
-              <a:t>Python Official Documentation – Pandas Documentation. https://pandas.pydata.org/docs/</a:t>
-            </a:r>
-          </a:p>
-          <a:p>
-            <a:pPr marL="0" lvl="0" indent="0">
-              <a:buNone/>
-            </a:pPr>
-            <a:endParaRPr lang="en-US" dirty="0"/>
-          </a:p>
-        </p:txBody>
-      </p:sp>
-      <p:sp>
-        <p:nvSpPr>
-          <p:cNvPr id="4" name="Date Placeholder 3">
-            <a:extLst>
-              <a:ext uri="{FF2B5EF4-FFF2-40B4-BE49-F238E27FC236}">
-                <a16:creationId xmlns:a16="http://schemas.microsoft.com/office/drawing/2014/main" xmlns="" id="{418721BC-42E2-4822-3086-5AF81F1A3726}"/>
-              </a:ext>
-            </a:extLst>
-          </p:cNvPr>
-          <p:cNvSpPr>
-            <a:spLocks noGrp="1"/>
-          </p:cNvSpPr>
-          <p:nvPr>
-            <p:ph type="dt" sz="half" idx="10"/>
-          </p:nvPr>
-        </p:nvSpPr>
-        <p:spPr/>
-        <p:txBody>
-          <a:bodyPr/>
-          <a:lstStyle/>
-          <a:p>
-            <a:fld id="{C5480D13-07B8-4CF5-901F-BD1025D74351}" type="datetime1">
-              <a:rPr lang="en-US" smtClean="0"/>
-              <a:t>10/29/2025</a:t>
-            </a:fld>
-            <a:endParaRPr lang="en-US"/>
-          </a:p>
-        </p:txBody>
-      </p:sp>
-      <p:sp>
-        <p:nvSpPr>
-          <p:cNvPr id="5" name="Slide Number Placeholder 4">
-            <a:extLst>
-              <a:ext uri="{FF2B5EF4-FFF2-40B4-BE49-F238E27FC236}">
-                <a16:creationId xmlns:a16="http://schemas.microsoft.com/office/drawing/2014/main" xmlns="" id="{60D8BC28-15FA-0C88-32FB-88458DEBBC23}"/>
-              </a:ext>
-            </a:extLst>
-          </p:cNvPr>
-          <p:cNvSpPr>
-            <a:spLocks noGrp="1"/>
-          </p:cNvSpPr>
-          <p:nvPr>
-            <p:ph type="sldNum" sz="quarter" idx="12"/>
-          </p:nvPr>
-        </p:nvSpPr>
-        <p:spPr/>
-        <p:txBody>
-          <a:bodyPr/>
-          <a:lstStyle/>
-          <a:p>
-            <a:fld id="{1FCEF87E-815D-44D1-B0AB-39AF0402D6A8}" type="slidenum">
-              <a:rPr lang="en-US" smtClean="0"/>
-              <a:t>13</a:t>
-            </a:fld>
-            <a:endParaRPr lang="en-US"/>
-          </a:p>
-        </p:txBody>
-      </p:sp>
-    </p:spTree>
-    <p:extLst>
-      <p:ext uri="{BB962C8B-B14F-4D97-AF65-F5344CB8AC3E}">
-        <p14:creationId xmlns:p14="http://schemas.microsoft.com/office/powerpoint/2010/main" val="752607158"/>
-      </p:ext>
-    </p:extLst>
-  </p:cSld>
-  <p:clrMapOvr>
-    <a:masterClrMapping/>
-  </p:clrMapOvr>
-</p:sld>
-</file>
-
-<file path=ppt/slides/slide2.xml><?xml version="1.0" encoding="utf-8"?>
-<p:sld xmlns:a="http://schemas.openxmlformats.org/drawingml/2006/main" xmlns:r="http://schemas.openxmlformats.org/officeDocument/2006/relationships" xmlns:p="http://schemas.openxmlformats.org/presentationml/2006/main">
-  <p:cSld>
-    <p:spTree>
-      <p:nvGrpSpPr>
-        <p:cNvPr id="1" name=""/>
-        <p:cNvGrpSpPr/>
-        <p:nvPr/>
-      </p:nvGrpSpPr>
-      <p:grpSpPr>
-        <a:xfrm>
-          <a:off x="0" y="0"/>
-          <a:ext cx="0" cy="0"/>
-          <a:chOff x="0" y="0"/>
-          <a:chExt cx="0" cy="0"/>
-        </a:xfrm>
-      </p:grpSpPr>
-      <p:sp>
-        <p:nvSpPr>
-          <p:cNvPr id="2" name="Title 1">
-            <a:extLst>
-              <a:ext uri="{FF2B5EF4-FFF2-40B4-BE49-F238E27FC236}">
-                <a16:creationId xmlns:a16="http://schemas.microsoft.com/office/drawing/2014/main" xmlns="" id="{723E759A-0732-65F8-ABFC-93E81441B8A8}"/>
-              </a:ext>
-            </a:extLst>
-          </p:cNvPr>
-          <p:cNvSpPr>
-            <a:spLocks noGrp="1"/>
-          </p:cNvSpPr>
-          <p:nvPr>
-            <p:ph type="title"/>
-          </p:nvPr>
-        </p:nvSpPr>
-        <p:spPr>
-          <a:xfrm>
-            <a:off x="0" y="35509"/>
-            <a:ext cx="12192000" cy="645528"/>
-          </a:xfrm>
-        </p:spPr>
-        <p:style>
-          <a:lnRef idx="0">
-            <a:schemeClr val="accent2"/>
-          </a:lnRef>
-          <a:fillRef idx="3">
-            <a:schemeClr val="accent2"/>
-          </a:fillRef>
-          <a:effectRef idx="3">
-            <a:schemeClr val="accent2"/>
-          </a:effectRef>
-          <a:fontRef idx="minor">
-            <a:schemeClr val="lt1"/>
-          </a:fontRef>
-        </p:style>
-        <p:txBody>
-          <a:bodyPr>
-            <a:normAutofit fontScale="90000"/>
-          </a:bodyPr>
-          <a:lstStyle/>
-          <a:p>
-            <a:pPr algn="ctr"/>
-            <a:r>
-              <a:rPr lang="en-GB" b="1" dirty="0">
-                <a:solidFill>
-                  <a:schemeClr val="tx1"/>
-                </a:solidFill>
-              </a:rPr>
-              <a:t>PROBLEM STATEMENT</a:t>
-            </a:r>
-            <a:endParaRPr lang="en-US" dirty="0">
-              <a:solidFill>
-                <a:schemeClr val="tx1"/>
-              </a:solidFill>
-            </a:endParaRPr>
-          </a:p>
-        </p:txBody>
-      </p:sp>
-      <p:sp>
-        <p:nvSpPr>
-          <p:cNvPr id="3" name="Content Placeholder 2">
-            <a:extLst>
-              <a:ext uri="{FF2B5EF4-FFF2-40B4-BE49-F238E27FC236}">
-                <a16:creationId xmlns:a16="http://schemas.microsoft.com/office/drawing/2014/main" xmlns="" id="{FAE17474-C476-1051-3F37-A2159E2BEE57}"/>
-              </a:ext>
-            </a:extLst>
-          </p:cNvPr>
-          <p:cNvSpPr>
-            <a:spLocks noGrp="1"/>
-          </p:cNvSpPr>
-          <p:nvPr>
-            <p:ph idx="1"/>
-          </p:nvPr>
-        </p:nvSpPr>
-        <p:spPr>
-          <a:xfrm>
-            <a:off x="838200" y="818148"/>
-            <a:ext cx="10515600" cy="5358816"/>
-          </a:xfrm>
-        </p:spPr>
-        <p:txBody>
-          <a:bodyPr>
-            <a:normAutofit/>
-          </a:bodyPr>
-          <a:lstStyle/>
-          <a:p>
-            <a:r>
-              <a:rPr lang="en-GB" sz="2000" dirty="0"/>
-              <a:t>Artificial Intelligence (AI) enables machines to make intelligent decisions and predictions based on data.</a:t>
-            </a:r>
-          </a:p>
-          <a:p>
-            <a:r>
-              <a:rPr lang="en-GB" sz="2000" dirty="0"/>
-              <a:t>Probabilistic reasoning is a key AI application that allows decision-making under uncertainty.</a:t>
-            </a:r>
-          </a:p>
-          <a:p>
-            <a:r>
-              <a:rPr lang="en-GB" sz="2000" dirty="0"/>
-              <a:t>This project addresses </a:t>
-            </a:r>
-            <a:r>
-              <a:rPr lang="en-GB" sz="2000" b="1" dirty="0"/>
-              <a:t>weather-based prediction</a:t>
-            </a:r>
-            <a:r>
-              <a:rPr lang="en-GB" sz="2000" dirty="0"/>
-              <a:t> of whether people will play outdoor games.</a:t>
-            </a:r>
-          </a:p>
-          <a:p>
-            <a:r>
-              <a:rPr lang="en-GB" sz="2000" b="1" dirty="0"/>
-              <a:t>Bayesian Networks</a:t>
-            </a:r>
-            <a:r>
-              <a:rPr lang="en-GB" sz="2000" dirty="0"/>
-              <a:t> are used to model dependencies between weather variables: Outlook, Temperature, Humidity, and Wind.</a:t>
-            </a:r>
-          </a:p>
-          <a:p>
-            <a:r>
-              <a:rPr lang="en-GB" sz="2000" b="1" dirty="0"/>
-              <a:t>Naive Bayes classifiers</a:t>
-            </a:r>
-            <a:r>
-              <a:rPr lang="en-GB" sz="2000" dirty="0"/>
-              <a:t> are used for comparison with probabilistic inference.</a:t>
-            </a:r>
-          </a:p>
-          <a:p>
-            <a:r>
-              <a:rPr lang="en-GB" sz="2000" dirty="0"/>
-              <a:t>The main task is to </a:t>
-            </a:r>
-            <a:r>
-              <a:rPr lang="en-GB" sz="2000" b="1" dirty="0"/>
-              <a:t>predict the probability of outdoor play</a:t>
-            </a:r>
-            <a:r>
-              <a:rPr lang="en-GB" sz="2000" dirty="0"/>
-              <a:t> given a set of weather conditions.</a:t>
-            </a:r>
-          </a:p>
-          <a:p>
-            <a:r>
-              <a:rPr lang="en-GB" sz="2000" dirty="0"/>
-              <a:t>The project highlights the importance of </a:t>
-            </a:r>
-            <a:r>
-              <a:rPr lang="en-GB" sz="2000" b="1" dirty="0"/>
-              <a:t>intelligent prediction systems</a:t>
-            </a:r>
-            <a:r>
-              <a:rPr lang="en-GB" sz="2000" dirty="0"/>
-              <a:t> that handle uncertainty in input data.</a:t>
-            </a:r>
-          </a:p>
-          <a:p>
-            <a:r>
-              <a:rPr lang="en-GB" sz="2000" dirty="0"/>
-              <a:t>Visualization of the </a:t>
-            </a:r>
-            <a:r>
-              <a:rPr lang="en-GB" sz="2000" b="1" dirty="0"/>
-              <a:t>Bayesian Network structure</a:t>
-            </a:r>
-            <a:r>
-              <a:rPr lang="en-GB" sz="2000" dirty="0"/>
-              <a:t> and </a:t>
-            </a:r>
-            <a:r>
-              <a:rPr lang="en-GB" sz="2000" b="1" dirty="0"/>
-              <a:t>Conditional Probability Tables (CPTs)</a:t>
-            </a:r>
-            <a:r>
-              <a:rPr lang="en-GB" sz="2000" dirty="0"/>
-              <a:t> is included.</a:t>
-            </a:r>
-          </a:p>
-          <a:p>
-            <a:r>
-              <a:rPr lang="en-GB" sz="2000" dirty="0"/>
-              <a:t>The project also evaluates model performance and compares </a:t>
-            </a:r>
-            <a:r>
-              <a:rPr lang="en-GB" sz="2000" b="1" dirty="0"/>
-              <a:t>Bayesian inference</a:t>
-            </a:r>
-            <a:r>
-              <a:rPr lang="en-GB" sz="2000" dirty="0"/>
-              <a:t> with classical machine learning approaches.</a:t>
-            </a:r>
-          </a:p>
-        </p:txBody>
-      </p:sp>
-      <p:sp>
-        <p:nvSpPr>
-          <p:cNvPr id="4" name="Date Placeholder 3">
-            <a:extLst>
-              <a:ext uri="{FF2B5EF4-FFF2-40B4-BE49-F238E27FC236}">
-                <a16:creationId xmlns:a16="http://schemas.microsoft.com/office/drawing/2014/main" xmlns="" id="{85FF5BCC-B36E-DFE5-103F-31FA12632094}"/>
-              </a:ext>
-            </a:extLst>
-          </p:cNvPr>
-          <p:cNvSpPr>
-            <a:spLocks noGrp="1"/>
-          </p:cNvSpPr>
-          <p:nvPr>
-            <p:ph type="dt" sz="half" idx="10"/>
-          </p:nvPr>
-        </p:nvSpPr>
-        <p:spPr/>
-        <p:txBody>
-          <a:bodyPr/>
-          <a:lstStyle/>
-          <a:p>
-            <a:fld id="{316FBEDF-053F-468F-8CCF-D1ACE4FBB50D}" type="datetime1">
-              <a:rPr lang="en-US" smtClean="0"/>
-              <a:t>10/29/2025</a:t>
-            </a:fld>
-            <a:endParaRPr lang="en-US"/>
-          </a:p>
-        </p:txBody>
-      </p:sp>
-      <p:sp>
-        <p:nvSpPr>
-          <p:cNvPr id="5" name="Slide Number Placeholder 4">
-            <a:extLst>
-              <a:ext uri="{FF2B5EF4-FFF2-40B4-BE49-F238E27FC236}">
-                <a16:creationId xmlns:a16="http://schemas.microsoft.com/office/drawing/2014/main" xmlns="" id="{70253399-F526-B4B1-D444-32B3A164A39F}"/>
-              </a:ext>
-            </a:extLst>
-          </p:cNvPr>
-          <p:cNvSpPr>
-            <a:spLocks noGrp="1"/>
-          </p:cNvSpPr>
-          <p:nvPr>
-            <p:ph type="sldNum" sz="quarter" idx="12"/>
-          </p:nvPr>
-        </p:nvSpPr>
-        <p:spPr/>
-        <p:txBody>
-          <a:bodyPr/>
-          <a:lstStyle/>
-          <a:p>
-            <a:fld id="{1FCEF87E-815D-44D1-B0AB-39AF0402D6A8}" type="slidenum">
-              <a:rPr lang="en-US" smtClean="0"/>
-              <a:t>2</a:t>
-            </a:fld>
-            <a:endParaRPr lang="en-US" dirty="0"/>
-          </a:p>
-        </p:txBody>
-      </p:sp>
-    </p:spTree>
-    <p:extLst>
-      <p:ext uri="{BB962C8B-B14F-4D97-AF65-F5344CB8AC3E}">
-        <p14:creationId xmlns:p14="http://schemas.microsoft.com/office/powerpoint/2010/main" val="1816614792"/>
-      </p:ext>
-    </p:extLst>
-  </p:cSld>
-  <p:clrMapOvr>
-    <a:masterClrMapping/>
-  </p:clrMapOvr>
-</p:sld>
-</file>
-
-<file path=ppt/slides/slide3.xml><?xml version="1.0" encoding="utf-8"?>
-<p:sld xmlns:a="http://schemas.openxmlformats.org/drawingml/2006/main" xmlns:r="http://schemas.openxmlformats.org/officeDocument/2006/relationships" xmlns:p="http://schemas.openxmlformats.org/presentationml/2006/main">
-  <p:cSld>
-    <p:spTree>
-      <p:nvGrpSpPr>
-        <p:cNvPr id="1" name="">
-          <a:extLst>
-            <a:ext uri="{FF2B5EF4-FFF2-40B4-BE49-F238E27FC236}">
-              <a16:creationId xmlns:a16="http://schemas.microsoft.com/office/drawing/2014/main" xmlns="" id="{83ACC068-5F54-97E8-2F1C-0538F112699A}"/>
-            </a:ext>
-          </a:extLst>
-        </p:cNvPr>
-        <p:cNvGrpSpPr/>
-        <p:nvPr/>
-      </p:nvGrpSpPr>
-      <p:grpSpPr>
-        <a:xfrm>
-          <a:off x="0" y="0"/>
-          <a:ext cx="0" cy="0"/>
-          <a:chOff x="0" y="0"/>
-          <a:chExt cx="0" cy="0"/>
-        </a:xfrm>
-      </p:grpSpPr>
-      <p:sp>
-        <p:nvSpPr>
-          <p:cNvPr id="2" name="Title 1">
-            <a:extLst>
-              <a:ext uri="{FF2B5EF4-FFF2-40B4-BE49-F238E27FC236}">
-                <a16:creationId xmlns:a16="http://schemas.microsoft.com/office/drawing/2014/main" xmlns="" id="{F7B2B1AF-B7ED-6DDA-888D-9BCAF08EA5E4}"/>
-              </a:ext>
-            </a:extLst>
-          </p:cNvPr>
-          <p:cNvSpPr>
-            <a:spLocks noGrp="1"/>
-          </p:cNvSpPr>
-          <p:nvPr>
-            <p:ph type="title"/>
-          </p:nvPr>
-        </p:nvSpPr>
-        <p:spPr>
-          <a:xfrm>
-            <a:off x="0" y="35509"/>
-            <a:ext cx="12192000" cy="645528"/>
-          </a:xfrm>
-        </p:spPr>
-        <p:style>
-          <a:lnRef idx="0">
-            <a:schemeClr val="accent2"/>
-          </a:lnRef>
-          <a:fillRef idx="3">
-            <a:schemeClr val="accent2"/>
-          </a:fillRef>
-          <a:effectRef idx="3">
-            <a:schemeClr val="accent2"/>
-          </a:effectRef>
-          <a:fontRef idx="minor">
-            <a:schemeClr val="lt1"/>
-          </a:fontRef>
-        </p:style>
-        <p:txBody>
-          <a:bodyPr>
-            <a:normAutofit fontScale="90000"/>
-          </a:bodyPr>
-          <a:lstStyle/>
-          <a:p>
-            <a:pPr algn="ctr"/>
-            <a:r>
-              <a:rPr lang="en-GB" b="1" dirty="0">
-                <a:solidFill>
-                  <a:schemeClr val="tx1"/>
-                </a:solidFill>
-              </a:rPr>
-              <a:t>THEORETICAL BACKGROUND</a:t>
-            </a:r>
-            <a:endParaRPr lang="en-US" dirty="0">
-              <a:solidFill>
-                <a:schemeClr val="tx1"/>
-              </a:solidFill>
-            </a:endParaRPr>
-          </a:p>
-        </p:txBody>
-      </p:sp>
-      <mc:AlternateContent xmlns:mc="http://schemas.openxmlformats.org/markup-compatibility/2006" xmlns:a14="http://schemas.microsoft.com/office/drawing/2010/main">
-        <mc:Choice Requires="a14">
-          <p:sp>
-            <p:nvSpPr>
-              <p:cNvPr id="3" name="Content Placeholder 2">
-                <a:extLst>
-                  <a:ext uri="{FF2B5EF4-FFF2-40B4-BE49-F238E27FC236}">
-                    <a16:creationId xmlns:a16="http://schemas.microsoft.com/office/drawing/2014/main" xmlns="" id="{FE67243E-1300-82BE-9968-6837E801AFFC}"/>
-                  </a:ext>
-                </a:extLst>
-              </p:cNvPr>
-              <p:cNvSpPr>
-                <a:spLocks noGrp="1"/>
-              </p:cNvSpPr>
-              <p:nvPr>
-                <p:ph idx="1"/>
-              </p:nvPr>
-            </p:nvSpPr>
-            <p:spPr>
-              <a:xfrm>
-                <a:off x="838200" y="818148"/>
-                <a:ext cx="10693400" cy="5404852"/>
-              </a:xfrm>
-            </p:spPr>
-            <p:txBody>
-              <a:bodyPr>
-                <a:normAutofit fontScale="55000" lnSpcReduction="20000"/>
-              </a:bodyPr>
-              <a:lstStyle/>
-              <a:p>
-                <a:pPr marL="457200" lvl="1" indent="0">
-                  <a:buNone/>
-                </a:pPr>
-                <a:endParaRPr lang="en-US" dirty="0" smtClean="0"/>
-              </a:p>
-              <a:p>
-                <a:r>
-                  <a:rPr lang="en-IN" sz="2900" dirty="0"/>
-                  <a:t>Weather prediction is a decision-making problem where each combination of weather attributes is treated as a state.</a:t>
-                </a:r>
-              </a:p>
-              <a:p>
-                <a:r>
-                  <a:rPr lang="en-IN" sz="2900" b="1" dirty="0"/>
-                  <a:t>Naive Bayes Classifier</a:t>
-                </a:r>
-                <a:r>
-                  <a:rPr lang="en-IN" sz="2900" dirty="0"/>
-                  <a:t> predicts the probability of an outcome (Play) given features (X = {Outlook, Temperature, Humidity, Wind}) using:</a:t>
-                </a:r>
-              </a:p>
-              <a:p>
-                <a14:m>
-                  <m:oMath xmlns:m="http://schemas.openxmlformats.org/officeDocument/2006/math">
-                    <m:r>
-                      <a:rPr lang="en-GB" sz="2900" i="1">
-                        <a:latin typeface="Cambria Math"/>
-                      </a:rPr>
-                      <m:t>𝑃</m:t>
-                    </m:r>
-                    <m:r>
-                      <a:rPr lang="en-GB" sz="2900" i="1">
-                        <a:latin typeface="Cambria Math"/>
-                      </a:rPr>
-                      <m:t>(</m:t>
-                    </m:r>
-                    <m:r>
-                      <a:rPr lang="en-GB" sz="2900" i="1">
-                        <a:latin typeface="Cambria Math"/>
-                      </a:rPr>
-                      <m:t>𝑃𝑙𝑎𝑦</m:t>
-                    </m:r>
-                    <m:r>
-                      <a:rPr lang="en-GB" sz="2900" i="1">
-                        <a:latin typeface="Cambria Math"/>
-                      </a:rPr>
-                      <m:t> | </m:t>
-                    </m:r>
-                    <m:r>
-                      <a:rPr lang="en-GB" sz="2900" i="1">
-                        <a:latin typeface="Cambria Math"/>
-                      </a:rPr>
-                      <m:t>𝑋</m:t>
-                    </m:r>
-                    <m:r>
-                      <a:rPr lang="en-GB" sz="2900" i="1">
-                        <a:latin typeface="Cambria Math"/>
-                      </a:rPr>
-                      <m:t>) = ( </m:t>
-                    </m:r>
-                    <m:r>
-                      <a:rPr lang="en-GB" sz="2900" i="1">
-                        <a:latin typeface="Cambria Math"/>
-                      </a:rPr>
-                      <m:t>𝑃</m:t>
-                    </m:r>
-                    <m:r>
-                      <a:rPr lang="en-GB" sz="2900" i="1">
-                        <a:latin typeface="Cambria Math"/>
-                      </a:rPr>
-                      <m:t>(</m:t>
-                    </m:r>
-                    <m:r>
-                      <a:rPr lang="en-GB" sz="2900" i="1">
-                        <a:latin typeface="Cambria Math"/>
-                      </a:rPr>
-                      <m:t>𝑃𝑙𝑎𝑦</m:t>
-                    </m:r>
-                    <m:r>
-                      <a:rPr lang="en-GB" sz="2900" i="1">
-                        <a:latin typeface="Cambria Math"/>
-                      </a:rPr>
-                      <m:t>) ∗ ∏ </m:t>
-                    </m:r>
-                    <m:r>
-                      <a:rPr lang="en-GB" sz="2900" i="1">
-                        <a:latin typeface="Cambria Math"/>
-                      </a:rPr>
-                      <m:t>𝑃</m:t>
-                    </m:r>
-                    <m:r>
-                      <a:rPr lang="en-GB" sz="2900" i="1">
-                        <a:latin typeface="Cambria Math"/>
-                      </a:rPr>
-                      <m:t>(</m:t>
-                    </m:r>
-                    <m:r>
-                      <a:rPr lang="en-GB" sz="2900" i="1">
-                        <a:latin typeface="Cambria Math"/>
-                      </a:rPr>
-                      <m:t>𝑋</m:t>
-                    </m:r>
-                    <m:r>
-                      <a:rPr lang="en-GB" sz="2900" i="1">
-                        <a:latin typeface="Cambria Math"/>
-                      </a:rPr>
-                      <m:t>_</m:t>
-                    </m:r>
-                    <m:r>
-                      <a:rPr lang="en-GB" sz="2900" i="1">
-                        <a:latin typeface="Cambria Math"/>
-                      </a:rPr>
-                      <m:t>𝑖</m:t>
-                    </m:r>
-                    <m:r>
-                      <a:rPr lang="en-GB" sz="2900" i="1">
-                        <a:latin typeface="Cambria Math"/>
-                      </a:rPr>
-                      <m:t> | </m:t>
-                    </m:r>
-                    <m:r>
-                      <a:rPr lang="en-GB" sz="2900" i="1">
-                        <a:latin typeface="Cambria Math"/>
-                      </a:rPr>
-                      <m:t>𝑃𝑙𝑎𝑦</m:t>
-                    </m:r>
-                    <m:r>
-                      <a:rPr lang="en-GB" sz="2900" i="1">
-                        <a:latin typeface="Cambria Math"/>
-                      </a:rPr>
-                      <m:t>) ) / </m:t>
-                    </m:r>
-                    <m:r>
-                      <a:rPr lang="en-GB" sz="2900" i="1">
-                        <a:latin typeface="Cambria Math"/>
-                      </a:rPr>
-                      <m:t>𝑃</m:t>
-                    </m:r>
-                    <m:r>
-                      <a:rPr lang="en-GB" sz="2900" i="1">
-                        <a:latin typeface="Cambria Math"/>
-                      </a:rPr>
-                      <m:t>(</m:t>
-                    </m:r>
-                    <m:r>
-                      <a:rPr lang="en-GB" sz="2900" i="1">
-                        <a:latin typeface="Cambria Math"/>
-                      </a:rPr>
-                      <m:t>𝑋</m:t>
-                    </m:r>
-                    <m:r>
-                      <a:rPr lang="en-GB" sz="2900" i="1">
-                        <a:latin typeface="Cambria Math"/>
-                      </a:rPr>
-                      <m:t>)</m:t>
-                    </m:r>
-                  </m:oMath>
-                </a14:m>
-                <a:endParaRPr lang="en-IN" sz="2900" dirty="0" smtClean="0"/>
-              </a:p>
-              <a:p>
-                <a:r>
-                  <a:rPr lang="en-IN" sz="2900" dirty="0" smtClean="0"/>
-                  <a:t>P(</a:t>
-                </a:r>
-                <a:r>
-                  <a:rPr lang="en-IN" sz="2900" dirty="0" err="1" smtClean="0"/>
-                  <a:t>Play</a:t>
-                </a:r>
-                <a:r>
-                  <a:rPr lang="en-IN" sz="2900" dirty="0" err="1"/>
-                  <a:t>∣X</a:t>
-                </a:r>
-                <a:r>
-                  <a:rPr lang="en-IN" sz="2900" dirty="0"/>
-                  <a:t>) = probability of playing given the weather</a:t>
-                </a:r>
-              </a:p>
-              <a:p>
-                <a:r>
-                  <a:rPr lang="en-IN" sz="2900" dirty="0" err="1"/>
-                  <a:t>XiX_iXi</a:t>
-                </a:r>
-                <a:r>
-                  <a:rPr lang="en-IN" sz="2900" dirty="0"/>
-                  <a:t>​ = individual weather features</a:t>
-                </a:r>
-              </a:p>
-              <a:p>
-                <a:r>
-                  <a:rPr lang="en-IN" sz="2900" dirty="0"/>
-                  <a:t>Assumes conditional independence between features</a:t>
-                </a:r>
-              </a:p>
-              <a:p>
-                <a:r>
-                  <a:rPr lang="en-IN" sz="2900" b="1" dirty="0"/>
-                  <a:t>Bayesian Networks</a:t>
-                </a:r>
-                <a:r>
-                  <a:rPr lang="en-IN" sz="2900" dirty="0"/>
-                  <a:t> model dependencies between variables:</a:t>
-                </a:r>
-              </a:p>
-              <a:p>
-                <a:pPr lvl="1"/>
-                <a:r>
-                  <a:rPr lang="en-IN" sz="2900" dirty="0"/>
-                  <a:t>Nodes represent variables (Outlook, Temperature, Humidity, Wind, Play)</a:t>
-                </a:r>
-              </a:p>
-              <a:p>
-                <a:pPr lvl="1"/>
-                <a:r>
-                  <a:rPr lang="en-IN" sz="2900" dirty="0"/>
-                  <a:t>Edges represent conditional dependencies between variables</a:t>
-                </a:r>
-              </a:p>
-              <a:p>
-                <a:pPr lvl="1"/>
-                <a:r>
-                  <a:rPr lang="en-IN" sz="2900" dirty="0"/>
-                  <a:t>Joint probability of all variables:</a:t>
-                </a:r>
-              </a:p>
-              <a:p>
-                <a14:m>
-                  <m:oMath xmlns:m="http://schemas.openxmlformats.org/officeDocument/2006/math">
-                    <m:r>
-                      <a:rPr lang="sv-SE" sz="2900" i="1">
-                        <a:latin typeface="Cambria Math"/>
-                      </a:rPr>
-                      <m:t>𝑃</m:t>
-                    </m:r>
-                    <m:r>
-                      <a:rPr lang="sv-SE" sz="2900" i="1">
-                        <a:latin typeface="Cambria Math"/>
-                      </a:rPr>
-                      <m:t>(</m:t>
-                    </m:r>
-                    <m:r>
-                      <a:rPr lang="sv-SE" sz="2900" i="1">
-                        <a:latin typeface="Cambria Math"/>
-                      </a:rPr>
-                      <m:t>𝑋</m:t>
-                    </m:r>
-                    <m:r>
-                      <a:rPr lang="sv-SE" sz="2900" i="1">
-                        <a:latin typeface="Cambria Math"/>
-                      </a:rPr>
-                      <m:t>_1, </m:t>
-                    </m:r>
-                    <m:r>
-                      <a:rPr lang="sv-SE" sz="2900" i="1">
-                        <a:latin typeface="Cambria Math"/>
-                      </a:rPr>
-                      <m:t>𝑋</m:t>
-                    </m:r>
-                    <m:r>
-                      <a:rPr lang="sv-SE" sz="2900" i="1">
-                        <a:latin typeface="Cambria Math"/>
-                      </a:rPr>
-                      <m:t>_2, ..., </m:t>
-                    </m:r>
-                    <m:r>
-                      <a:rPr lang="sv-SE" sz="2900" i="1">
-                        <a:latin typeface="Cambria Math"/>
-                      </a:rPr>
-                      <m:t>𝑋</m:t>
-                    </m:r>
-                    <m:r>
-                      <a:rPr lang="sv-SE" sz="2900" i="1">
-                        <a:latin typeface="Cambria Math"/>
-                      </a:rPr>
-                      <m:t>_</m:t>
-                    </m:r>
-                    <m:r>
-                      <a:rPr lang="sv-SE" sz="2900" i="1">
-                        <a:latin typeface="Cambria Math"/>
-                      </a:rPr>
-                      <m:t>𝑛</m:t>
-                    </m:r>
-                    <m:r>
-                      <a:rPr lang="sv-SE" sz="2900" i="1">
-                        <a:latin typeface="Cambria Math"/>
-                      </a:rPr>
-                      <m:t>) = ∏ </m:t>
-                    </m:r>
-                    <m:r>
-                      <a:rPr lang="sv-SE" sz="2900" i="1">
-                        <a:latin typeface="Cambria Math"/>
-                      </a:rPr>
-                      <m:t>𝑃</m:t>
-                    </m:r>
-                    <m:r>
-                      <a:rPr lang="sv-SE" sz="2900" i="1">
-                        <a:latin typeface="Cambria Math"/>
-                      </a:rPr>
-                      <m:t>(</m:t>
-                    </m:r>
-                    <m:r>
-                      <a:rPr lang="sv-SE" sz="2900" i="1">
-                        <a:latin typeface="Cambria Math"/>
-                      </a:rPr>
-                      <m:t>𝑋</m:t>
-                    </m:r>
-                    <m:r>
-                      <a:rPr lang="sv-SE" sz="2900" i="1">
-                        <a:latin typeface="Cambria Math"/>
-                      </a:rPr>
-                      <m:t>_</m:t>
-                    </m:r>
-                    <m:r>
-                      <a:rPr lang="sv-SE" sz="2900" i="1">
-                        <a:latin typeface="Cambria Math"/>
-                      </a:rPr>
-                      <m:t>𝑖</m:t>
-                    </m:r>
-                    <m:r>
-                      <a:rPr lang="sv-SE" sz="2900" i="1">
-                        <a:latin typeface="Cambria Math"/>
-                      </a:rPr>
-                      <m:t> | </m:t>
-                    </m:r>
-                    <m:r>
-                      <a:rPr lang="sv-SE" sz="2900" i="1">
-                        <a:latin typeface="Cambria Math"/>
-                      </a:rPr>
-                      <m:t>𝑃𝑎𝑟𝑒𝑛𝑡𝑠</m:t>
-                    </m:r>
-                    <m:r>
-                      <a:rPr lang="sv-SE" sz="2900" i="1">
-                        <a:latin typeface="Cambria Math"/>
-                      </a:rPr>
-                      <m:t>(</m:t>
-                    </m:r>
-                    <m:r>
-                      <a:rPr lang="sv-SE" sz="2900" i="1">
-                        <a:latin typeface="Cambria Math"/>
-                      </a:rPr>
-                      <m:t>𝑋</m:t>
-                    </m:r>
-                    <m:r>
-                      <a:rPr lang="sv-SE" sz="2900" i="1">
-                        <a:latin typeface="Cambria Math"/>
-                      </a:rPr>
-                      <m:t>_</m:t>
-                    </m:r>
-                    <m:r>
-                      <a:rPr lang="sv-SE" sz="2900" i="1">
-                        <a:latin typeface="Cambria Math"/>
-                      </a:rPr>
-                      <m:t>𝑖</m:t>
-                    </m:r>
-                    <m:r>
-                      <a:rPr lang="sv-SE" sz="2900" i="1">
-                        <a:latin typeface="Cambria Math"/>
-                      </a:rPr>
-                      <m:t>))</m:t>
-                    </m:r>
-                  </m:oMath>
-                </a14:m>
-                <a:endParaRPr lang="en-IN" sz="2900" dirty="0" smtClean="0"/>
-              </a:p>
-              <a:p>
-                <a:r>
-                  <a:rPr lang="en-IN" sz="2900" dirty="0" smtClean="0"/>
-                  <a:t>Parents(Xi</a:t>
-                </a:r>
-                <a:r>
-                  <a:rPr lang="en-IN" sz="2900" dirty="0"/>
-                  <a:t>​) = parent nodes of </a:t>
-                </a:r>
-                <a:r>
-                  <a:rPr lang="en-IN" sz="2900" dirty="0" err="1"/>
-                  <a:t>XiX_iXi</a:t>
-                </a:r>
-                <a:r>
-                  <a:rPr lang="en-IN" sz="2900" dirty="0"/>
-                  <a:t>​</a:t>
-                </a:r>
-              </a:p>
-              <a:p>
-                <a:r>
-                  <a:rPr lang="en-IN" sz="2900" b="1" dirty="0"/>
-                  <a:t>Inference (Variable Elimination)</a:t>
-                </a:r>
-                <a:r>
-                  <a:rPr lang="en-IN" sz="2900" dirty="0"/>
-                  <a:t> computes the probability of an outcome given evidence:</a:t>
-                </a:r>
-              </a:p>
-              <a:p>
-                <a14:m>
-                  <m:oMath xmlns:m="http://schemas.openxmlformats.org/officeDocument/2006/math">
-                    <m:r>
-                      <a:rPr lang="en-GB" sz="2900" i="1">
-                        <a:latin typeface="Cambria Math"/>
-                      </a:rPr>
-                      <m:t>𝑃</m:t>
-                    </m:r>
-                    <m:r>
-                      <a:rPr lang="en-GB" sz="2900" i="1">
-                        <a:latin typeface="Cambria Math"/>
-                      </a:rPr>
-                      <m:t>(</m:t>
-                    </m:r>
-                    <m:r>
-                      <a:rPr lang="en-GB" sz="2900" i="1">
-                        <a:latin typeface="Cambria Math"/>
-                      </a:rPr>
-                      <m:t>𝑃𝑙𝑎𝑦</m:t>
-                    </m:r>
-                    <m:r>
-                      <a:rPr lang="en-GB" sz="2900" i="1">
-                        <a:latin typeface="Cambria Math"/>
-                      </a:rPr>
-                      <m:t> | </m:t>
-                    </m:r>
-                    <m:r>
-                      <a:rPr lang="en-GB" sz="2900" i="1">
-                        <a:latin typeface="Cambria Math"/>
-                      </a:rPr>
-                      <m:t>𝐸𝑣𝑖𝑑𝑒𝑛𝑐𝑒</m:t>
-                    </m:r>
-                    <m:r>
-                      <a:rPr lang="en-GB" sz="2900" i="1">
-                        <a:latin typeface="Cambria Math"/>
-                      </a:rPr>
-                      <m:t>) = </m:t>
-                    </m:r>
-                    <m:r>
-                      <a:rPr lang="en-GB" sz="2900" i="1">
-                        <a:latin typeface="Cambria Math"/>
-                      </a:rPr>
-                      <m:t>𝛴</m:t>
-                    </m:r>
-                    <m:r>
-                      <a:rPr lang="en-GB" sz="2900" i="1">
-                        <a:latin typeface="Cambria Math"/>
-                      </a:rPr>
-                      <m:t> </m:t>
-                    </m:r>
-                    <m:r>
-                      <a:rPr lang="en-GB" sz="2900" i="1">
-                        <a:latin typeface="Cambria Math"/>
-                      </a:rPr>
-                      <m:t>𝑃</m:t>
-                    </m:r>
-                    <m:r>
-                      <a:rPr lang="en-GB" sz="2900" i="1">
-                        <a:latin typeface="Cambria Math"/>
-                      </a:rPr>
-                      <m:t>(</m:t>
-                    </m:r>
-                    <m:r>
-                      <a:rPr lang="en-GB" sz="2900" i="1">
-                        <a:latin typeface="Cambria Math"/>
-                      </a:rPr>
-                      <m:t>𝑋</m:t>
-                    </m:r>
-                    <m:r>
-                      <a:rPr lang="en-GB" sz="2900" i="1">
-                        <a:latin typeface="Cambria Math"/>
-                      </a:rPr>
-                      <m:t>_1, </m:t>
-                    </m:r>
-                    <m:r>
-                      <a:rPr lang="en-GB" sz="2900" i="1">
-                        <a:latin typeface="Cambria Math"/>
-                      </a:rPr>
-                      <m:t>𝑋</m:t>
-                    </m:r>
-                    <m:r>
-                      <a:rPr lang="en-GB" sz="2900" i="1">
-                        <a:latin typeface="Cambria Math"/>
-                      </a:rPr>
-                      <m:t>_2, ..., </m:t>
-                    </m:r>
-                    <m:r>
-                      <a:rPr lang="en-GB" sz="2900" i="1">
-                        <a:latin typeface="Cambria Math"/>
-                      </a:rPr>
-                      <m:t>𝑋</m:t>
-                    </m:r>
-                    <m:r>
-                      <a:rPr lang="en-GB" sz="2900" i="1">
-                        <a:latin typeface="Cambria Math"/>
-                      </a:rPr>
-                      <m:t>_</m:t>
-                    </m:r>
-                    <m:r>
-                      <a:rPr lang="en-GB" sz="2900" i="1">
-                        <a:latin typeface="Cambria Math"/>
-                      </a:rPr>
-                      <m:t>𝑛</m:t>
-                    </m:r>
-                    <m:r>
-                      <a:rPr lang="en-GB" sz="2900" i="1">
-                        <a:latin typeface="Cambria Math"/>
-                      </a:rPr>
-                      <m:t>) </m:t>
-                    </m:r>
-                    <m:r>
-                      <a:rPr lang="en-GB" sz="2900" i="1">
-                        <a:latin typeface="Cambria Math"/>
-                      </a:rPr>
-                      <m:t>𝑜𝑣𝑒𝑟</m:t>
-                    </m:r>
-                    <m:r>
-                      <a:rPr lang="en-GB" sz="2900" i="1">
-                        <a:latin typeface="Cambria Math"/>
-                      </a:rPr>
-                      <m:t> </m:t>
-                    </m:r>
-                    <m:r>
-                      <a:rPr lang="en-GB" sz="2900" i="1">
-                        <a:latin typeface="Cambria Math"/>
-                      </a:rPr>
-                      <m:t>h𝑖𝑑𝑑𝑒𝑛</m:t>
-                    </m:r>
-                    <m:r>
-                      <a:rPr lang="en-GB" sz="2900" i="1">
-                        <a:latin typeface="Cambria Math"/>
-                      </a:rPr>
-                      <m:t> </m:t>
-                    </m:r>
-                    <m:r>
-                      <a:rPr lang="en-GB" sz="2900" i="1">
-                        <a:latin typeface="Cambria Math"/>
-                      </a:rPr>
-                      <m:t>𝑣𝑎𝑟𝑖𝑎𝑏𝑙𝑒𝑠</m:t>
-                    </m:r>
-                  </m:oMath>
-                </a14:m>
-                <a:endParaRPr lang="en-IN" sz="2900" dirty="0" smtClean="0"/>
-              </a:p>
-              <a:p>
-                <a:r>
-                  <a:rPr lang="en-IN" sz="2900" dirty="0" smtClean="0"/>
-                  <a:t>Bayesian </a:t>
-                </a:r>
-                <a:r>
-                  <a:rPr lang="en-IN" sz="2900" dirty="0"/>
-                  <a:t>Networks are </a:t>
-                </a:r>
-                <a:r>
-                  <a:rPr lang="en-IN" sz="2900" b="1" dirty="0"/>
-                  <a:t>probabilistically sound, interpretable, and handle uncertainty</a:t>
-                </a:r>
-                <a:r>
-                  <a:rPr lang="en-IN" sz="2900" dirty="0"/>
-                  <a:t> efficiently.</a:t>
-                </a:r>
-              </a:p>
-              <a:p>
-                <a:r>
-                  <a:rPr lang="en-IN" sz="2900" dirty="0"/>
-                  <a:t>This approach allows </a:t>
-                </a:r>
-                <a:r>
-                  <a:rPr lang="en-IN" sz="2900" dirty="0" err="1"/>
-                  <a:t>modeling</a:t>
-                </a:r>
-                <a:r>
-                  <a:rPr lang="en-IN" sz="2900" dirty="0"/>
-                  <a:t> </a:t>
-                </a:r>
-                <a:r>
-                  <a:rPr lang="en-IN" sz="2900" b="1" dirty="0"/>
-                  <a:t>how different weather conditions influence the probability of outdoor play</a:t>
-                </a:r>
-                <a:r>
-                  <a:rPr lang="en-IN" sz="2900" dirty="0"/>
-                  <a:t>.</a:t>
-                </a:r>
-              </a:p>
-            </p:txBody>
-          </p:sp>
-        </mc:Choice>
-        <mc:Fallback xmlns="">
-          <p:sp>
-            <p:nvSpPr>
-              <p:cNvPr id="3" name="Content Placeholder 2">
-                <a:extLst>
-                  <a:ext uri="{FF2B5EF4-FFF2-40B4-BE49-F238E27FC236}">
-                    <a16:creationId xmlns="" xmlns:a16="http://schemas.microsoft.com/office/drawing/2014/main" xmlns:a14="http://schemas.microsoft.com/office/drawing/2010/main" id="{FE67243E-1300-82BE-9968-6837E801AFFC}"/>
-                  </a:ext>
-                </a:extLst>
-              </p:cNvPr>
-              <p:cNvSpPr>
-                <a:spLocks noGrp="1" noRot="1" noChangeAspect="1" noMove="1" noResize="1" noEditPoints="1" noAdjustHandles="1" noChangeArrowheads="1" noChangeShapeType="1" noTextEdit="1"/>
-              </p:cNvSpPr>
-              <p:nvPr>
-                <p:ph idx="1"/>
-              </p:nvPr>
-            </p:nvSpPr>
-            <p:spPr>
-              <a:xfrm>
-                <a:off x="838200" y="818148"/>
-                <a:ext cx="10693400" cy="5404852"/>
-              </a:xfrm>
-              <a:blipFill rotWithShape="1">
-                <a:blip r:embed="rId2"/>
-                <a:stretch>
-                  <a:fillRect l="-228"/>
-                </a:stretch>
-              </a:blipFill>
-            </p:spPr>
-            <p:txBody>
-              <a:bodyPr/>
-              <a:lstStyle/>
-              <a:p>
-                <a:r>
-                  <a:rPr lang="en-IN">
-                    <a:noFill/>
-                  </a:rPr>
-                  <a:t> </a:t>
-                </a:r>
-              </a:p>
-            </p:txBody>
-          </p:sp>
-        </mc:Fallback>
-      </mc:AlternateContent>
-      <p:sp>
-        <p:nvSpPr>
-          <p:cNvPr id="4" name="Date Placeholder 3">
-            <a:extLst>
-              <a:ext uri="{FF2B5EF4-FFF2-40B4-BE49-F238E27FC236}">
-                <a16:creationId xmlns:a16="http://schemas.microsoft.com/office/drawing/2014/main" xmlns="" id="{4AF593AB-ABA6-D8E8-42D9-A38FB7B4DB45}"/>
-              </a:ext>
-            </a:extLst>
-          </p:cNvPr>
-          <p:cNvSpPr>
-            <a:spLocks noGrp="1"/>
-          </p:cNvSpPr>
-          <p:nvPr>
-            <p:ph type="dt" sz="half" idx="10"/>
-          </p:nvPr>
-        </p:nvSpPr>
-        <p:spPr/>
-        <p:txBody>
-          <a:bodyPr/>
-          <a:lstStyle/>
-          <a:p>
-            <a:fld id="{316FBEDF-053F-468F-8CCF-D1ACE4FBB50D}" type="datetime1">
-              <a:rPr lang="en-US" smtClean="0"/>
-              <a:t>10/29/2025</a:t>
-            </a:fld>
-            <a:endParaRPr lang="en-US"/>
-          </a:p>
-        </p:txBody>
-      </p:sp>
-      <p:sp>
-        <p:nvSpPr>
-          <p:cNvPr id="5" name="Slide Number Placeholder 4">
-            <a:extLst>
-              <a:ext uri="{FF2B5EF4-FFF2-40B4-BE49-F238E27FC236}">
-                <a16:creationId xmlns:a16="http://schemas.microsoft.com/office/drawing/2014/main" xmlns="" id="{40AE40CC-B05F-6325-A926-99504CD4A72F}"/>
-              </a:ext>
-            </a:extLst>
-          </p:cNvPr>
-          <p:cNvSpPr>
-            <a:spLocks noGrp="1"/>
-          </p:cNvSpPr>
-          <p:nvPr>
-            <p:ph type="sldNum" sz="quarter" idx="12"/>
-          </p:nvPr>
-        </p:nvSpPr>
-        <p:spPr/>
-        <p:txBody>
-          <a:bodyPr/>
-          <a:lstStyle/>
-          <a:p>
-            <a:fld id="{1FCEF87E-815D-44D1-B0AB-39AF0402D6A8}" type="slidenum">
-              <a:rPr lang="en-US" smtClean="0"/>
-              <a:t>3</a:t>
-            </a:fld>
-            <a:endParaRPr lang="en-US"/>
-          </a:p>
-        </p:txBody>
-      </p:sp>
-    </p:spTree>
-    <p:extLst>
-      <p:ext uri="{BB962C8B-B14F-4D97-AF65-F5344CB8AC3E}">
         <p14:creationId xmlns:p14="http://schemas.microsoft.com/office/powerpoint/2010/main" val="2832692384"/>
       </p:ext>
     </p:extLst>
@@ -6811,404 +6010,257 @@
           </a:p>
         </p:txBody>
       </p:sp>
-      <mc:AlternateContent xmlns:mc="http://schemas.openxmlformats.org/markup-compatibility/2006" xmlns:a14="http://schemas.microsoft.com/office/drawing/2010/main">
-        <mc:Choice Requires="a14">
-          <p:sp>
-            <p:nvSpPr>
-              <p:cNvPr id="3" name="Content Placeholder 2">
-                <a:extLst>
-                  <a:ext uri="{FF2B5EF4-FFF2-40B4-BE49-F238E27FC236}">
-                    <a16:creationId xmlns:a16="http://schemas.microsoft.com/office/drawing/2014/main" xmlns="" id="{D43F1624-D8B0-39D8-1C6F-BCD4B3C0201E}"/>
-                  </a:ext>
-                </a:extLst>
-              </p:cNvPr>
-              <p:cNvSpPr>
-                <a:spLocks noGrp="1"/>
-              </p:cNvSpPr>
-              <p:nvPr>
-                <p:ph idx="1"/>
-              </p:nvPr>
-            </p:nvSpPr>
-            <p:spPr>
-              <a:xfrm>
-                <a:off x="838200" y="818148"/>
-                <a:ext cx="10337800" cy="5569952"/>
-              </a:xfrm>
-            </p:spPr>
-            <p:txBody>
-              <a:bodyPr>
-                <a:normAutofit fontScale="62500" lnSpcReduction="20000"/>
-              </a:bodyPr>
-              <a:lstStyle/>
-              <a:p>
-                <a:pPr marL="0" indent="0">
-                  <a:buNone/>
-                </a:pPr>
-                <a:r>
-                  <a:rPr lang="en-IN" b="1" dirty="0" smtClean="0"/>
-                  <a:t>Algorithm</a:t>
-                </a:r>
-                <a:endParaRPr lang="en-IN" b="1" dirty="0"/>
-              </a:p>
-              <a:p>
-                <a:r>
-                  <a:rPr lang="en-IN" b="1" dirty="0"/>
-                  <a:t>Prepare Dataset</a:t>
-                </a:r>
-                <a:endParaRPr lang="en-IN" dirty="0"/>
-              </a:p>
-              <a:p>
-                <a:pPr lvl="1"/>
-                <a:r>
-                  <a:rPr lang="en-IN" dirty="0"/>
-                  <a:t>Generate or load weather data with Outlook, Temperature, Humidity, Wind, Play.</a:t>
-                </a:r>
-              </a:p>
-              <a:p>
-                <a:pPr lvl="1"/>
-                <a:r>
-                  <a:rPr lang="en-IN" dirty="0"/>
-                  <a:t>Encode categorical variables and split into training/testing sets.</a:t>
-                </a:r>
-              </a:p>
-              <a:p>
-                <a:r>
-                  <a:rPr lang="en-IN" b="1" dirty="0"/>
-                  <a:t>Train Naive Bayes Classifier</a:t>
-                </a:r>
-                <a:endParaRPr lang="en-IN" dirty="0"/>
-              </a:p>
-              <a:p>
-                <a:pPr lvl="1"/>
-                <a:r>
-                  <a:rPr lang="en-IN" dirty="0"/>
-                  <a:t>Train on the training set.</a:t>
-                </a:r>
-              </a:p>
-              <a:p>
-                <a:pPr lvl="1"/>
-                <a:r>
-                  <a:rPr lang="en-IN" dirty="0"/>
-                  <a:t>Predict Play on test data and evaluate accuracy.</a:t>
-                </a:r>
-              </a:p>
-              <a:p>
-                <a:r>
-                  <a:rPr lang="en-IN" b="1" dirty="0"/>
-                  <a:t>Build Bayesian Network</a:t>
-                </a:r>
-                <a:endParaRPr lang="en-IN" dirty="0"/>
-              </a:p>
-              <a:p>
-                <a:pPr lvl="1"/>
-                <a:r>
-                  <a:rPr lang="en-IN" dirty="0"/>
-                  <a:t>Define structure: Outlook, Temperature, Humidity, Wind → Play.</a:t>
-                </a:r>
-              </a:p>
-              <a:p>
-                <a:pPr lvl="1"/>
-                <a:r>
-                  <a:rPr lang="en-IN" dirty="0"/>
-                  <a:t>Fit network using </a:t>
-                </a:r>
-                <a:r>
-                  <a:rPr lang="en-IN" b="1" dirty="0"/>
-                  <a:t>Maximum Likelihood Estimation</a:t>
-                </a:r>
-                <a:r>
-                  <a:rPr lang="en-IN" dirty="0"/>
-                  <a:t> to compute </a:t>
-                </a:r>
-                <a:r>
-                  <a:rPr lang="en-IN" dirty="0" err="1"/>
-                  <a:t>CPTs.</a:t>
-                </a:r>
-                <a:endParaRPr lang="en-IN" dirty="0"/>
-              </a:p>
-              <a:p>
-                <a:r>
-                  <a:rPr lang="en-IN" b="1" dirty="0"/>
-                  <a:t>Perform Inference</a:t>
-                </a:r>
-                <a:endParaRPr lang="en-IN" dirty="0"/>
-              </a:p>
-              <a:p>
-                <a:pPr lvl="1"/>
-                <a:r>
-                  <a:rPr lang="en-IN" dirty="0"/>
-                  <a:t>For given evidence (weather scenario), calculate</a:t>
-                </a:r>
-                <a:r>
-                  <a:rPr lang="en-IN" dirty="0" smtClean="0"/>
-                  <a:t>:</a:t>
-                </a:r>
-              </a:p>
-              <a:p>
-                <a:pPr lvl="1"/>
-                <a14:m>
-                  <m:oMath xmlns:m="http://schemas.openxmlformats.org/officeDocument/2006/math">
-                    <m:r>
-                      <a:rPr lang="en-GB" i="1">
-                        <a:latin typeface="Cambria Math"/>
-                      </a:rPr>
-                      <m:t>𝑃</m:t>
-                    </m:r>
-                    <m:r>
-                      <a:rPr lang="en-GB" i="1">
-                        <a:latin typeface="Cambria Math"/>
-                      </a:rPr>
-                      <m:t>(</m:t>
-                    </m:r>
-                    <m:r>
-                      <a:rPr lang="en-GB" i="1">
-                        <a:latin typeface="Cambria Math"/>
-                      </a:rPr>
-                      <m:t>𝑃𝑙𝑎𝑦</m:t>
-                    </m:r>
-                    <m:r>
-                      <a:rPr lang="en-GB" i="1">
-                        <a:latin typeface="Cambria Math"/>
-                      </a:rPr>
-                      <m:t> | </m:t>
-                    </m:r>
-                    <m:r>
-                      <a:rPr lang="en-GB" i="1">
-                        <a:latin typeface="Cambria Math"/>
-                      </a:rPr>
-                      <m:t>𝐸𝑣𝑖𝑑𝑒𝑛𝑐𝑒</m:t>
-                    </m:r>
-                    <m:r>
-                      <a:rPr lang="en-GB" i="1">
-                        <a:latin typeface="Cambria Math"/>
-                      </a:rPr>
-                      <m:t>) = \</m:t>
-                    </m:r>
-                    <m:r>
-                      <a:rPr lang="en-GB" i="1">
-                        <a:latin typeface="Cambria Math"/>
-                      </a:rPr>
-                      <m:t>𝑠𝑢𝑚</m:t>
-                    </m:r>
-                    <m:r>
-                      <a:rPr lang="en-GB" i="1">
-                        <a:latin typeface="Cambria Math"/>
-                      </a:rPr>
-                      <m:t>_{</m:t>
-                    </m:r>
-                    <m:r>
-                      <a:rPr lang="en-GB" i="1">
-                        <a:latin typeface="Cambria Math"/>
-                      </a:rPr>
-                      <m:t>h𝑖𝑑𝑑𝑒𝑛</m:t>
-                    </m:r>
-                    <m:r>
-                      <a:rPr lang="en-GB" i="1">
-                        <a:latin typeface="Cambria Math"/>
-                      </a:rPr>
-                      <m:t>\ </m:t>
-                    </m:r>
-                    <m:r>
-                      <a:rPr lang="en-GB" i="1">
-                        <a:latin typeface="Cambria Math"/>
-                      </a:rPr>
-                      <m:t>𝑣𝑎𝑟𝑖𝑎𝑏𝑙𝑒𝑠</m:t>
-                    </m:r>
-                    <m:r>
-                      <a:rPr lang="en-GB" i="1">
-                        <a:latin typeface="Cambria Math"/>
-                      </a:rPr>
-                      <m:t>} </m:t>
-                    </m:r>
-                    <m:r>
-                      <a:rPr lang="en-GB" i="1">
-                        <a:latin typeface="Cambria Math"/>
-                      </a:rPr>
-                      <m:t>𝑃</m:t>
-                    </m:r>
-                    <m:r>
-                      <a:rPr lang="en-GB" i="1">
-                        <a:latin typeface="Cambria Math"/>
-                      </a:rPr>
-                      <m:t>(</m:t>
-                    </m:r>
-                    <m:r>
-                      <a:rPr lang="en-GB" i="1">
-                        <a:latin typeface="Cambria Math"/>
-                      </a:rPr>
-                      <m:t>𝑂𝑢𝑡𝑙𝑜𝑜𝑘</m:t>
-                    </m:r>
-                    <m:r>
-                      <a:rPr lang="en-GB" i="1">
-                        <a:latin typeface="Cambria Math"/>
-                      </a:rPr>
-                      <m:t>, </m:t>
-                    </m:r>
-                    <m:r>
-                      <a:rPr lang="en-GB" i="1">
-                        <a:latin typeface="Cambria Math"/>
-                      </a:rPr>
-                      <m:t>𝑇𝑒𝑚𝑝𝑒𝑟𝑎𝑡𝑢𝑟𝑒</m:t>
-                    </m:r>
-                    <m:r>
-                      <a:rPr lang="en-GB" i="1">
-                        <a:latin typeface="Cambria Math"/>
-                      </a:rPr>
-                      <m:t>, </m:t>
-                    </m:r>
-                    <m:r>
-                      <a:rPr lang="en-GB" i="1">
-                        <a:latin typeface="Cambria Math"/>
-                      </a:rPr>
-                      <m:t>𝐻𝑢𝑚𝑖𝑑𝑖𝑡𝑦</m:t>
-                    </m:r>
-                    <m:r>
-                      <a:rPr lang="en-GB" i="1">
-                        <a:latin typeface="Cambria Math"/>
-                      </a:rPr>
-                      <m:t>, </m:t>
-                    </m:r>
-                    <m:r>
-                      <a:rPr lang="en-GB" i="1">
-                        <a:latin typeface="Cambria Math"/>
-                      </a:rPr>
-                      <m:t>𝑊𝑖𝑛𝑑</m:t>
-                    </m:r>
-                    <m:r>
-                      <a:rPr lang="en-GB" i="1">
-                        <a:latin typeface="Cambria Math"/>
-                      </a:rPr>
-                      <m:t>, </m:t>
-                    </m:r>
-                    <m:r>
-                      <a:rPr lang="en-GB" i="1">
-                        <a:latin typeface="Cambria Math"/>
-                      </a:rPr>
-                      <m:t>𝑃𝑙𝑎𝑦</m:t>
-                    </m:r>
-                    <m:r>
-                      <a:rPr lang="en-GB" i="1">
-                        <a:latin typeface="Cambria Math"/>
-                      </a:rPr>
-                      <m:t>)</m:t>
-                    </m:r>
-                  </m:oMath>
-                </a14:m>
-                <a:endParaRPr lang="en-IN" dirty="0"/>
-              </a:p>
-              <a:p>
-                <a:r>
-                  <a:rPr lang="en-IN" b="1" dirty="0" smtClean="0"/>
-                  <a:t>Predict </a:t>
-                </a:r>
-                <a:r>
-                  <a:rPr lang="en-IN" b="1" dirty="0"/>
-                  <a:t>Scenarios</a:t>
-                </a:r>
-                <a:endParaRPr lang="en-IN" dirty="0"/>
-              </a:p>
-              <a:p>
-                <a:pPr lvl="1"/>
-                <a:r>
-                  <a:rPr lang="en-IN" dirty="0"/>
-                  <a:t>Input specific weather conditions.</a:t>
-                </a:r>
-              </a:p>
-              <a:p>
-                <a:pPr lvl="1"/>
-                <a:r>
-                  <a:rPr lang="en-IN" dirty="0"/>
-                  <a:t>Use Bayesian Network to get probabilities for Play = Yes or No.</a:t>
-                </a:r>
-              </a:p>
-              <a:p>
-                <a:pPr lvl="1"/>
-                <a:r>
-                  <a:rPr lang="en-IN" dirty="0"/>
-                  <a:t>Compare with Naive Bayes predictions.</a:t>
-                </a:r>
-              </a:p>
-              <a:p>
-                <a:r>
-                  <a:rPr lang="en-IN" b="1" dirty="0"/>
-                  <a:t>Visualize Results</a:t>
-                </a:r>
-                <a:endParaRPr lang="en-IN" dirty="0"/>
-              </a:p>
-              <a:p>
-                <a:pPr lvl="1"/>
-                <a:r>
-                  <a:rPr lang="en-IN" dirty="0"/>
-                  <a:t>Show Bayesian Network structure and CPT </a:t>
-                </a:r>
-                <a:r>
-                  <a:rPr lang="en-IN" dirty="0" err="1"/>
-                  <a:t>heatmaps</a:t>
-                </a:r>
-                <a:r>
-                  <a:rPr lang="en-IN" dirty="0"/>
-                  <a:t>.</a:t>
-                </a:r>
-              </a:p>
-              <a:p>
-                <a:pPr lvl="1"/>
-                <a:r>
-                  <a:rPr lang="en-IN" dirty="0"/>
-                  <a:t>Export dataset to CSV for reproducibility</a:t>
-                </a:r>
-                <a:r>
-                  <a:rPr lang="en-IN" dirty="0" smtClean="0"/>
-                  <a:t>.</a:t>
-                </a:r>
-                <a:endParaRPr lang="en-IN" dirty="0"/>
-              </a:p>
-            </p:txBody>
-          </p:sp>
-        </mc:Choice>
-        <mc:Fallback xmlns="">
-          <p:sp>
-            <p:nvSpPr>
-              <p:cNvPr id="3" name="Content Placeholder 2">
-                <a:extLst>
-                  <a:ext uri="{FF2B5EF4-FFF2-40B4-BE49-F238E27FC236}">
-                    <a16:creationId xmlns="" xmlns:a16="http://schemas.microsoft.com/office/drawing/2014/main" xmlns:a14="http://schemas.microsoft.com/office/drawing/2010/main" id="{D43F1624-D8B0-39D8-1C6F-BCD4B3C0201E}"/>
-                  </a:ext>
-                </a:extLst>
-              </p:cNvPr>
-              <p:cNvSpPr>
-                <a:spLocks noGrp="1" noRot="1" noChangeAspect="1" noMove="1" noResize="1" noEditPoints="1" noAdjustHandles="1" noChangeArrowheads="1" noChangeShapeType="1" noTextEdit="1"/>
-              </p:cNvSpPr>
-              <p:nvPr>
-                <p:ph idx="1"/>
-              </p:nvPr>
-            </p:nvSpPr>
-            <p:spPr>
-              <a:xfrm>
-                <a:off x="838200" y="818148"/>
-                <a:ext cx="10337800" cy="5569952"/>
-              </a:xfrm>
-              <a:blipFill rotWithShape="1">
-                <a:blip r:embed="rId2"/>
-                <a:stretch>
-                  <a:fillRect l="-531" t="-1751"/>
-                </a:stretch>
-              </a:blipFill>
-            </p:spPr>
-            <p:txBody>
-              <a:bodyPr/>
-              <a:lstStyle/>
-              <a:p>
-                <a:r>
-                  <a:rPr lang="en-IN">
-                    <a:noFill/>
-                  </a:rPr>
-                  <a:t> </a:t>
-                </a:r>
-              </a:p>
-            </p:txBody>
-          </p:sp>
-        </mc:Fallback>
-      </mc:AlternateContent>
+      <p:sp>
+        <p:nvSpPr>
+          <p:cNvPr id="3" name="Content Placeholder 2">
+            <a:extLst>
+              <a:ext uri="{FF2B5EF4-FFF2-40B4-BE49-F238E27FC236}">
+                <a16:creationId xmlns:a16="http://schemas.microsoft.com/office/drawing/2014/main" xmlns="" xmlns:a14="http://schemas.microsoft.com/office/drawing/2010/main" xmlns:mc="http://schemas.openxmlformats.org/markup-compatibility/2006" id="{D43F1624-D8B0-39D8-1C6F-BCD4B3C0201E}"/>
+              </a:ext>
+            </a:extLst>
+          </p:cNvPr>
+          <p:cNvSpPr>
+            <a:spLocks noGrp="1"/>
+          </p:cNvSpPr>
+          <p:nvPr>
+            <p:ph idx="1"/>
+          </p:nvPr>
+        </p:nvSpPr>
+        <p:spPr>
+          <a:xfrm>
+            <a:off x="261257" y="789119"/>
+            <a:ext cx="11669486" cy="5872938"/>
+          </a:xfrm>
+        </p:spPr>
+        <p:txBody>
+          <a:bodyPr>
+            <a:normAutofit fontScale="55000" lnSpcReduction="20000"/>
+          </a:bodyPr>
+          <a:lstStyle/>
+          <a:p>
+            <a:pPr marL="0" indent="0">
+              <a:buNone/>
+            </a:pPr>
+            <a:r>
+              <a:rPr lang="en-GB" sz="2900" b="1" dirty="0" smtClean="0"/>
+              <a:t>ALGORITHM:</a:t>
+            </a:r>
+          </a:p>
+          <a:p>
+            <a:pPr marL="0" indent="0">
+              <a:buNone/>
+            </a:pPr>
+            <a:r>
+              <a:rPr lang="en-GB" sz="2900" b="1" dirty="0" smtClean="0"/>
+              <a:t>1</a:t>
+            </a:r>
+            <a:r>
+              <a:rPr lang="en-GB" sz="2900" b="1" dirty="0"/>
+              <a:t>. Prepare Dataset</a:t>
+            </a:r>
+            <a:endParaRPr lang="en-GB" sz="2900" dirty="0"/>
+          </a:p>
+          <a:p>
+            <a:r>
+              <a:rPr lang="en-GB" sz="2900" dirty="0"/>
+              <a:t>Load historical weather data with attributes: </a:t>
+            </a:r>
+            <a:r>
+              <a:rPr lang="en-GB" sz="2900" i="1" dirty="0"/>
+              <a:t>Outlook, Temperature, Humidity,</a:t>
+            </a:r>
+            <a:r>
+              <a:rPr lang="en-GB" sz="2900" dirty="0"/>
+              <a:t> and </a:t>
+            </a:r>
+            <a:r>
+              <a:rPr lang="en-GB" sz="2900" i="1" dirty="0"/>
+              <a:t>Windy</a:t>
+            </a:r>
+            <a:r>
+              <a:rPr lang="en-GB" sz="2900" dirty="0"/>
+              <a:t>.</a:t>
+            </a:r>
+          </a:p>
+          <a:p>
+            <a:r>
+              <a:rPr lang="en-GB" sz="2900" dirty="0"/>
+              <a:t>Encode categorical values numerically using </a:t>
+            </a:r>
+            <a:r>
+              <a:rPr lang="en-GB" sz="2900" b="1" dirty="0"/>
+              <a:t>Label Encoding</a:t>
+            </a:r>
+            <a:r>
+              <a:rPr lang="en-GB" sz="2900" dirty="0"/>
+              <a:t>.</a:t>
+            </a:r>
+          </a:p>
+          <a:p>
+            <a:r>
+              <a:rPr lang="en-GB" sz="2900" dirty="0"/>
+              <a:t>Split the dataset into training and testing sets for model evaluation.</a:t>
+            </a:r>
+          </a:p>
+          <a:p>
+            <a:pPr marL="0" indent="0">
+              <a:buNone/>
+            </a:pPr>
+            <a:r>
+              <a:rPr lang="en-GB" sz="2900" b="1" dirty="0"/>
+              <a:t>2. Train Naïve Bayes Classifier</a:t>
+            </a:r>
+            <a:endParaRPr lang="en-GB" sz="2900" dirty="0"/>
+          </a:p>
+          <a:p>
+            <a:r>
+              <a:rPr lang="en-GB" sz="2900" dirty="0"/>
+              <a:t>Train the </a:t>
+            </a:r>
+            <a:r>
+              <a:rPr lang="en-GB" sz="2900" b="1" dirty="0"/>
+              <a:t>Categorical Naïve Bayes</a:t>
+            </a:r>
+            <a:r>
+              <a:rPr lang="en-GB" sz="2900" dirty="0"/>
+              <a:t> model on the weather dataset.</a:t>
+            </a:r>
+          </a:p>
+          <a:p>
+            <a:r>
+              <a:rPr lang="en-GB" sz="2900" dirty="0"/>
+              <a:t>Learn conditional probabilities of each weather attribute.</a:t>
+            </a:r>
+          </a:p>
+          <a:p>
+            <a:r>
+              <a:rPr lang="en-GB" sz="2900" dirty="0"/>
+              <a:t>Predict whether the weather is </a:t>
+            </a:r>
+            <a:r>
+              <a:rPr lang="en-GB" sz="2900" b="1" dirty="0"/>
+              <a:t>Good</a:t>
+            </a:r>
+            <a:r>
+              <a:rPr lang="en-GB" sz="2900" dirty="0"/>
+              <a:t> or </a:t>
+            </a:r>
+            <a:r>
+              <a:rPr lang="en-GB" sz="2900" b="1" dirty="0"/>
+              <a:t>Bad</a:t>
+            </a:r>
+            <a:r>
+              <a:rPr lang="en-GB" sz="2900" dirty="0"/>
+              <a:t> based on input values.</a:t>
+            </a:r>
+          </a:p>
+          <a:p>
+            <a:pPr marL="0" indent="0">
+              <a:buNone/>
+            </a:pPr>
+            <a:r>
+              <a:rPr lang="en-GB" sz="2900" b="1" dirty="0"/>
+              <a:t>3. Perform Inference</a:t>
+            </a:r>
+            <a:endParaRPr lang="en-GB" sz="2900" dirty="0"/>
+          </a:p>
+          <a:p>
+            <a:r>
+              <a:rPr lang="en-GB" sz="2900" dirty="0"/>
+              <a:t>For given evidence (weather inputs), compute the probability of a good condition</a:t>
+            </a:r>
+            <a:r>
+              <a:rPr lang="en-GB" sz="2900" dirty="0" smtClean="0"/>
+              <a:t>:</a:t>
+            </a:r>
+            <a:endParaRPr lang="en-GB" sz="2900" dirty="0"/>
+          </a:p>
+          <a:p>
+            <a:pPr marL="0" indent="0">
+              <a:buNone/>
+            </a:pPr>
+            <a:r>
+              <a:rPr lang="en-GB" sz="2900" b="1" dirty="0" smtClean="0"/>
+              <a:t>4</a:t>
+            </a:r>
+            <a:r>
+              <a:rPr lang="en-GB" sz="2900" b="1" dirty="0"/>
+              <a:t>. Predict Scenarios</a:t>
+            </a:r>
+            <a:endParaRPr lang="en-GB" sz="2900" dirty="0"/>
+          </a:p>
+          <a:p>
+            <a:r>
+              <a:rPr lang="en-GB" sz="2900" dirty="0"/>
+              <a:t>User enters weather details via the </a:t>
+            </a:r>
+            <a:r>
+              <a:rPr lang="en-GB" sz="2900" b="1" dirty="0" err="1"/>
+              <a:t>Tkinter</a:t>
+            </a:r>
+            <a:r>
+              <a:rPr lang="en-GB" sz="2900" b="1" dirty="0"/>
+              <a:t> GUI</a:t>
+            </a:r>
+            <a:r>
+              <a:rPr lang="en-GB" sz="2900" dirty="0"/>
+              <a:t>.</a:t>
+            </a:r>
+          </a:p>
+          <a:p>
+            <a:r>
+              <a:rPr lang="en-GB" sz="2900" dirty="0"/>
+              <a:t>The model predicts and displays whether the conditions are suitable for outdoor activity.</a:t>
+            </a:r>
+          </a:p>
+          <a:p>
+            <a:r>
+              <a:rPr lang="en-GB" sz="2900" dirty="0"/>
+              <a:t>Handles uncertain or mixed inputs effectively using probabilistic reasoning.</a:t>
+            </a:r>
+          </a:p>
+          <a:p>
+            <a:pPr marL="0" indent="0">
+              <a:buNone/>
+            </a:pPr>
+            <a:r>
+              <a:rPr lang="en-GB" sz="2900" b="1" dirty="0"/>
+              <a:t>5. Visualize Results</a:t>
+            </a:r>
+            <a:endParaRPr lang="en-GB" sz="2900" dirty="0"/>
+          </a:p>
+          <a:p>
+            <a:r>
+              <a:rPr lang="en-GB" sz="2900" dirty="0"/>
+              <a:t>Display prediction results in a user-friendly message box.</a:t>
+            </a:r>
+          </a:p>
+          <a:p>
+            <a:r>
+              <a:rPr lang="en-GB" sz="2900" dirty="0"/>
+              <a:t>Show comparative outcomes between different weather conditions.</a:t>
+            </a:r>
+          </a:p>
+          <a:p>
+            <a:r>
+              <a:rPr lang="en-GB" sz="2900" dirty="0"/>
+              <a:t>Demonstrate how </a:t>
+            </a:r>
+            <a:r>
+              <a:rPr lang="en-GB" sz="2900" b="1" dirty="0"/>
+              <a:t>AI reasoning</a:t>
+            </a:r>
+            <a:r>
+              <a:rPr lang="en-GB" sz="2900" dirty="0"/>
+              <a:t> supports weather-based decision making.</a:t>
+            </a:r>
+          </a:p>
+          <a:p>
+            <a:pPr lvl="1"/>
+            <a:endParaRPr lang="en-IN" dirty="0"/>
+          </a:p>
+        </p:txBody>
+      </p:sp>
       <p:sp>
         <p:nvSpPr>
           <p:cNvPr id="4" name="Date Placeholder 3">
@@ -7232,7 +6284,7 @@
           <a:p>
             <a:fld id="{316FBEDF-053F-468F-8CCF-D1ACE4FBB50D}" type="datetime1">
               <a:rPr lang="en-US" smtClean="0"/>
-              <a:t>10/29/2025</a:t>
+              <a:t>11/4/2025</a:t>
             </a:fld>
             <a:endParaRPr lang="en-US"/>
           </a:p>
@@ -7267,6 +6319,70 @@
           </a:p>
         </p:txBody>
       </p:sp>
+      <p:pic>
+        <p:nvPicPr>
+          <p:cNvPr id="2050" name="Picture 2"/>
+          <p:cNvPicPr>
+            <a:picLocks noChangeAspect="1" noChangeArrowheads="1"/>
+          </p:cNvPicPr>
+          <p:nvPr/>
+        </p:nvPicPr>
+        <p:blipFill>
+          <a:blip r:embed="rId2">
+            <a:extLst>
+              <a:ext uri="{28A0092B-C50C-407E-A947-70E740481C1C}">
+                <a14:useLocalDpi xmlns:a14="http://schemas.microsoft.com/office/drawing/2010/main" val="0"/>
+              </a:ext>
+            </a:extLst>
+          </a:blip>
+          <a:srcRect/>
+          <a:stretch>
+            <a:fillRect/>
+          </a:stretch>
+        </p:blipFill>
+        <p:spPr bwMode="auto">
+          <a:xfrm>
+            <a:off x="7303181" y="3594849"/>
+            <a:ext cx="3408362" cy="510191"/>
+          </a:xfrm>
+          <a:prstGeom prst="rect">
+            <a:avLst/>
+          </a:prstGeom>
+          <a:noFill/>
+          <a:ln>
+            <a:noFill/>
+          </a:ln>
+          <a:effectLst/>
+          <a:extLst>
+            <a:ext uri="{909E8E84-426E-40DD-AFC4-6F175D3DCCD1}">
+              <a14:hiddenFill xmlns:a14="http://schemas.microsoft.com/office/drawing/2010/main">
+                <a:solidFill>
+                  <a:schemeClr val="accent1"/>
+                </a:solidFill>
+              </a14:hiddenFill>
+            </a:ext>
+            <a:ext uri="{91240B29-F687-4F45-9708-019B960494DF}">
+              <a14:hiddenLine xmlns:a14="http://schemas.microsoft.com/office/drawing/2010/main" w="9525">
+                <a:solidFill>
+                  <a:schemeClr val="tx1"/>
+                </a:solidFill>
+                <a:miter lim="800000"/>
+                <a:headEnd/>
+                <a:tailEnd/>
+              </a14:hiddenLine>
+            </a:ext>
+            <a:ext uri="{AF507438-7753-43E0-B8FC-AC1667EBCBE1}">
+              <a14:hiddenEffects xmlns:a14="http://schemas.microsoft.com/office/drawing/2010/main">
+                <a:effectLst>
+                  <a:outerShdw dist="35921" dir="2700000" algn="ctr" rotWithShape="0">
+                    <a:schemeClr val="bg2"/>
+                  </a:outerShdw>
+                </a:effectLst>
+              </a14:hiddenEffects>
+            </a:ext>
+          </a:extLst>
+        </p:spPr>
+      </p:pic>
     </p:spTree>
     <p:extLst>
       <p:ext uri="{BB962C8B-B14F-4D97-AF65-F5344CB8AC3E}">
@@ -7424,7 +6540,7 @@
           <a:p>
             <a:fld id="{C5480D13-07B8-4CF5-901F-BD1025D74351}" type="datetime1">
               <a:rPr lang="en-US" smtClean="0"/>
-              <a:t>10/29/2025</a:t>
+              <a:t>11/4/2025</a:t>
             </a:fld>
             <a:endParaRPr lang="en-US"/>
           </a:p>
@@ -7474,13 +6590,13 @@
           <p:nvPr>
             <p:extLst>
               <p:ext uri="{D42A27DB-BD31-4B8C-83A1-F6EECF244321}">
-                <p14:modId xmlns:p14="http://schemas.microsoft.com/office/powerpoint/2010/main" val="2988777626"/>
+                <p14:modId xmlns:p14="http://schemas.microsoft.com/office/powerpoint/2010/main" val="2840761792"/>
               </p:ext>
             </p:extLst>
           </p:nvPr>
         </p:nvGraphicFramePr>
         <p:xfrm>
-          <a:off x="1854200" y="2234251"/>
+          <a:off x="1854200" y="2205222"/>
           <a:ext cx="8128000" cy="1280160"/>
         </p:xfrm>
         <a:graphic>
@@ -7877,40 +6993,67 @@
         <p:spPr>
           <a:xfrm>
             <a:off x="838200" y="1267326"/>
-            <a:ext cx="10515600" cy="4909637"/>
+            <a:ext cx="4822371" cy="4944788"/>
           </a:xfrm>
         </p:spPr>
         <p:txBody>
           <a:bodyPr/>
           <a:lstStyle/>
           <a:p>
-            <a:pPr marL="0" indent="0">
-              <a:buNone/>
-            </a:pPr>
+            <a:r>
+              <a:rPr lang="en-GB" dirty="0"/>
+              <a:t>The Weather Prediction System uses a user-friendly </a:t>
+            </a:r>
+            <a:r>
+              <a:rPr lang="en-GB" dirty="0" err="1"/>
+              <a:t>Tkinter</a:t>
+            </a:r>
+            <a:r>
+              <a:rPr lang="en-GB" dirty="0"/>
+              <a:t> interface where users select weather conditions (Outlook, Temperature, Humidity, Windy</a:t>
+            </a:r>
+            <a:r>
+              <a:rPr lang="en-GB" dirty="0" smtClean="0"/>
+              <a:t>).</a:t>
+            </a:r>
+            <a:br>
+              <a:rPr lang="en-GB" dirty="0" smtClean="0"/>
+            </a:br>
+            <a:endParaRPr lang="en-GB" dirty="0" smtClean="0"/>
+          </a:p>
+          <a:p>
+            <a:r>
+              <a:rPr lang="en-GB" dirty="0" smtClean="0"/>
+              <a:t>After </a:t>
+            </a:r>
+            <a:r>
+              <a:rPr lang="en-GB" dirty="0"/>
+              <a:t>clicking </a:t>
+            </a:r>
             <a:r>
               <a:rPr lang="en-GB" b="1" dirty="0"/>
-              <a:t>Sample Dataset </a:t>
-            </a:r>
-            <a:r>
-              <a:rPr lang="en-GB" b="1" dirty="0" smtClean="0"/>
-              <a:t>Table</a:t>
-            </a:r>
-            <a:endParaRPr lang="en-GB" dirty="0" smtClean="0"/>
-          </a:p>
-          <a:p>
-            <a:r>
-              <a:rPr lang="en-GB" dirty="0" smtClean="0"/>
-              <a:t>This </a:t>
+              <a:t>“Predict Weather”</a:t>
             </a:r>
             <a:r>
               <a:rPr lang="en-GB" dirty="0"/>
-              <a:t>table shows a sample of the generated weather dataset. Each row represents a scenario with Outlook, Temperature, Humidity, Wind, and the predicted outcome Play</a:t>
-            </a:r>
-            <a:r>
-              <a:rPr lang="en-GB" dirty="0" smtClean="0"/>
+              <a:t>, the Naïve Bayes model displays whether conditions are suitable to </a:t>
+            </a:r>
+            <a:r>
+              <a:rPr lang="en-GB" b="1" dirty="0"/>
+              <a:t>Play</a:t>
+            </a:r>
+            <a:r>
+              <a:rPr lang="en-GB" dirty="0"/>
+              <a:t> or </a:t>
+            </a:r>
+            <a:r>
+              <a:rPr lang="en-GB" b="1" dirty="0"/>
+              <a:t>Not Play</a:t>
+            </a:r>
+            <a:r>
+              <a:rPr lang="en-GB" dirty="0"/>
               <a:t>.</a:t>
             </a:r>
-            <a:endParaRPr lang="en-GB" dirty="0"/>
           </a:p>
           <a:p>
             <a:pPr marL="0" lvl="0" indent="0">
@@ -7943,7 +7086,7 @@
           <a:p>
             <a:fld id="{C5480D13-07B8-4CF5-901F-BD1025D74351}" type="datetime1">
               <a:rPr lang="en-US" smtClean="0"/>
-              <a:t>10/29/2025</a:t>
+              <a:t>11/4/2025</a:t>
             </a:fld>
             <a:endParaRPr lang="en-US"/>
           </a:p>
@@ -7980,9 +7123,9 @@
       </p:sp>
       <p:pic>
         <p:nvPicPr>
-          <p:cNvPr id="1026" name="Picture 2"/>
+          <p:cNvPr id="6" name="Picture 5"/>
           <p:cNvPicPr>
-            <a:picLocks noChangeAspect="1" noChangeArrowheads="1"/>
+            <a:picLocks noChangeAspect="1"/>
           </p:cNvPicPr>
           <p:nvPr/>
         </p:nvPicPr>
@@ -7994,52 +7137,18 @@
               </a:ext>
             </a:extLst>
           </a:blip>
-          <a:srcRect/>
           <a:stretch>
             <a:fillRect/>
           </a:stretch>
         </p:blipFill>
-        <p:spPr bwMode="auto">
+        <p:spPr>
           <a:xfrm>
-            <a:off x="1123949" y="3101974"/>
-            <a:ext cx="6742655" cy="2803525"/>
+            <a:off x="6455595" y="1207749"/>
+            <a:ext cx="4505954" cy="4848902"/>
           </a:xfrm>
           <a:prstGeom prst="rect">
             <a:avLst/>
           </a:prstGeom>
-          <a:noFill/>
-          <a:ln>
-            <a:noFill/>
-          </a:ln>
-          <a:effectLst/>
-          <a:extLst>
-            <a:ext uri="{909E8E84-426E-40DD-AFC4-6F175D3DCCD1}">
-              <a14:hiddenFill xmlns:a14="http://schemas.microsoft.com/office/drawing/2010/main">
-                <a:solidFill>
-                  <a:schemeClr val="accent1"/>
-                </a:solidFill>
-              </a14:hiddenFill>
-            </a:ext>
-            <a:ext uri="{91240B29-F687-4F45-9708-019B960494DF}">
-              <a14:hiddenLine xmlns:a14="http://schemas.microsoft.com/office/drawing/2010/main" w="9525">
-                <a:solidFill>
-                  <a:schemeClr val="tx1"/>
-                </a:solidFill>
-                <a:miter lim="800000"/>
-                <a:headEnd/>
-                <a:tailEnd/>
-              </a14:hiddenLine>
-            </a:ext>
-            <a:ext uri="{AF507438-7753-43E0-B8FC-AC1667EBCBE1}">
-              <a14:hiddenEffects xmlns:a14="http://schemas.microsoft.com/office/drawing/2010/main">
-                <a:effectLst>
-                  <a:outerShdw dist="35921" dir="2700000" algn="ctr" rotWithShape="0">
-                    <a:schemeClr val="bg2"/>
-                  </a:outerShdw>
-                </a:effectLst>
-              </a14:hiddenEffects>
-            </a:ext>
-          </a:extLst>
         </p:spPr>
       </p:pic>
     </p:spTree>
@@ -8156,35 +7265,95 @@
         <p:spPr>
           <a:xfrm>
             <a:off x="838200" y="1267326"/>
-            <a:ext cx="10515600" cy="4909637"/>
+            <a:ext cx="4822371" cy="4944788"/>
           </a:xfrm>
         </p:spPr>
         <p:txBody>
-          <a:bodyPr/>
-          <a:lstStyle/>
-          <a:p>
-            <a:pPr marL="0" indent="0">
+          <a:bodyPr>
+            <a:normAutofit fontScale="92500" lnSpcReduction="10000"/>
+          </a:bodyPr>
+          <a:lstStyle/>
+          <a:p>
+            <a:r>
+              <a:rPr lang="en-GB" dirty="0"/>
+              <a:t>This screen displays the </a:t>
+            </a:r>
+            <a:r>
+              <a:rPr lang="en-GB" b="1" dirty="0"/>
+              <a:t>Weather Prediction System</a:t>
+            </a:r>
+            <a:r>
+              <a:rPr lang="en-GB" dirty="0"/>
+              <a:t> after the user has selected input values for all weather attributes — </a:t>
+            </a:r>
+            <a:r>
+              <a:rPr lang="en-GB" i="1" dirty="0"/>
+              <a:t>Sunny</a:t>
+            </a:r>
+            <a:r>
+              <a:rPr lang="en-GB" dirty="0"/>
+              <a:t> outlook, </a:t>
+            </a:r>
+            <a:r>
+              <a:rPr lang="en-GB" i="1" dirty="0"/>
+              <a:t>Mild</a:t>
+            </a:r>
+            <a:r>
+              <a:rPr lang="en-GB" dirty="0"/>
+              <a:t> temperature, </a:t>
+            </a:r>
+            <a:r>
+              <a:rPr lang="en-GB" i="1" dirty="0"/>
+              <a:t>Normal</a:t>
+            </a:r>
+            <a:r>
+              <a:rPr lang="en-GB" dirty="0"/>
+              <a:t> humidity, and </a:t>
+            </a:r>
+            <a:r>
+              <a:rPr lang="en-GB" i="1" dirty="0"/>
+              <a:t>No wind</a:t>
+            </a:r>
+            <a:r>
+              <a:rPr lang="en-GB" dirty="0"/>
+              <a:t>.</a:t>
+            </a:r>
+            <a:br>
+              <a:rPr lang="en-GB" dirty="0"/>
+            </a:br>
+            <a:endParaRPr lang="en-GB" dirty="0" smtClean="0"/>
+          </a:p>
+          <a:p>
+            <a:r>
+              <a:rPr lang="en-GB" dirty="0" smtClean="0"/>
+              <a:t>These </a:t>
+            </a:r>
+            <a:r>
+              <a:rPr lang="en-GB" dirty="0"/>
+              <a:t>inputs are passed to the </a:t>
+            </a:r>
+            <a:r>
+              <a:rPr lang="en-GB" b="1" dirty="0"/>
+              <a:t>Naïve Bayes model</a:t>
+            </a:r>
+            <a:r>
+              <a:rPr lang="en-GB" dirty="0"/>
+              <a:t> when the user clicks </a:t>
+            </a:r>
+            <a:r>
+              <a:rPr lang="en-GB" b="1" dirty="0"/>
+              <a:t>“Predict Weather”</a:t>
+            </a:r>
+            <a:r>
+              <a:rPr lang="en-GB" dirty="0"/>
+              <a:t> to determine whether the conditions are suitable for outdoor play.</a:t>
+            </a:r>
+          </a:p>
+          <a:p>
+            <a:pPr marL="0" lvl="0" indent="0">
               <a:buNone/>
             </a:pPr>
-            <a:r>
-              <a:rPr lang="en-GB" sz="2400" b="1" dirty="0"/>
-              <a:t>Naive Bayes Confusion Matrix</a:t>
-            </a:r>
-          </a:p>
-          <a:p>
-            <a:r>
-              <a:rPr lang="en-GB" sz="2400" dirty="0" smtClean="0"/>
-              <a:t>The </a:t>
-            </a:r>
-            <a:r>
-              <a:rPr lang="en-GB" sz="2400" dirty="0"/>
-              <a:t>confusion matrix illustrates the Naive Bayes classifier’s performance. It shows correct and incorrect predictions for Play = Yes and Play = No</a:t>
-            </a:r>
-            <a:r>
-              <a:rPr lang="en-GB" sz="2400" dirty="0" smtClean="0"/>
-              <a:t>.</a:t>
-            </a:r>
-            <a:endParaRPr lang="en-GB" sz="2400" dirty="0"/>
+            <a:endParaRPr lang="en-US" dirty="0"/>
           </a:p>
         </p:txBody>
       </p:sp>
@@ -8211,7 +7380,7 @@
           <a:p>
             <a:fld id="{C5480D13-07B8-4CF5-901F-BD1025D74351}" type="datetime1">
               <a:rPr lang="en-US" smtClean="0"/>
-              <a:t>10/29/2025</a:t>
+              <a:t>11/4/2025</a:t>
             </a:fld>
             <a:endParaRPr lang="en-US"/>
           </a:p>
@@ -8248,9 +7417,9 @@
       </p:sp>
       <p:pic>
         <p:nvPicPr>
-          <p:cNvPr id="2050" name="Picture 2"/>
+          <p:cNvPr id="8" name="Picture 7"/>
           <p:cNvPicPr>
-            <a:picLocks noChangeAspect="1" noChangeArrowheads="1"/>
+            <a:picLocks noChangeAspect="1"/>
           </p:cNvPicPr>
           <p:nvPr/>
         </p:nvPicPr>
@@ -8262,58 +7431,24 @@
               </a:ext>
             </a:extLst>
           </a:blip>
-          <a:srcRect/>
           <a:stretch>
             <a:fillRect/>
           </a:stretch>
         </p:blipFill>
-        <p:spPr bwMode="auto">
+        <p:spPr>
           <a:xfrm>
-            <a:off x="1296988" y="2574924"/>
-            <a:ext cx="5561012" cy="3753975"/>
+            <a:off x="6474872" y="1338377"/>
+            <a:ext cx="4496427" cy="4848902"/>
           </a:xfrm>
           <a:prstGeom prst="rect">
             <a:avLst/>
           </a:prstGeom>
-          <a:noFill/>
-          <a:ln>
-            <a:noFill/>
-          </a:ln>
-          <a:effectLst/>
-          <a:extLst>
-            <a:ext uri="{909E8E84-426E-40DD-AFC4-6F175D3DCCD1}">
-              <a14:hiddenFill xmlns:a14="http://schemas.microsoft.com/office/drawing/2010/main">
-                <a:solidFill>
-                  <a:schemeClr val="accent1"/>
-                </a:solidFill>
-              </a14:hiddenFill>
-            </a:ext>
-            <a:ext uri="{91240B29-F687-4F45-9708-019B960494DF}">
-              <a14:hiddenLine xmlns:a14="http://schemas.microsoft.com/office/drawing/2010/main" w="9525">
-                <a:solidFill>
-                  <a:schemeClr val="tx1"/>
-                </a:solidFill>
-                <a:miter lim="800000"/>
-                <a:headEnd/>
-                <a:tailEnd/>
-              </a14:hiddenLine>
-            </a:ext>
-            <a:ext uri="{AF507438-7753-43E0-B8FC-AC1667EBCBE1}">
-              <a14:hiddenEffects xmlns:a14="http://schemas.microsoft.com/office/drawing/2010/main">
-                <a:effectLst>
-                  <a:outerShdw dist="35921" dir="2700000" algn="ctr" rotWithShape="0">
-                    <a:schemeClr val="bg2"/>
-                  </a:outerShdw>
-                </a:effectLst>
-              </a14:hiddenEffects>
-            </a:ext>
-          </a:extLst>
         </p:spPr>
       </p:pic>
     </p:spTree>
     <p:extLst>
       <p:ext uri="{BB962C8B-B14F-4D97-AF65-F5344CB8AC3E}">
-        <p14:creationId xmlns:p14="http://schemas.microsoft.com/office/powerpoint/2010/main" val="270193960"/>
+        <p14:creationId xmlns:p14="http://schemas.microsoft.com/office/powerpoint/2010/main" val="1712605591"/>
       </p:ext>
     </p:extLst>
   </p:cSld>
@@ -8423,36 +7558,66 @@
         </p:nvSpPr>
         <p:spPr>
           <a:xfrm>
-            <a:off x="810579" y="1238298"/>
-            <a:ext cx="10515600" cy="4909637"/>
+            <a:off x="838200" y="1267326"/>
+            <a:ext cx="4822371" cy="4944788"/>
           </a:xfrm>
         </p:spPr>
         <p:txBody>
-          <a:bodyPr/>
-          <a:lstStyle/>
-          <a:p>
-            <a:pPr marL="0" indent="0">
-              <a:buNone/>
-            </a:pPr>
-            <a:r>
-              <a:rPr lang="en-GB" sz="2400" b="1" dirty="0"/>
-              <a:t>Bayesian Network Structure</a:t>
-            </a:r>
-          </a:p>
-          <a:p>
-            <a:r>
-              <a:rPr lang="en-GB" sz="2400" dirty="0" smtClean="0"/>
-              <a:t>This </a:t>
-            </a:r>
-            <a:r>
-              <a:rPr lang="en-GB" sz="2400" dirty="0"/>
-              <a:t>graph represents the Bayesian Network. Arrows indicate dependencies from weather variables (Outlook, Temperature, Humidity, Wind) to the decision Play</a:t>
-            </a:r>
-            <a:r>
-              <a:rPr lang="en-GB" sz="2400" dirty="0" smtClean="0"/>
+          <a:bodyPr>
+            <a:normAutofit fontScale="92500" lnSpcReduction="10000"/>
+          </a:bodyPr>
+          <a:lstStyle/>
+          <a:p>
+            <a:r>
+              <a:rPr lang="en-GB" dirty="0"/>
+              <a:t>This pop-up window displays the </a:t>
+            </a:r>
+            <a:r>
+              <a:rPr lang="en-GB" b="1" dirty="0"/>
+              <a:t>final prediction result</a:t>
+            </a:r>
+            <a:r>
+              <a:rPr lang="en-GB" dirty="0"/>
+              <a:t> generated by the trained </a:t>
+            </a:r>
+            <a:r>
+              <a:rPr lang="en-GB" b="1" dirty="0"/>
+              <a:t>Naïve Bayes model</a:t>
+            </a:r>
+            <a:r>
+              <a:rPr lang="en-GB" dirty="0"/>
               <a:t>.</a:t>
             </a:r>
-            <a:endParaRPr lang="en-GB" sz="2400" dirty="0"/>
+            <a:br>
+              <a:rPr lang="en-GB" dirty="0"/>
+            </a:br>
+            <a:endParaRPr lang="en-GB" dirty="0" smtClean="0"/>
+          </a:p>
+          <a:p>
+            <a:r>
+              <a:rPr lang="en-GB" dirty="0" smtClean="0"/>
+              <a:t>Based </a:t>
+            </a:r>
+            <a:r>
+              <a:rPr lang="en-GB" dirty="0"/>
+              <a:t>on the user’s selected weather inputs, the system predicts </a:t>
+            </a:r>
+            <a:r>
+              <a:rPr lang="en-GB" b="1" dirty="0"/>
+              <a:t>“Play (Good Weather)”</a:t>
+            </a:r>
+            <a:r>
+              <a:rPr lang="en-GB" dirty="0"/>
+              <a:t>, indicating that the weather conditions are suitable for outdoor activities.</a:t>
+            </a:r>
+            <a:br>
+              <a:rPr lang="en-GB" dirty="0"/>
+            </a:br>
+            <a:r>
+              <a:rPr lang="en-GB" dirty="0"/>
+              <a:t>The result box provides a clear and simple output for user understanding.</a:t>
+            </a:r>
+            <a:endParaRPr lang="en-US" dirty="0"/>
           </a:p>
         </p:txBody>
       </p:sp>
@@ -8479,7 +7644,7 @@
           <a:p>
             <a:fld id="{C5480D13-07B8-4CF5-901F-BD1025D74351}" type="datetime1">
               <a:rPr lang="en-US" smtClean="0"/>
-              <a:t>10/29/2025</a:t>
+              <a:t>11/4/2025</a:t>
             </a:fld>
             <a:endParaRPr lang="en-US"/>
           </a:p>
@@ -8516,13 +7681,13 @@
       </p:sp>
       <p:pic>
         <p:nvPicPr>
-          <p:cNvPr id="7" name="Picture 6"/>
+          <p:cNvPr id="6" name="Picture 5"/>
           <p:cNvPicPr>
             <a:picLocks noChangeAspect="1"/>
           </p:cNvPicPr>
           <p:nvPr/>
         </p:nvPicPr>
-        <p:blipFill>
+        <p:blipFill rotWithShape="1">
           <a:blip r:embed="rId2">
             <a:extLst>
               <a:ext uri="{28A0092B-C50C-407E-A947-70E740481C1C}">
@@ -8530,44 +7695,13 @@
               </a:ext>
             </a:extLst>
           </a:blip>
-          <a:stretch>
-            <a:fillRect/>
-          </a:stretch>
+          <a:srcRect t="4458"/>
+          <a:stretch/>
         </p:blipFill>
         <p:spPr>
           <a:xfrm>
-            <a:off x="404441" y="2590574"/>
-            <a:ext cx="5325218" cy="3248478"/>
-          </a:xfrm>
-          <a:prstGeom prst="rect">
-            <a:avLst/>
-          </a:prstGeom>
-        </p:spPr>
-      </p:pic>
-      <p:pic>
-        <p:nvPicPr>
-          <p:cNvPr id="9" name="Picture 8"/>
-          <p:cNvPicPr>
-            <a:picLocks noChangeAspect="1"/>
-          </p:cNvPicPr>
-          <p:nvPr/>
-        </p:nvPicPr>
-        <p:blipFill>
-          <a:blip r:embed="rId3">
-            <a:extLst>
-              <a:ext uri="{28A0092B-C50C-407E-A947-70E740481C1C}">
-                <a14:useLocalDpi xmlns:a14="http://schemas.microsoft.com/office/drawing/2010/main" val="0"/>
-              </a:ext>
-            </a:extLst>
-          </a:blip>
-          <a:stretch>
-            <a:fillRect/>
-          </a:stretch>
-        </p:blipFill>
-        <p:spPr>
-          <a:xfrm>
-            <a:off x="6005512" y="2590574"/>
-            <a:ext cx="5320667" cy="3800476"/>
+            <a:off x="6537413" y="1654629"/>
+            <a:ext cx="4566016" cy="3297954"/>
           </a:xfrm>
           <a:prstGeom prst="rect">
             <a:avLst/>
@@ -8577,7 +7711,7 @@
     </p:spTree>
     <p:extLst>
       <p:ext uri="{BB962C8B-B14F-4D97-AF65-F5344CB8AC3E}">
-        <p14:creationId xmlns:p14="http://schemas.microsoft.com/office/powerpoint/2010/main" val="1780677971"/>
+        <p14:creationId xmlns:p14="http://schemas.microsoft.com/office/powerpoint/2010/main" val="3164378643"/>
       </p:ext>
     </p:extLst>
   </p:cSld>
@@ -8595,7 +7729,7 @@
         <p:cNvPr id="1" name="">
           <a:extLst>
             <a:ext uri="{FF2B5EF4-FFF2-40B4-BE49-F238E27FC236}">
-              <a16:creationId xmlns:a16="http://schemas.microsoft.com/office/drawing/2014/main" xmlns="" id="{7AF55069-71B1-83F0-E5F5-B02F8F577246}"/>
+              <a16:creationId xmlns:a16="http://schemas.microsoft.com/office/drawing/2014/main" xmlns="" id="{CAD63ECA-B59E-8742-1165-9911D2A450C7}"/>
             </a:ext>
           </a:extLst>
         </p:cNvPr>
@@ -8615,7 +7749,7 @@
           <p:cNvPr id="2" name="Title 1">
             <a:extLst>
               <a:ext uri="{FF2B5EF4-FFF2-40B4-BE49-F238E27FC236}">
-                <a16:creationId xmlns:a16="http://schemas.microsoft.com/office/drawing/2014/main" xmlns="" id="{1F358887-D4AD-6383-79D6-F528D34824D4}"/>
+                <a16:creationId xmlns:a16="http://schemas.microsoft.com/office/drawing/2014/main" xmlns="" id="{DE0B2EF6-B936-B9EB-24E4-C84A062402DD}"/>
               </a:ext>
             </a:extLst>
           </p:cNvPr>
@@ -8674,7 +7808,7 @@
           <p:cNvPr id="3" name="Content Placeholder 2">
             <a:extLst>
               <a:ext uri="{FF2B5EF4-FFF2-40B4-BE49-F238E27FC236}">
-                <a16:creationId xmlns:a16="http://schemas.microsoft.com/office/drawing/2014/main" xmlns="" id="{CB511744-1841-7314-5231-7CC4C07DDED0}"/>
+                <a16:creationId xmlns:a16="http://schemas.microsoft.com/office/drawing/2014/main" xmlns="" id="{4B9409AF-1BD6-CFDC-B172-AD3D38536AC2}"/>
               </a:ext>
             </a:extLst>
           </p:cNvPr>
@@ -8692,44 +7826,153 @@
           </a:xfrm>
         </p:spPr>
         <p:txBody>
-          <a:bodyPr/>
+          <a:bodyPr>
+            <a:normAutofit/>
+          </a:bodyPr>
           <a:lstStyle/>
           <a:p>
             <a:pPr marL="0" indent="0">
               <a:buNone/>
             </a:pPr>
             <a:r>
-              <a:rPr lang="en-GB" sz="2400" b="1" dirty="0" smtClean="0"/>
-              <a:t>CPT </a:t>
-            </a:r>
-            <a:r>
-              <a:rPr lang="en-GB" sz="2400" b="1" dirty="0" err="1" smtClean="0"/>
-              <a:t>Heatmap</a:t>
-            </a:r>
-            <a:endParaRPr lang="en-GB" sz="2400" b="1" dirty="0" smtClean="0"/>
-          </a:p>
-          <a:p>
-            <a:r>
-              <a:rPr lang="en-GB" sz="2400" dirty="0" smtClean="0"/>
-              <a:t>This </a:t>
-            </a:r>
-            <a:r>
-              <a:rPr lang="en-GB" sz="2400" dirty="0" err="1" smtClean="0"/>
-              <a:t>heatmap</a:t>
-            </a:r>
-            <a:r>
-              <a:rPr lang="en-GB" sz="2400" dirty="0" smtClean="0"/>
-              <a:t> visualizes the conditional probabilities of Play given all combinations of parent variables. Darker </a:t>
-            </a:r>
-            <a:r>
-              <a:rPr lang="en-GB" sz="2400" dirty="0" err="1" smtClean="0"/>
-              <a:t>colors</a:t>
-            </a:r>
-            <a:r>
-              <a:rPr lang="en-GB" sz="2400" dirty="0" smtClean="0"/>
-              <a:t> indicate higher probabilities for each outcome.</a:t>
-            </a:r>
-            <a:endParaRPr lang="en-GB" sz="2400" dirty="0"/>
+              <a:rPr lang="en-GB" sz="2000" b="1" dirty="0" smtClean="0"/>
+              <a:t>Results</a:t>
+            </a:r>
+            <a:endParaRPr lang="en-GB" sz="2000" b="1" dirty="0"/>
+          </a:p>
+          <a:p>
+            <a:r>
+              <a:rPr lang="en-GB" sz="2000" dirty="0"/>
+              <a:t>The </a:t>
+            </a:r>
+            <a:r>
+              <a:rPr lang="en-GB" sz="2000" b="1" dirty="0"/>
+              <a:t>Naïve Bayes model</a:t>
+            </a:r>
+            <a:r>
+              <a:rPr lang="en-GB" sz="2000" dirty="0"/>
+              <a:t> successfully predicts whether outdoor play is possible based on given weather conditions.</a:t>
+            </a:r>
+          </a:p>
+          <a:p>
+            <a:r>
+              <a:rPr lang="en-GB" sz="2000" dirty="0"/>
+              <a:t>The system </a:t>
+            </a:r>
+            <a:r>
+              <a:rPr lang="en-GB" sz="2000" dirty="0" err="1"/>
+              <a:t>analyzes</a:t>
+            </a:r>
+            <a:r>
+              <a:rPr lang="en-GB" sz="2000" dirty="0"/>
+              <a:t> four key weather factors — </a:t>
+            </a:r>
+            <a:r>
+              <a:rPr lang="en-GB" sz="2000" b="1" dirty="0"/>
+              <a:t>Outlook, Temperature, Humidity,</a:t>
+            </a:r>
+            <a:r>
+              <a:rPr lang="en-GB" sz="2000" dirty="0"/>
+              <a:t> and </a:t>
+            </a:r>
+            <a:r>
+              <a:rPr lang="en-GB" sz="2000" b="1" dirty="0"/>
+              <a:t>Windy</a:t>
+            </a:r>
+            <a:r>
+              <a:rPr lang="en-GB" sz="2000" dirty="0"/>
+              <a:t> — to determine the outcome.</a:t>
+            </a:r>
+          </a:p>
+          <a:p>
+            <a:r>
+              <a:rPr lang="en-GB" sz="2000" dirty="0"/>
+              <a:t>Predictions are </a:t>
+            </a:r>
+            <a:r>
+              <a:rPr lang="en-GB" sz="2000" b="1" dirty="0"/>
+              <a:t>consistent with realistic scenarios</a:t>
+            </a:r>
+            <a:r>
+              <a:rPr lang="en-GB" sz="2000" dirty="0"/>
+              <a:t>, e.g., </a:t>
+            </a:r>
+            <a:r>
+              <a:rPr lang="en-GB" sz="2000" i="1" dirty="0"/>
+              <a:t>Sunny and Mild</a:t>
+            </a:r>
+            <a:r>
+              <a:rPr lang="en-GB" sz="2000" dirty="0"/>
+              <a:t> → Play, </a:t>
+            </a:r>
+            <a:r>
+              <a:rPr lang="en-GB" sz="2000" i="1" dirty="0"/>
+              <a:t>Rainy with High Humidity</a:t>
+            </a:r>
+            <a:r>
+              <a:rPr lang="en-GB" sz="2000" dirty="0"/>
+              <a:t> → Don’t Play.</a:t>
+            </a:r>
+          </a:p>
+          <a:p>
+            <a:r>
+              <a:rPr lang="en-GB" sz="2000" dirty="0"/>
+              <a:t>The </a:t>
+            </a:r>
+            <a:r>
+              <a:rPr lang="en-GB" sz="2000" b="1" dirty="0" err="1"/>
+              <a:t>Tkinter</a:t>
+            </a:r>
+            <a:r>
+              <a:rPr lang="en-GB" sz="2000" b="1" dirty="0"/>
+              <a:t>-based GUI</a:t>
+            </a:r>
+            <a:r>
+              <a:rPr lang="en-GB" sz="2000" dirty="0"/>
+              <a:t> allows users to interactively select weather inputs and instantly view prediction results.</a:t>
+            </a:r>
+          </a:p>
+          <a:p>
+            <a:r>
+              <a:rPr lang="en-GB" sz="2000" dirty="0"/>
+              <a:t>The system provides </a:t>
+            </a:r>
+            <a:r>
+              <a:rPr lang="en-GB" sz="2000" b="1" dirty="0"/>
+              <a:t>accurate, interpretable, and probabilistic</a:t>
+            </a:r>
+            <a:r>
+              <a:rPr lang="en-GB" sz="2000" dirty="0"/>
+              <a:t> predictions even with uncertain input data.</a:t>
+            </a:r>
+          </a:p>
+          <a:p>
+            <a:r>
+              <a:rPr lang="en-GB" sz="2000" dirty="0"/>
+              <a:t>Compared to rule-based or static models, this approach offers </a:t>
+            </a:r>
+            <a:r>
+              <a:rPr lang="en-GB" sz="2000" b="1" dirty="0"/>
+              <a:t>real-time prediction</a:t>
+            </a:r>
+            <a:r>
+              <a:rPr lang="en-GB" sz="2000" dirty="0"/>
+              <a:t> and </a:t>
+            </a:r>
+            <a:r>
+              <a:rPr lang="en-GB" sz="2000" b="1" dirty="0"/>
+              <a:t>better decision-making under uncertainty</a:t>
+            </a:r>
+            <a:r>
+              <a:rPr lang="en-GB" sz="2000" dirty="0"/>
+              <a:t>.</a:t>
+            </a:r>
+          </a:p>
+          <a:p>
+            <a:pPr marL="0" lvl="0" indent="0">
+              <a:buNone/>
+            </a:pPr>
+            <a:endParaRPr lang="en-US" dirty="0"/>
           </a:p>
         </p:txBody>
       </p:sp>
@@ -8738,7 +7981,7 @@
           <p:cNvPr id="4" name="Date Placeholder 3">
             <a:extLst>
               <a:ext uri="{FF2B5EF4-FFF2-40B4-BE49-F238E27FC236}">
-                <a16:creationId xmlns:a16="http://schemas.microsoft.com/office/drawing/2014/main" xmlns="" id="{E47BACE5-322B-3F55-2CA9-8E1D4117021B}"/>
+                <a16:creationId xmlns:a16="http://schemas.microsoft.com/office/drawing/2014/main" xmlns="" id="{04773938-5370-329C-27AB-D82ECB9D7128}"/>
               </a:ext>
             </a:extLst>
           </p:cNvPr>
@@ -8756,7 +7999,7 @@
           <a:p>
             <a:fld id="{C5480D13-07B8-4CF5-901F-BD1025D74351}" type="datetime1">
               <a:rPr lang="en-US" smtClean="0"/>
-              <a:t>10/29/2025</a:t>
+              <a:t>11/4/2025</a:t>
             </a:fld>
             <a:endParaRPr lang="en-US"/>
           </a:p>
@@ -8767,7 +8010,7 @@
           <p:cNvPr id="5" name="Slide Number Placeholder 4">
             <a:extLst>
               <a:ext uri="{FF2B5EF4-FFF2-40B4-BE49-F238E27FC236}">
-                <a16:creationId xmlns:a16="http://schemas.microsoft.com/office/drawing/2014/main" xmlns="" id="{A7D1AF6B-7EFE-60E0-2350-AE083D01AD8A}"/>
+                <a16:creationId xmlns:a16="http://schemas.microsoft.com/office/drawing/2014/main" xmlns="" id="{E8A83B3C-8735-B8FC-8D50-B919B3471343}"/>
               </a:ext>
             </a:extLst>
           </p:cNvPr>
@@ -8787,44 +8030,14 @@
               <a:rPr lang="en-US" smtClean="0"/>
               <a:t>9</a:t>
             </a:fld>
-            <a:endParaRPr lang="en-US"/>
-          </a:p>
-        </p:txBody>
-      </p:sp>
-      <p:pic>
-        <p:nvPicPr>
-          <p:cNvPr id="6" name="Picture 5"/>
-          <p:cNvPicPr>
-            <a:picLocks noChangeAspect="1"/>
-          </p:cNvPicPr>
-          <p:nvPr/>
-        </p:nvPicPr>
-        <p:blipFill>
-          <a:blip r:embed="rId2">
-            <a:extLst>
-              <a:ext uri="{28A0092B-C50C-407E-A947-70E740481C1C}">
-                <a14:useLocalDpi xmlns:a14="http://schemas.microsoft.com/office/drawing/2010/main" val="0"/>
-              </a:ext>
-            </a:extLst>
-          </a:blip>
-          <a:stretch>
-            <a:fillRect/>
-          </a:stretch>
-        </p:blipFill>
-        <p:spPr>
-          <a:xfrm>
-            <a:off x="1885951" y="2806500"/>
-            <a:ext cx="7543800" cy="3617269"/>
-          </a:xfrm>
-          <a:prstGeom prst="rect">
-            <a:avLst/>
-          </a:prstGeom>
-        </p:spPr>
-      </p:pic>
+            <a:endParaRPr lang="en-US" dirty="0"/>
+          </a:p>
+        </p:txBody>
+      </p:sp>
     </p:spTree>
     <p:extLst>
       <p:ext uri="{BB962C8B-B14F-4D97-AF65-F5344CB8AC3E}">
-        <p14:creationId xmlns:p14="http://schemas.microsoft.com/office/powerpoint/2010/main" val="1355344699"/>
+        <p14:creationId xmlns:p14="http://schemas.microsoft.com/office/powerpoint/2010/main" val="1263363521"/>
       </p:ext>
     </p:extLst>
   </p:cSld>
